--- a/Scientific_Computing_02.pptx
+++ b/Scientific_Computing_02.pptx
@@ -2,23 +2,24 @@
 <file path=ppt/presentation.xml><?xml version="1.0" encoding="utf-8"?>
 <p:presentation xmlns:a="http://schemas.openxmlformats.org/drawingml/2006/main" xmlns:r="http://schemas.openxmlformats.org/officeDocument/2006/relationships" xmlns:p="http://schemas.openxmlformats.org/presentationml/2006/main" saveSubsetFonts="1" autoCompressPictures="0">
   <p:sldMasterIdLst>
-    <p:sldMasterId id="2147483648" r:id="rId1"/>
+    <p:sldMasterId id="2147483660" r:id="rId1"/>
   </p:sldMasterIdLst>
   <p:sldIdLst>
     <p:sldId id="256" r:id="rId2"/>
-    <p:sldId id="262" r:id="rId3"/>
-    <p:sldId id="263" r:id="rId4"/>
-    <p:sldId id="264" r:id="rId5"/>
-    <p:sldId id="265" r:id="rId6"/>
-    <p:sldId id="257" r:id="rId7"/>
-    <p:sldId id="267" r:id="rId8"/>
-    <p:sldId id="268" r:id="rId9"/>
-    <p:sldId id="266" r:id="rId10"/>
-    <p:sldId id="270" r:id="rId11"/>
-    <p:sldId id="269" r:id="rId12"/>
-    <p:sldId id="259" r:id="rId13"/>
-    <p:sldId id="260" r:id="rId14"/>
-    <p:sldId id="258" r:id="rId15"/>
+    <p:sldId id="271" r:id="rId3"/>
+    <p:sldId id="262" r:id="rId4"/>
+    <p:sldId id="263" r:id="rId5"/>
+    <p:sldId id="264" r:id="rId6"/>
+    <p:sldId id="272" r:id="rId7"/>
+    <p:sldId id="257" r:id="rId8"/>
+    <p:sldId id="267" r:id="rId9"/>
+    <p:sldId id="268" r:id="rId10"/>
+    <p:sldId id="266" r:id="rId11"/>
+    <p:sldId id="270" r:id="rId12"/>
+    <p:sldId id="269" r:id="rId13"/>
+    <p:sldId id="259" r:id="rId14"/>
+    <p:sldId id="260" r:id="rId15"/>
+    <p:sldId id="258" r:id="rId16"/>
   </p:sldIdLst>
   <p:sldSz cx="12192000" cy="6858000"/>
   <p:notesSz cx="6858000" cy="9144000"/>
@@ -126,8 +127,16 @@
 </file>
 
 <file path=ppt/slideLayouts/slideLayout1.xml><?xml version="1.0" encoding="utf-8"?>
-<p:sldLayout xmlns:a="http://schemas.openxmlformats.org/drawingml/2006/main" xmlns:r="http://schemas.openxmlformats.org/officeDocument/2006/relationships" xmlns:p="http://schemas.openxmlformats.org/presentationml/2006/main" type="title" preserve="1">
+<p:sldLayout xmlns:a="http://schemas.openxmlformats.org/drawingml/2006/main" xmlns:r="http://schemas.openxmlformats.org/officeDocument/2006/relationships" xmlns:p="http://schemas.openxmlformats.org/presentationml/2006/main" showMasterSp="0" type="title" preserve="1">
   <p:cSld name="Title Slide">
+    <p:bg>
+      <p:bgPr>
+        <a:solidFill>
+          <a:schemeClr val="accent1"/>
+        </a:solidFill>
+        <a:effectLst/>
+      </p:bgPr>
+    </p:bg>
     <p:spTree>
       <p:nvGrpSpPr>
         <p:cNvPr id="1" name=""/>
@@ -144,13 +153,1053 @@
       </p:grpSpPr>
       <p:sp>
         <p:nvSpPr>
-          <p:cNvPr id="2" name="Title 1">
-            <a:extLst>
-              <a:ext uri="{FF2B5EF4-FFF2-40B4-BE49-F238E27FC236}">
-                <a16:creationId xmlns:a16="http://schemas.microsoft.com/office/drawing/2014/main" id="{D3B8AA4A-DB40-574F-AA19-233B7B6436CE}"/>
-              </a:ext>
-            </a:extLst>
-          </p:cNvPr>
+          <p:cNvPr id="11" name="Freeform 6" title="scalloped circle"/>
+          <p:cNvSpPr/>
+          <p:nvPr/>
+        </p:nvSpPr>
+        <p:spPr bwMode="auto">
+          <a:xfrm>
+            <a:off x="3557016" y="630936"/>
+            <a:ext cx="5235575" cy="5229225"/>
+          </a:xfrm>
+          <a:custGeom>
+            <a:avLst/>
+            <a:gdLst/>
+            <a:ahLst/>
+            <a:cxnLst/>
+            <a:rect l="0" t="0" r="r" b="b"/>
+            <a:pathLst>
+              <a:path w="3298" h="3294">
+                <a:moveTo>
+                  <a:pt x="1649" y="0"/>
+                </a:moveTo>
+                <a:lnTo>
+                  <a:pt x="1681" y="3"/>
+                </a:lnTo>
+                <a:lnTo>
+                  <a:pt x="1712" y="11"/>
+                </a:lnTo>
+                <a:lnTo>
+                  <a:pt x="1742" y="23"/>
+                </a:lnTo>
+                <a:lnTo>
+                  <a:pt x="1773" y="38"/>
+                </a:lnTo>
+                <a:lnTo>
+                  <a:pt x="1802" y="55"/>
+                </a:lnTo>
+                <a:lnTo>
+                  <a:pt x="1832" y="73"/>
+                </a:lnTo>
+                <a:lnTo>
+                  <a:pt x="1862" y="89"/>
+                </a:lnTo>
+                <a:lnTo>
+                  <a:pt x="1892" y="105"/>
+                </a:lnTo>
+                <a:lnTo>
+                  <a:pt x="1921" y="117"/>
+                </a:lnTo>
+                <a:lnTo>
+                  <a:pt x="1953" y="125"/>
+                </a:lnTo>
+                <a:lnTo>
+                  <a:pt x="1984" y="129"/>
+                </a:lnTo>
+                <a:lnTo>
+                  <a:pt x="2017" y="129"/>
+                </a:lnTo>
+                <a:lnTo>
+                  <a:pt x="2051" y="127"/>
+                </a:lnTo>
+                <a:lnTo>
+                  <a:pt x="2085" y="123"/>
+                </a:lnTo>
+                <a:lnTo>
+                  <a:pt x="2119" y="118"/>
+                </a:lnTo>
+                <a:lnTo>
+                  <a:pt x="2153" y="114"/>
+                </a:lnTo>
+                <a:lnTo>
+                  <a:pt x="2187" y="111"/>
+                </a:lnTo>
+                <a:lnTo>
+                  <a:pt x="2219" y="112"/>
+                </a:lnTo>
+                <a:lnTo>
+                  <a:pt x="2250" y="116"/>
+                </a:lnTo>
+                <a:lnTo>
+                  <a:pt x="2280" y="125"/>
+                </a:lnTo>
+                <a:lnTo>
+                  <a:pt x="2305" y="138"/>
+                </a:lnTo>
+                <a:lnTo>
+                  <a:pt x="2329" y="155"/>
+                </a:lnTo>
+                <a:lnTo>
+                  <a:pt x="2350" y="175"/>
+                </a:lnTo>
+                <a:lnTo>
+                  <a:pt x="2371" y="198"/>
+                </a:lnTo>
+                <a:lnTo>
+                  <a:pt x="2390" y="222"/>
+                </a:lnTo>
+                <a:lnTo>
+                  <a:pt x="2409" y="247"/>
+                </a:lnTo>
+                <a:lnTo>
+                  <a:pt x="2428" y="272"/>
+                </a:lnTo>
+                <a:lnTo>
+                  <a:pt x="2447" y="296"/>
+                </a:lnTo>
+                <a:lnTo>
+                  <a:pt x="2467" y="319"/>
+                </a:lnTo>
+                <a:lnTo>
+                  <a:pt x="2490" y="339"/>
+                </a:lnTo>
+                <a:lnTo>
+                  <a:pt x="2512" y="357"/>
+                </a:lnTo>
+                <a:lnTo>
+                  <a:pt x="2537" y="371"/>
+                </a:lnTo>
+                <a:lnTo>
+                  <a:pt x="2564" y="383"/>
+                </a:lnTo>
+                <a:lnTo>
+                  <a:pt x="2593" y="393"/>
+                </a:lnTo>
+                <a:lnTo>
+                  <a:pt x="2623" y="402"/>
+                </a:lnTo>
+                <a:lnTo>
+                  <a:pt x="2653" y="410"/>
+                </a:lnTo>
+                <a:lnTo>
+                  <a:pt x="2684" y="418"/>
+                </a:lnTo>
+                <a:lnTo>
+                  <a:pt x="2713" y="427"/>
+                </a:lnTo>
+                <a:lnTo>
+                  <a:pt x="2742" y="437"/>
+                </a:lnTo>
+                <a:lnTo>
+                  <a:pt x="2769" y="449"/>
+                </a:lnTo>
+                <a:lnTo>
+                  <a:pt x="2793" y="464"/>
+                </a:lnTo>
+                <a:lnTo>
+                  <a:pt x="2815" y="482"/>
+                </a:lnTo>
+                <a:lnTo>
+                  <a:pt x="2833" y="504"/>
+                </a:lnTo>
+                <a:lnTo>
+                  <a:pt x="2848" y="528"/>
+                </a:lnTo>
+                <a:lnTo>
+                  <a:pt x="2860" y="555"/>
+                </a:lnTo>
+                <a:lnTo>
+                  <a:pt x="2870" y="584"/>
+                </a:lnTo>
+                <a:lnTo>
+                  <a:pt x="2879" y="613"/>
+                </a:lnTo>
+                <a:lnTo>
+                  <a:pt x="2887" y="644"/>
+                </a:lnTo>
+                <a:lnTo>
+                  <a:pt x="2895" y="674"/>
+                </a:lnTo>
+                <a:lnTo>
+                  <a:pt x="2904" y="704"/>
+                </a:lnTo>
+                <a:lnTo>
+                  <a:pt x="2914" y="733"/>
+                </a:lnTo>
+                <a:lnTo>
+                  <a:pt x="2926" y="760"/>
+                </a:lnTo>
+                <a:lnTo>
+                  <a:pt x="2940" y="785"/>
+                </a:lnTo>
+                <a:lnTo>
+                  <a:pt x="2958" y="807"/>
+                </a:lnTo>
+                <a:lnTo>
+                  <a:pt x="2978" y="830"/>
+                </a:lnTo>
+                <a:lnTo>
+                  <a:pt x="3001" y="850"/>
+                </a:lnTo>
+                <a:lnTo>
+                  <a:pt x="3025" y="869"/>
+                </a:lnTo>
+                <a:lnTo>
+                  <a:pt x="3051" y="888"/>
+                </a:lnTo>
+                <a:lnTo>
+                  <a:pt x="3076" y="907"/>
+                </a:lnTo>
+                <a:lnTo>
+                  <a:pt x="3100" y="926"/>
+                </a:lnTo>
+                <a:lnTo>
+                  <a:pt x="3123" y="947"/>
+                </a:lnTo>
+                <a:lnTo>
+                  <a:pt x="3143" y="968"/>
+                </a:lnTo>
+                <a:lnTo>
+                  <a:pt x="3160" y="992"/>
+                </a:lnTo>
+                <a:lnTo>
+                  <a:pt x="3173" y="1017"/>
+                </a:lnTo>
+                <a:lnTo>
+                  <a:pt x="3182" y="1047"/>
+                </a:lnTo>
+                <a:lnTo>
+                  <a:pt x="3186" y="1078"/>
+                </a:lnTo>
+                <a:lnTo>
+                  <a:pt x="3187" y="1110"/>
+                </a:lnTo>
+                <a:lnTo>
+                  <a:pt x="3184" y="1144"/>
+                </a:lnTo>
+                <a:lnTo>
+                  <a:pt x="3180" y="1178"/>
+                </a:lnTo>
+                <a:lnTo>
+                  <a:pt x="3175" y="1212"/>
+                </a:lnTo>
+                <a:lnTo>
+                  <a:pt x="3171" y="1246"/>
+                </a:lnTo>
+                <a:lnTo>
+                  <a:pt x="3169" y="1280"/>
+                </a:lnTo>
+                <a:lnTo>
+                  <a:pt x="3169" y="1313"/>
+                </a:lnTo>
+                <a:lnTo>
+                  <a:pt x="3173" y="1344"/>
+                </a:lnTo>
+                <a:lnTo>
+                  <a:pt x="3181" y="1375"/>
+                </a:lnTo>
+                <a:lnTo>
+                  <a:pt x="3193" y="1404"/>
+                </a:lnTo>
+                <a:lnTo>
+                  <a:pt x="3209" y="1434"/>
+                </a:lnTo>
+                <a:lnTo>
+                  <a:pt x="3225" y="1464"/>
+                </a:lnTo>
+                <a:lnTo>
+                  <a:pt x="3243" y="1494"/>
+                </a:lnTo>
+                <a:lnTo>
+                  <a:pt x="3260" y="1523"/>
+                </a:lnTo>
+                <a:lnTo>
+                  <a:pt x="3275" y="1554"/>
+                </a:lnTo>
+                <a:lnTo>
+                  <a:pt x="3287" y="1584"/>
+                </a:lnTo>
+                <a:lnTo>
+                  <a:pt x="3295" y="1615"/>
+                </a:lnTo>
+                <a:lnTo>
+                  <a:pt x="3298" y="1647"/>
+                </a:lnTo>
+                <a:lnTo>
+                  <a:pt x="3295" y="1679"/>
+                </a:lnTo>
+                <a:lnTo>
+                  <a:pt x="3287" y="1710"/>
+                </a:lnTo>
+                <a:lnTo>
+                  <a:pt x="3275" y="1740"/>
+                </a:lnTo>
+                <a:lnTo>
+                  <a:pt x="3260" y="1771"/>
+                </a:lnTo>
+                <a:lnTo>
+                  <a:pt x="3243" y="1800"/>
+                </a:lnTo>
+                <a:lnTo>
+                  <a:pt x="3225" y="1830"/>
+                </a:lnTo>
+                <a:lnTo>
+                  <a:pt x="3209" y="1860"/>
+                </a:lnTo>
+                <a:lnTo>
+                  <a:pt x="3193" y="1890"/>
+                </a:lnTo>
+                <a:lnTo>
+                  <a:pt x="3181" y="1919"/>
+                </a:lnTo>
+                <a:lnTo>
+                  <a:pt x="3173" y="1950"/>
+                </a:lnTo>
+                <a:lnTo>
+                  <a:pt x="3169" y="1981"/>
+                </a:lnTo>
+                <a:lnTo>
+                  <a:pt x="3169" y="2014"/>
+                </a:lnTo>
+                <a:lnTo>
+                  <a:pt x="3171" y="2048"/>
+                </a:lnTo>
+                <a:lnTo>
+                  <a:pt x="3175" y="2082"/>
+                </a:lnTo>
+                <a:lnTo>
+                  <a:pt x="3180" y="2116"/>
+                </a:lnTo>
+                <a:lnTo>
+                  <a:pt x="3184" y="2150"/>
+                </a:lnTo>
+                <a:lnTo>
+                  <a:pt x="3187" y="2184"/>
+                </a:lnTo>
+                <a:lnTo>
+                  <a:pt x="3186" y="2216"/>
+                </a:lnTo>
+                <a:lnTo>
+                  <a:pt x="3182" y="2247"/>
+                </a:lnTo>
+                <a:lnTo>
+                  <a:pt x="3173" y="2277"/>
+                </a:lnTo>
+                <a:lnTo>
+                  <a:pt x="3160" y="2302"/>
+                </a:lnTo>
+                <a:lnTo>
+                  <a:pt x="3143" y="2326"/>
+                </a:lnTo>
+                <a:lnTo>
+                  <a:pt x="3123" y="2347"/>
+                </a:lnTo>
+                <a:lnTo>
+                  <a:pt x="3100" y="2368"/>
+                </a:lnTo>
+                <a:lnTo>
+                  <a:pt x="3076" y="2387"/>
+                </a:lnTo>
+                <a:lnTo>
+                  <a:pt x="3051" y="2406"/>
+                </a:lnTo>
+                <a:lnTo>
+                  <a:pt x="3025" y="2425"/>
+                </a:lnTo>
+                <a:lnTo>
+                  <a:pt x="3001" y="2444"/>
+                </a:lnTo>
+                <a:lnTo>
+                  <a:pt x="2978" y="2464"/>
+                </a:lnTo>
+                <a:lnTo>
+                  <a:pt x="2958" y="2487"/>
+                </a:lnTo>
+                <a:lnTo>
+                  <a:pt x="2940" y="2509"/>
+                </a:lnTo>
+                <a:lnTo>
+                  <a:pt x="2926" y="2534"/>
+                </a:lnTo>
+                <a:lnTo>
+                  <a:pt x="2914" y="2561"/>
+                </a:lnTo>
+                <a:lnTo>
+                  <a:pt x="2904" y="2590"/>
+                </a:lnTo>
+                <a:lnTo>
+                  <a:pt x="2895" y="2620"/>
+                </a:lnTo>
+                <a:lnTo>
+                  <a:pt x="2887" y="2650"/>
+                </a:lnTo>
+                <a:lnTo>
+                  <a:pt x="2879" y="2681"/>
+                </a:lnTo>
+                <a:lnTo>
+                  <a:pt x="2870" y="2710"/>
+                </a:lnTo>
+                <a:lnTo>
+                  <a:pt x="2860" y="2739"/>
+                </a:lnTo>
+                <a:lnTo>
+                  <a:pt x="2848" y="2766"/>
+                </a:lnTo>
+                <a:lnTo>
+                  <a:pt x="2833" y="2790"/>
+                </a:lnTo>
+                <a:lnTo>
+                  <a:pt x="2815" y="2812"/>
+                </a:lnTo>
+                <a:lnTo>
+                  <a:pt x="2793" y="2830"/>
+                </a:lnTo>
+                <a:lnTo>
+                  <a:pt x="2769" y="2845"/>
+                </a:lnTo>
+                <a:lnTo>
+                  <a:pt x="2742" y="2857"/>
+                </a:lnTo>
+                <a:lnTo>
+                  <a:pt x="2713" y="2867"/>
+                </a:lnTo>
+                <a:lnTo>
+                  <a:pt x="2684" y="2876"/>
+                </a:lnTo>
+                <a:lnTo>
+                  <a:pt x="2653" y="2884"/>
+                </a:lnTo>
+                <a:lnTo>
+                  <a:pt x="2623" y="2892"/>
+                </a:lnTo>
+                <a:lnTo>
+                  <a:pt x="2593" y="2901"/>
+                </a:lnTo>
+                <a:lnTo>
+                  <a:pt x="2564" y="2911"/>
+                </a:lnTo>
+                <a:lnTo>
+                  <a:pt x="2537" y="2923"/>
+                </a:lnTo>
+                <a:lnTo>
+                  <a:pt x="2512" y="2937"/>
+                </a:lnTo>
+                <a:lnTo>
+                  <a:pt x="2490" y="2955"/>
+                </a:lnTo>
+                <a:lnTo>
+                  <a:pt x="2467" y="2975"/>
+                </a:lnTo>
+                <a:lnTo>
+                  <a:pt x="2447" y="2998"/>
+                </a:lnTo>
+                <a:lnTo>
+                  <a:pt x="2428" y="3022"/>
+                </a:lnTo>
+                <a:lnTo>
+                  <a:pt x="2409" y="3047"/>
+                </a:lnTo>
+                <a:lnTo>
+                  <a:pt x="2390" y="3072"/>
+                </a:lnTo>
+                <a:lnTo>
+                  <a:pt x="2371" y="3096"/>
+                </a:lnTo>
+                <a:lnTo>
+                  <a:pt x="2350" y="3119"/>
+                </a:lnTo>
+                <a:lnTo>
+                  <a:pt x="2329" y="3139"/>
+                </a:lnTo>
+                <a:lnTo>
+                  <a:pt x="2305" y="3156"/>
+                </a:lnTo>
+                <a:lnTo>
+                  <a:pt x="2280" y="3169"/>
+                </a:lnTo>
+                <a:lnTo>
+                  <a:pt x="2250" y="3178"/>
+                </a:lnTo>
+                <a:lnTo>
+                  <a:pt x="2219" y="3182"/>
+                </a:lnTo>
+                <a:lnTo>
+                  <a:pt x="2187" y="3183"/>
+                </a:lnTo>
+                <a:lnTo>
+                  <a:pt x="2153" y="3180"/>
+                </a:lnTo>
+                <a:lnTo>
+                  <a:pt x="2119" y="3176"/>
+                </a:lnTo>
+                <a:lnTo>
+                  <a:pt x="2085" y="3171"/>
+                </a:lnTo>
+                <a:lnTo>
+                  <a:pt x="2051" y="3167"/>
+                </a:lnTo>
+                <a:lnTo>
+                  <a:pt x="2017" y="3165"/>
+                </a:lnTo>
+                <a:lnTo>
+                  <a:pt x="1984" y="3165"/>
+                </a:lnTo>
+                <a:lnTo>
+                  <a:pt x="1953" y="3169"/>
+                </a:lnTo>
+                <a:lnTo>
+                  <a:pt x="1921" y="3177"/>
+                </a:lnTo>
+                <a:lnTo>
+                  <a:pt x="1892" y="3189"/>
+                </a:lnTo>
+                <a:lnTo>
+                  <a:pt x="1862" y="3205"/>
+                </a:lnTo>
+                <a:lnTo>
+                  <a:pt x="1832" y="3221"/>
+                </a:lnTo>
+                <a:lnTo>
+                  <a:pt x="1802" y="3239"/>
+                </a:lnTo>
+                <a:lnTo>
+                  <a:pt x="1773" y="3256"/>
+                </a:lnTo>
+                <a:lnTo>
+                  <a:pt x="1742" y="3271"/>
+                </a:lnTo>
+                <a:lnTo>
+                  <a:pt x="1712" y="3283"/>
+                </a:lnTo>
+                <a:lnTo>
+                  <a:pt x="1681" y="3291"/>
+                </a:lnTo>
+                <a:lnTo>
+                  <a:pt x="1649" y="3294"/>
+                </a:lnTo>
+                <a:lnTo>
+                  <a:pt x="1617" y="3291"/>
+                </a:lnTo>
+                <a:lnTo>
+                  <a:pt x="1586" y="3283"/>
+                </a:lnTo>
+                <a:lnTo>
+                  <a:pt x="1556" y="3271"/>
+                </a:lnTo>
+                <a:lnTo>
+                  <a:pt x="1525" y="3256"/>
+                </a:lnTo>
+                <a:lnTo>
+                  <a:pt x="1496" y="3239"/>
+                </a:lnTo>
+                <a:lnTo>
+                  <a:pt x="1466" y="3221"/>
+                </a:lnTo>
+                <a:lnTo>
+                  <a:pt x="1436" y="3205"/>
+                </a:lnTo>
+                <a:lnTo>
+                  <a:pt x="1406" y="3189"/>
+                </a:lnTo>
+                <a:lnTo>
+                  <a:pt x="1376" y="3177"/>
+                </a:lnTo>
+                <a:lnTo>
+                  <a:pt x="1345" y="3169"/>
+                </a:lnTo>
+                <a:lnTo>
+                  <a:pt x="1314" y="3165"/>
+                </a:lnTo>
+                <a:lnTo>
+                  <a:pt x="1281" y="3165"/>
+                </a:lnTo>
+                <a:lnTo>
+                  <a:pt x="1247" y="3167"/>
+                </a:lnTo>
+                <a:lnTo>
+                  <a:pt x="1213" y="3171"/>
+                </a:lnTo>
+                <a:lnTo>
+                  <a:pt x="1179" y="3176"/>
+                </a:lnTo>
+                <a:lnTo>
+                  <a:pt x="1145" y="3180"/>
+                </a:lnTo>
+                <a:lnTo>
+                  <a:pt x="1111" y="3183"/>
+                </a:lnTo>
+                <a:lnTo>
+                  <a:pt x="1079" y="3182"/>
+                </a:lnTo>
+                <a:lnTo>
+                  <a:pt x="1048" y="3178"/>
+                </a:lnTo>
+                <a:lnTo>
+                  <a:pt x="1018" y="3169"/>
+                </a:lnTo>
+                <a:lnTo>
+                  <a:pt x="993" y="3156"/>
+                </a:lnTo>
+                <a:lnTo>
+                  <a:pt x="969" y="3139"/>
+                </a:lnTo>
+                <a:lnTo>
+                  <a:pt x="948" y="3119"/>
+                </a:lnTo>
+                <a:lnTo>
+                  <a:pt x="927" y="3096"/>
+                </a:lnTo>
+                <a:lnTo>
+                  <a:pt x="908" y="3072"/>
+                </a:lnTo>
+                <a:lnTo>
+                  <a:pt x="889" y="3047"/>
+                </a:lnTo>
+                <a:lnTo>
+                  <a:pt x="870" y="3022"/>
+                </a:lnTo>
+                <a:lnTo>
+                  <a:pt x="851" y="2998"/>
+                </a:lnTo>
+                <a:lnTo>
+                  <a:pt x="831" y="2975"/>
+                </a:lnTo>
+                <a:lnTo>
+                  <a:pt x="808" y="2955"/>
+                </a:lnTo>
+                <a:lnTo>
+                  <a:pt x="786" y="2937"/>
+                </a:lnTo>
+                <a:lnTo>
+                  <a:pt x="761" y="2923"/>
+                </a:lnTo>
+                <a:lnTo>
+                  <a:pt x="734" y="2911"/>
+                </a:lnTo>
+                <a:lnTo>
+                  <a:pt x="705" y="2901"/>
+                </a:lnTo>
+                <a:lnTo>
+                  <a:pt x="675" y="2892"/>
+                </a:lnTo>
+                <a:lnTo>
+                  <a:pt x="645" y="2884"/>
+                </a:lnTo>
+                <a:lnTo>
+                  <a:pt x="614" y="2876"/>
+                </a:lnTo>
+                <a:lnTo>
+                  <a:pt x="585" y="2867"/>
+                </a:lnTo>
+                <a:lnTo>
+                  <a:pt x="556" y="2857"/>
+                </a:lnTo>
+                <a:lnTo>
+                  <a:pt x="529" y="2845"/>
+                </a:lnTo>
+                <a:lnTo>
+                  <a:pt x="505" y="2830"/>
+                </a:lnTo>
+                <a:lnTo>
+                  <a:pt x="483" y="2812"/>
+                </a:lnTo>
+                <a:lnTo>
+                  <a:pt x="465" y="2790"/>
+                </a:lnTo>
+                <a:lnTo>
+                  <a:pt x="450" y="2766"/>
+                </a:lnTo>
+                <a:lnTo>
+                  <a:pt x="438" y="2739"/>
+                </a:lnTo>
+                <a:lnTo>
+                  <a:pt x="428" y="2710"/>
+                </a:lnTo>
+                <a:lnTo>
+                  <a:pt x="419" y="2681"/>
+                </a:lnTo>
+                <a:lnTo>
+                  <a:pt x="411" y="2650"/>
+                </a:lnTo>
+                <a:lnTo>
+                  <a:pt x="403" y="2620"/>
+                </a:lnTo>
+                <a:lnTo>
+                  <a:pt x="394" y="2590"/>
+                </a:lnTo>
+                <a:lnTo>
+                  <a:pt x="384" y="2561"/>
+                </a:lnTo>
+                <a:lnTo>
+                  <a:pt x="372" y="2534"/>
+                </a:lnTo>
+                <a:lnTo>
+                  <a:pt x="358" y="2509"/>
+                </a:lnTo>
+                <a:lnTo>
+                  <a:pt x="340" y="2487"/>
+                </a:lnTo>
+                <a:lnTo>
+                  <a:pt x="320" y="2464"/>
+                </a:lnTo>
+                <a:lnTo>
+                  <a:pt x="297" y="2444"/>
+                </a:lnTo>
+                <a:lnTo>
+                  <a:pt x="272" y="2425"/>
+                </a:lnTo>
+                <a:lnTo>
+                  <a:pt x="247" y="2406"/>
+                </a:lnTo>
+                <a:lnTo>
+                  <a:pt x="222" y="2387"/>
+                </a:lnTo>
+                <a:lnTo>
+                  <a:pt x="198" y="2368"/>
+                </a:lnTo>
+                <a:lnTo>
+                  <a:pt x="175" y="2347"/>
+                </a:lnTo>
+                <a:lnTo>
+                  <a:pt x="155" y="2326"/>
+                </a:lnTo>
+                <a:lnTo>
+                  <a:pt x="138" y="2302"/>
+                </a:lnTo>
+                <a:lnTo>
+                  <a:pt x="125" y="2277"/>
+                </a:lnTo>
+                <a:lnTo>
+                  <a:pt x="116" y="2247"/>
+                </a:lnTo>
+                <a:lnTo>
+                  <a:pt x="112" y="2216"/>
+                </a:lnTo>
+                <a:lnTo>
+                  <a:pt x="111" y="2184"/>
+                </a:lnTo>
+                <a:lnTo>
+                  <a:pt x="114" y="2150"/>
+                </a:lnTo>
+                <a:lnTo>
+                  <a:pt x="118" y="2116"/>
+                </a:lnTo>
+                <a:lnTo>
+                  <a:pt x="123" y="2082"/>
+                </a:lnTo>
+                <a:lnTo>
+                  <a:pt x="127" y="2048"/>
+                </a:lnTo>
+                <a:lnTo>
+                  <a:pt x="129" y="2014"/>
+                </a:lnTo>
+                <a:lnTo>
+                  <a:pt x="129" y="1981"/>
+                </a:lnTo>
+                <a:lnTo>
+                  <a:pt x="125" y="1950"/>
+                </a:lnTo>
+                <a:lnTo>
+                  <a:pt x="117" y="1919"/>
+                </a:lnTo>
+                <a:lnTo>
+                  <a:pt x="105" y="1890"/>
+                </a:lnTo>
+                <a:lnTo>
+                  <a:pt x="90" y="1860"/>
+                </a:lnTo>
+                <a:lnTo>
+                  <a:pt x="73" y="1830"/>
+                </a:lnTo>
+                <a:lnTo>
+                  <a:pt x="55" y="1800"/>
+                </a:lnTo>
+                <a:lnTo>
+                  <a:pt x="38" y="1771"/>
+                </a:lnTo>
+                <a:lnTo>
+                  <a:pt x="23" y="1740"/>
+                </a:lnTo>
+                <a:lnTo>
+                  <a:pt x="11" y="1710"/>
+                </a:lnTo>
+                <a:lnTo>
+                  <a:pt x="3" y="1679"/>
+                </a:lnTo>
+                <a:lnTo>
+                  <a:pt x="0" y="1647"/>
+                </a:lnTo>
+                <a:lnTo>
+                  <a:pt x="3" y="1615"/>
+                </a:lnTo>
+                <a:lnTo>
+                  <a:pt x="11" y="1584"/>
+                </a:lnTo>
+                <a:lnTo>
+                  <a:pt x="23" y="1554"/>
+                </a:lnTo>
+                <a:lnTo>
+                  <a:pt x="38" y="1523"/>
+                </a:lnTo>
+                <a:lnTo>
+                  <a:pt x="55" y="1494"/>
+                </a:lnTo>
+                <a:lnTo>
+                  <a:pt x="73" y="1464"/>
+                </a:lnTo>
+                <a:lnTo>
+                  <a:pt x="90" y="1434"/>
+                </a:lnTo>
+                <a:lnTo>
+                  <a:pt x="105" y="1404"/>
+                </a:lnTo>
+                <a:lnTo>
+                  <a:pt x="117" y="1375"/>
+                </a:lnTo>
+                <a:lnTo>
+                  <a:pt x="125" y="1344"/>
+                </a:lnTo>
+                <a:lnTo>
+                  <a:pt x="129" y="1313"/>
+                </a:lnTo>
+                <a:lnTo>
+                  <a:pt x="129" y="1280"/>
+                </a:lnTo>
+                <a:lnTo>
+                  <a:pt x="127" y="1246"/>
+                </a:lnTo>
+                <a:lnTo>
+                  <a:pt x="123" y="1212"/>
+                </a:lnTo>
+                <a:lnTo>
+                  <a:pt x="118" y="1178"/>
+                </a:lnTo>
+                <a:lnTo>
+                  <a:pt x="114" y="1144"/>
+                </a:lnTo>
+                <a:lnTo>
+                  <a:pt x="111" y="1110"/>
+                </a:lnTo>
+                <a:lnTo>
+                  <a:pt x="112" y="1078"/>
+                </a:lnTo>
+                <a:lnTo>
+                  <a:pt x="116" y="1047"/>
+                </a:lnTo>
+                <a:lnTo>
+                  <a:pt x="125" y="1017"/>
+                </a:lnTo>
+                <a:lnTo>
+                  <a:pt x="138" y="992"/>
+                </a:lnTo>
+                <a:lnTo>
+                  <a:pt x="155" y="968"/>
+                </a:lnTo>
+                <a:lnTo>
+                  <a:pt x="175" y="947"/>
+                </a:lnTo>
+                <a:lnTo>
+                  <a:pt x="198" y="926"/>
+                </a:lnTo>
+                <a:lnTo>
+                  <a:pt x="222" y="907"/>
+                </a:lnTo>
+                <a:lnTo>
+                  <a:pt x="247" y="888"/>
+                </a:lnTo>
+                <a:lnTo>
+                  <a:pt x="272" y="869"/>
+                </a:lnTo>
+                <a:lnTo>
+                  <a:pt x="297" y="850"/>
+                </a:lnTo>
+                <a:lnTo>
+                  <a:pt x="320" y="830"/>
+                </a:lnTo>
+                <a:lnTo>
+                  <a:pt x="340" y="807"/>
+                </a:lnTo>
+                <a:lnTo>
+                  <a:pt x="358" y="785"/>
+                </a:lnTo>
+                <a:lnTo>
+                  <a:pt x="372" y="760"/>
+                </a:lnTo>
+                <a:lnTo>
+                  <a:pt x="384" y="733"/>
+                </a:lnTo>
+                <a:lnTo>
+                  <a:pt x="394" y="704"/>
+                </a:lnTo>
+                <a:lnTo>
+                  <a:pt x="403" y="674"/>
+                </a:lnTo>
+                <a:lnTo>
+                  <a:pt x="411" y="644"/>
+                </a:lnTo>
+                <a:lnTo>
+                  <a:pt x="419" y="613"/>
+                </a:lnTo>
+                <a:lnTo>
+                  <a:pt x="428" y="584"/>
+                </a:lnTo>
+                <a:lnTo>
+                  <a:pt x="438" y="555"/>
+                </a:lnTo>
+                <a:lnTo>
+                  <a:pt x="450" y="528"/>
+                </a:lnTo>
+                <a:lnTo>
+                  <a:pt x="465" y="504"/>
+                </a:lnTo>
+                <a:lnTo>
+                  <a:pt x="483" y="482"/>
+                </a:lnTo>
+                <a:lnTo>
+                  <a:pt x="505" y="464"/>
+                </a:lnTo>
+                <a:lnTo>
+                  <a:pt x="529" y="449"/>
+                </a:lnTo>
+                <a:lnTo>
+                  <a:pt x="556" y="437"/>
+                </a:lnTo>
+                <a:lnTo>
+                  <a:pt x="585" y="427"/>
+                </a:lnTo>
+                <a:lnTo>
+                  <a:pt x="614" y="418"/>
+                </a:lnTo>
+                <a:lnTo>
+                  <a:pt x="645" y="410"/>
+                </a:lnTo>
+                <a:lnTo>
+                  <a:pt x="675" y="402"/>
+                </a:lnTo>
+                <a:lnTo>
+                  <a:pt x="705" y="393"/>
+                </a:lnTo>
+                <a:lnTo>
+                  <a:pt x="734" y="383"/>
+                </a:lnTo>
+                <a:lnTo>
+                  <a:pt x="761" y="371"/>
+                </a:lnTo>
+                <a:lnTo>
+                  <a:pt x="786" y="357"/>
+                </a:lnTo>
+                <a:lnTo>
+                  <a:pt x="808" y="339"/>
+                </a:lnTo>
+                <a:lnTo>
+                  <a:pt x="831" y="319"/>
+                </a:lnTo>
+                <a:lnTo>
+                  <a:pt x="851" y="296"/>
+                </a:lnTo>
+                <a:lnTo>
+                  <a:pt x="870" y="272"/>
+                </a:lnTo>
+                <a:lnTo>
+                  <a:pt x="889" y="247"/>
+                </a:lnTo>
+                <a:lnTo>
+                  <a:pt x="908" y="222"/>
+                </a:lnTo>
+                <a:lnTo>
+                  <a:pt x="927" y="198"/>
+                </a:lnTo>
+                <a:lnTo>
+                  <a:pt x="948" y="175"/>
+                </a:lnTo>
+                <a:lnTo>
+                  <a:pt x="969" y="155"/>
+                </a:lnTo>
+                <a:lnTo>
+                  <a:pt x="993" y="138"/>
+                </a:lnTo>
+                <a:lnTo>
+                  <a:pt x="1018" y="125"/>
+                </a:lnTo>
+                <a:lnTo>
+                  <a:pt x="1048" y="116"/>
+                </a:lnTo>
+                <a:lnTo>
+                  <a:pt x="1079" y="112"/>
+                </a:lnTo>
+                <a:lnTo>
+                  <a:pt x="1111" y="111"/>
+                </a:lnTo>
+                <a:lnTo>
+                  <a:pt x="1145" y="114"/>
+                </a:lnTo>
+                <a:lnTo>
+                  <a:pt x="1179" y="118"/>
+                </a:lnTo>
+                <a:lnTo>
+                  <a:pt x="1213" y="123"/>
+                </a:lnTo>
+                <a:lnTo>
+                  <a:pt x="1247" y="127"/>
+                </a:lnTo>
+                <a:lnTo>
+                  <a:pt x="1281" y="129"/>
+                </a:lnTo>
+                <a:lnTo>
+                  <a:pt x="1314" y="129"/>
+                </a:lnTo>
+                <a:lnTo>
+                  <a:pt x="1345" y="125"/>
+                </a:lnTo>
+                <a:lnTo>
+                  <a:pt x="1376" y="117"/>
+                </a:lnTo>
+                <a:lnTo>
+                  <a:pt x="1406" y="105"/>
+                </a:lnTo>
+                <a:lnTo>
+                  <a:pt x="1436" y="89"/>
+                </a:lnTo>
+                <a:lnTo>
+                  <a:pt x="1466" y="73"/>
+                </a:lnTo>
+                <a:lnTo>
+                  <a:pt x="1496" y="55"/>
+                </a:lnTo>
+                <a:lnTo>
+                  <a:pt x="1525" y="38"/>
+                </a:lnTo>
+                <a:lnTo>
+                  <a:pt x="1556" y="23"/>
+                </a:lnTo>
+                <a:lnTo>
+                  <a:pt x="1586" y="11"/>
+                </a:lnTo>
+                <a:lnTo>
+                  <a:pt x="1617" y="3"/>
+                </a:lnTo>
+                <a:lnTo>
+                  <a:pt x="1649" y="0"/>
+                </a:lnTo>
+                <a:close/>
+              </a:path>
+            </a:pathLst>
+          </a:custGeom>
+          <a:solidFill>
+            <a:schemeClr val="bg2"/>
+          </a:solidFill>
+          <a:ln w="0">
+            <a:noFill/>
+            <a:prstDash val="solid"/>
+            <a:round/>
+            <a:headEnd/>
+            <a:tailEnd/>
+          </a:ln>
+        </p:spPr>
+      </p:sp>
+      <p:sp>
+        <p:nvSpPr>
+          <p:cNvPr id="2" name="Title 1"/>
           <p:cNvSpPr>
             <a:spLocks noGrp="1"/>
           </p:cNvSpPr>
@@ -160,15 +1209,17 @@
         </p:nvSpPr>
         <p:spPr>
           <a:xfrm>
-            <a:off x="1524000" y="1122363"/>
-            <a:ext cx="9144000" cy="2387600"/>
+            <a:off x="1078523" y="1098388"/>
+            <a:ext cx="10318418" cy="4394988"/>
           </a:xfrm>
         </p:spPr>
         <p:txBody>
-          <a:bodyPr anchor="b"/>
+          <a:bodyPr anchor="ctr">
+            <a:noAutofit/>
+          </a:bodyPr>
           <a:lstStyle>
             <a:lvl1pPr algn="ctr">
-              <a:defRPr sz="6000"/>
+              <a:defRPr sz="10000" spc="800" baseline="0"/>
             </a:lvl1pPr>
           </a:lstStyle>
           <a:p>
@@ -176,18 +1227,13 @@
               <a:rPr lang="en-US"/>
               <a:t>Click to edit Master title style</a:t>
             </a:r>
+            <a:endParaRPr lang="en-US" dirty="0"/>
           </a:p>
         </p:txBody>
       </p:sp>
       <p:sp>
         <p:nvSpPr>
-          <p:cNvPr id="3" name="Subtitle 2">
-            <a:extLst>
-              <a:ext uri="{FF2B5EF4-FFF2-40B4-BE49-F238E27FC236}">
-                <a16:creationId xmlns:a16="http://schemas.microsoft.com/office/drawing/2014/main" id="{0690D7FE-F1D1-2847-B06F-BCB2E587473B}"/>
-              </a:ext>
-            </a:extLst>
-          </p:cNvPr>
+          <p:cNvPr id="3" name="Subtitle 2"/>
           <p:cNvSpPr>
             <a:spLocks noGrp="1"/>
           </p:cNvSpPr>
@@ -197,16 +1243,25 @@
         </p:nvSpPr>
         <p:spPr>
           <a:xfrm>
-            <a:off x="1524000" y="3602038"/>
-            <a:ext cx="9144000" cy="1655762"/>
+            <a:off x="2215045" y="5979196"/>
+            <a:ext cx="8045373" cy="742279"/>
           </a:xfrm>
         </p:spPr>
         <p:txBody>
-          <a:bodyPr/>
+          <a:bodyPr anchor="t">
+            <a:normAutofit/>
+          </a:bodyPr>
           <a:lstStyle>
             <a:lvl1pPr marL="0" indent="0" algn="ctr">
+              <a:lnSpc>
+                <a:spcPct val="100000"/>
+              </a:lnSpc>
               <a:buNone/>
-              <a:defRPr sz="2400"/>
+              <a:defRPr sz="2000" b="1" i="0" cap="all" spc="400" baseline="0">
+                <a:solidFill>
+                  <a:schemeClr val="tx2"/>
+                </a:solidFill>
+              </a:defRPr>
             </a:lvl1pPr>
             <a:lvl2pPr marL="457200" indent="0" algn="ctr">
               <a:buNone/>
@@ -246,18 +1301,13 @@
               <a:rPr lang="en-US"/>
               <a:t>Click to edit Master subtitle style</a:t>
             </a:r>
+            <a:endParaRPr lang="en-US" dirty="0"/>
           </a:p>
         </p:txBody>
       </p:sp>
       <p:sp>
         <p:nvSpPr>
-          <p:cNvPr id="4" name="Date Placeholder 3">
-            <a:extLst>
-              <a:ext uri="{FF2B5EF4-FFF2-40B4-BE49-F238E27FC236}">
-                <a16:creationId xmlns:a16="http://schemas.microsoft.com/office/drawing/2014/main" id="{40982388-7D48-924F-B2AE-0712377687BD}"/>
-              </a:ext>
-            </a:extLst>
-          </p:cNvPr>
+          <p:cNvPr id="4" name="Date Placeholder 3"/>
           <p:cNvSpPr>
             <a:spLocks noGrp="1"/>
           </p:cNvSpPr>
@@ -265,14 +1315,29 @@
             <p:ph type="dt" sz="half" idx="10"/>
           </p:nvPr>
         </p:nvSpPr>
-        <p:spPr/>
+        <p:spPr>
+          <a:xfrm>
+            <a:off x="1078523" y="6375679"/>
+            <a:ext cx="2329722" cy="348462"/>
+          </a:xfrm>
+        </p:spPr>
         <p:txBody>
           <a:bodyPr/>
-          <a:lstStyle/>
+          <a:lstStyle>
+            <a:lvl1pPr>
+              <a:defRPr baseline="0">
+                <a:solidFill>
+                  <a:schemeClr val="accent1">
+                    <a:lumMod val="50000"/>
+                  </a:schemeClr>
+                </a:solidFill>
+              </a:defRPr>
+            </a:lvl1pPr>
+          </a:lstStyle>
           <a:p>
             <a:fld id="{5AC1382F-B52C-7744-BDFB-C61E938D398C}" type="datetimeFigureOut">
               <a:rPr lang="en-US" smtClean="0"/>
-              <a:t>8/16/18</a:t>
+              <a:t>8/17/18</a:t>
             </a:fld>
             <a:endParaRPr lang="en-US"/>
           </a:p>
@@ -280,13 +1345,7 @@
       </p:sp>
       <p:sp>
         <p:nvSpPr>
-          <p:cNvPr id="5" name="Footer Placeholder 4">
-            <a:extLst>
-              <a:ext uri="{FF2B5EF4-FFF2-40B4-BE49-F238E27FC236}">
-                <a16:creationId xmlns:a16="http://schemas.microsoft.com/office/drawing/2014/main" id="{00ED8CDA-8507-B646-A5E7-F4A6A5BCC151}"/>
-              </a:ext>
-            </a:extLst>
-          </p:cNvPr>
+          <p:cNvPr id="5" name="Footer Placeholder 4"/>
           <p:cNvSpPr>
             <a:spLocks noGrp="1"/>
           </p:cNvSpPr>
@@ -294,10 +1353,25 @@
             <p:ph type="ftr" sz="quarter" idx="11"/>
           </p:nvPr>
         </p:nvSpPr>
-        <p:spPr/>
+        <p:spPr>
+          <a:xfrm>
+            <a:off x="4180332" y="6375679"/>
+            <a:ext cx="4114800" cy="345796"/>
+          </a:xfrm>
+        </p:spPr>
         <p:txBody>
           <a:bodyPr/>
-          <a:lstStyle/>
+          <a:lstStyle>
+            <a:lvl1pPr>
+              <a:defRPr baseline="0">
+                <a:solidFill>
+                  <a:schemeClr val="accent1">
+                    <a:lumMod val="50000"/>
+                  </a:schemeClr>
+                </a:solidFill>
+              </a:defRPr>
+            </a:lvl1pPr>
+          </a:lstStyle>
           <a:p>
             <a:endParaRPr lang="en-US"/>
           </a:p>
@@ -305,13 +1379,7 @@
       </p:sp>
       <p:sp>
         <p:nvSpPr>
-          <p:cNvPr id="6" name="Slide Number Placeholder 5">
-            <a:extLst>
-              <a:ext uri="{FF2B5EF4-FFF2-40B4-BE49-F238E27FC236}">
-                <a16:creationId xmlns:a16="http://schemas.microsoft.com/office/drawing/2014/main" id="{B372ACD1-E1F0-B448-BB5B-4D737ED9EEC6}"/>
-              </a:ext>
-            </a:extLst>
-          </p:cNvPr>
+          <p:cNvPr id="6" name="Slide Number Placeholder 5"/>
           <p:cNvSpPr>
             <a:spLocks noGrp="1"/>
           </p:cNvSpPr>
@@ -319,10 +1387,25 @@
             <p:ph type="sldNum" sz="quarter" idx="12"/>
           </p:nvPr>
         </p:nvSpPr>
-        <p:spPr/>
+        <p:spPr>
+          <a:xfrm>
+            <a:off x="9067218" y="6375679"/>
+            <a:ext cx="2329723" cy="345796"/>
+          </a:xfrm>
+        </p:spPr>
         <p:txBody>
           <a:bodyPr/>
-          <a:lstStyle/>
+          <a:lstStyle>
+            <a:lvl1pPr>
+              <a:defRPr baseline="0">
+                <a:solidFill>
+                  <a:schemeClr val="accent1">
+                    <a:lumMod val="50000"/>
+                  </a:schemeClr>
+                </a:solidFill>
+              </a:defRPr>
+            </a:lvl1pPr>
+          </a:lstStyle>
           <a:p>
             <a:fld id="{4FC7B2B1-2D88-DF4E-B7AE-53E84311F311}" type="slidenum">
               <a:rPr lang="en-US" smtClean="0"/>
@@ -332,10 +1415,48 @@
           </a:p>
         </p:txBody>
       </p:sp>
+      <p:sp>
+        <p:nvSpPr>
+          <p:cNvPr id="13" name="Rectangle 12" title="left edge border"/>
+          <p:cNvSpPr/>
+          <p:nvPr/>
+        </p:nvSpPr>
+        <p:spPr>
+          <a:xfrm>
+            <a:off x="0" y="0"/>
+            <a:ext cx="283464" cy="6858000"/>
+          </a:xfrm>
+          <a:prstGeom prst="rect">
+            <a:avLst/>
+          </a:prstGeom>
+          <a:solidFill>
+            <a:schemeClr val="tx2"/>
+          </a:solidFill>
+          <a:ln>
+            <a:noFill/>
+          </a:ln>
+        </p:spPr>
+        <p:style>
+          <a:lnRef idx="2">
+            <a:schemeClr val="accent1">
+              <a:shade val="50000"/>
+            </a:schemeClr>
+          </a:lnRef>
+          <a:fillRef idx="1">
+            <a:schemeClr val="accent1"/>
+          </a:fillRef>
+          <a:effectRef idx="0">
+            <a:schemeClr val="accent1"/>
+          </a:effectRef>
+          <a:fontRef idx="minor">
+            <a:schemeClr val="lt1"/>
+          </a:fontRef>
+        </p:style>
+      </p:sp>
     </p:spTree>
     <p:extLst>
       <p:ext uri="{BB962C8B-B14F-4D97-AF65-F5344CB8AC3E}">
-        <p14:creationId xmlns:p14="http://schemas.microsoft.com/office/powerpoint/2010/main" val="151666328"/>
+        <p14:creationId xmlns:p14="http://schemas.microsoft.com/office/powerpoint/2010/main" val="262738445"/>
       </p:ext>
     </p:extLst>
   </p:cSld>
@@ -364,13 +1485,7 @@
       </p:grpSpPr>
       <p:sp>
         <p:nvSpPr>
-          <p:cNvPr id="2" name="Title 1">
-            <a:extLst>
-              <a:ext uri="{FF2B5EF4-FFF2-40B4-BE49-F238E27FC236}">
-                <a16:creationId xmlns:a16="http://schemas.microsoft.com/office/drawing/2014/main" id="{987D7360-42CE-3746-A455-9DCA44CF498E}"/>
-              </a:ext>
-            </a:extLst>
-          </p:cNvPr>
+          <p:cNvPr id="2" name="Title 1"/>
           <p:cNvSpPr>
             <a:spLocks noGrp="1"/>
           </p:cNvSpPr>
@@ -387,18 +1502,13 @@
               <a:rPr lang="en-US"/>
               <a:t>Click to edit Master title style</a:t>
             </a:r>
+            <a:endParaRPr lang="en-US" dirty="0"/>
           </a:p>
         </p:txBody>
       </p:sp>
       <p:sp>
         <p:nvSpPr>
-          <p:cNvPr id="3" name="Vertical Text Placeholder 2">
-            <a:extLst>
-              <a:ext uri="{FF2B5EF4-FFF2-40B4-BE49-F238E27FC236}">
-                <a16:creationId xmlns:a16="http://schemas.microsoft.com/office/drawing/2014/main" id="{B9B41606-90A0-AF4A-B315-A3CE2E71E708}"/>
-              </a:ext>
-            </a:extLst>
-          </p:cNvPr>
+          <p:cNvPr id="3" name="Vertical Text Placeholder 2"/>
           <p:cNvSpPr>
             <a:spLocks noGrp="1"/>
           </p:cNvSpPr>
@@ -444,18 +1554,13 @@
               <a:rPr lang="en-US"/>
               <a:t>Fifth level</a:t>
             </a:r>
+            <a:endParaRPr lang="en-US" dirty="0"/>
           </a:p>
         </p:txBody>
       </p:sp>
       <p:sp>
         <p:nvSpPr>
-          <p:cNvPr id="4" name="Date Placeholder 3">
-            <a:extLst>
-              <a:ext uri="{FF2B5EF4-FFF2-40B4-BE49-F238E27FC236}">
-                <a16:creationId xmlns:a16="http://schemas.microsoft.com/office/drawing/2014/main" id="{7709F708-8DBB-794E-A99A-E75B28F6D21F}"/>
-              </a:ext>
-            </a:extLst>
-          </p:cNvPr>
+          <p:cNvPr id="4" name="Date Placeholder 3"/>
           <p:cNvSpPr>
             <a:spLocks noGrp="1"/>
           </p:cNvSpPr>
@@ -470,7 +1575,7 @@
           <a:p>
             <a:fld id="{5AC1382F-B52C-7744-BDFB-C61E938D398C}" type="datetimeFigureOut">
               <a:rPr lang="en-US" smtClean="0"/>
-              <a:t>8/16/18</a:t>
+              <a:t>8/17/18</a:t>
             </a:fld>
             <a:endParaRPr lang="en-US"/>
           </a:p>
@@ -478,13 +1583,7 @@
       </p:sp>
       <p:sp>
         <p:nvSpPr>
-          <p:cNvPr id="5" name="Footer Placeholder 4">
-            <a:extLst>
-              <a:ext uri="{FF2B5EF4-FFF2-40B4-BE49-F238E27FC236}">
-                <a16:creationId xmlns:a16="http://schemas.microsoft.com/office/drawing/2014/main" id="{0A006E70-D008-1A45-9ADD-358E2C367A87}"/>
-              </a:ext>
-            </a:extLst>
-          </p:cNvPr>
+          <p:cNvPr id="5" name="Footer Placeholder 4"/>
           <p:cNvSpPr>
             <a:spLocks noGrp="1"/>
           </p:cNvSpPr>
@@ -503,13 +1602,7 @@
       </p:sp>
       <p:sp>
         <p:nvSpPr>
-          <p:cNvPr id="6" name="Slide Number Placeholder 5">
-            <a:extLst>
-              <a:ext uri="{FF2B5EF4-FFF2-40B4-BE49-F238E27FC236}">
-                <a16:creationId xmlns:a16="http://schemas.microsoft.com/office/drawing/2014/main" id="{7CF0FD8D-833F-ED47-9E4D-19172CC3B335}"/>
-              </a:ext>
-            </a:extLst>
-          </p:cNvPr>
+          <p:cNvPr id="6" name="Slide Number Placeholder 5"/>
           <p:cNvSpPr>
             <a:spLocks noGrp="1"/>
           </p:cNvSpPr>
@@ -533,7 +1626,7 @@
     </p:spTree>
     <p:extLst>
       <p:ext uri="{BB962C8B-B14F-4D97-AF65-F5344CB8AC3E}">
-        <p14:creationId xmlns:p14="http://schemas.microsoft.com/office/powerpoint/2010/main" val="3394717714"/>
+        <p14:creationId xmlns:p14="http://schemas.microsoft.com/office/powerpoint/2010/main" val="1160297435"/>
       </p:ext>
     </p:extLst>
   </p:cSld>
@@ -562,13 +1655,7 @@
       </p:grpSpPr>
       <p:sp>
         <p:nvSpPr>
-          <p:cNvPr id="2" name="Vertical Title 1">
-            <a:extLst>
-              <a:ext uri="{FF2B5EF4-FFF2-40B4-BE49-F238E27FC236}">
-                <a16:creationId xmlns:a16="http://schemas.microsoft.com/office/drawing/2014/main" id="{08362B02-05D3-1A49-8FBA-553764D987B4}"/>
-              </a:ext>
-            </a:extLst>
-          </p:cNvPr>
+          <p:cNvPr id="2" name="Vertical Title 1"/>
           <p:cNvSpPr>
             <a:spLocks noGrp="1"/>
           </p:cNvSpPr>
@@ -578,8 +1665,8 @@
         </p:nvSpPr>
         <p:spPr>
           <a:xfrm>
-            <a:off x="8724900" y="365125"/>
-            <a:ext cx="2628900" cy="5811838"/>
+            <a:off x="10066321" y="382386"/>
+            <a:ext cx="1492132" cy="5600404"/>
           </a:xfrm>
         </p:spPr>
         <p:txBody>
@@ -590,18 +1677,13 @@
               <a:rPr lang="en-US"/>
               <a:t>Click to edit Master title style</a:t>
             </a:r>
+            <a:endParaRPr lang="en-US" dirty="0"/>
           </a:p>
         </p:txBody>
       </p:sp>
       <p:sp>
         <p:nvSpPr>
-          <p:cNvPr id="3" name="Vertical Text Placeholder 2">
-            <a:extLst>
-              <a:ext uri="{FF2B5EF4-FFF2-40B4-BE49-F238E27FC236}">
-                <a16:creationId xmlns:a16="http://schemas.microsoft.com/office/drawing/2014/main" id="{2C6639E8-E3BB-5E4E-9847-CFF2E4DEFC9B}"/>
-              </a:ext>
-            </a:extLst>
-          </p:cNvPr>
+          <p:cNvPr id="3" name="Vertical Text Placeholder 2"/>
           <p:cNvSpPr>
             <a:spLocks noGrp="1"/>
           </p:cNvSpPr>
@@ -611,8 +1693,8 @@
         </p:nvSpPr>
         <p:spPr>
           <a:xfrm>
-            <a:off x="838200" y="365125"/>
-            <a:ext cx="7734300" cy="5811838"/>
+            <a:off x="1257300" y="382385"/>
+            <a:ext cx="8392585" cy="5600405"/>
           </a:xfrm>
         </p:spPr>
         <p:txBody>
@@ -652,18 +1734,13 @@
               <a:rPr lang="en-US"/>
               <a:t>Fifth level</a:t>
             </a:r>
+            <a:endParaRPr lang="en-US" dirty="0"/>
           </a:p>
         </p:txBody>
       </p:sp>
       <p:sp>
         <p:nvSpPr>
-          <p:cNvPr id="4" name="Date Placeholder 3">
-            <a:extLst>
-              <a:ext uri="{FF2B5EF4-FFF2-40B4-BE49-F238E27FC236}">
-                <a16:creationId xmlns:a16="http://schemas.microsoft.com/office/drawing/2014/main" id="{FA55D007-07BF-3A40-8CC6-FF87BCE6BDD6}"/>
-              </a:ext>
-            </a:extLst>
-          </p:cNvPr>
+          <p:cNvPr id="4" name="Date Placeholder 3"/>
           <p:cNvSpPr>
             <a:spLocks noGrp="1"/>
           </p:cNvSpPr>
@@ -678,7 +1755,7 @@
           <a:p>
             <a:fld id="{5AC1382F-B52C-7744-BDFB-C61E938D398C}" type="datetimeFigureOut">
               <a:rPr lang="en-US" smtClean="0"/>
-              <a:t>8/16/18</a:t>
+              <a:t>8/17/18</a:t>
             </a:fld>
             <a:endParaRPr lang="en-US"/>
           </a:p>
@@ -686,13 +1763,7 @@
       </p:sp>
       <p:sp>
         <p:nvSpPr>
-          <p:cNvPr id="5" name="Footer Placeholder 4">
-            <a:extLst>
-              <a:ext uri="{FF2B5EF4-FFF2-40B4-BE49-F238E27FC236}">
-                <a16:creationId xmlns:a16="http://schemas.microsoft.com/office/drawing/2014/main" id="{B12A9038-9C70-C546-B9AE-740FE30CCC60}"/>
-              </a:ext>
-            </a:extLst>
-          </p:cNvPr>
+          <p:cNvPr id="5" name="Footer Placeholder 4"/>
           <p:cNvSpPr>
             <a:spLocks noGrp="1"/>
           </p:cNvSpPr>
@@ -711,13 +1782,7 @@
       </p:sp>
       <p:sp>
         <p:nvSpPr>
-          <p:cNvPr id="6" name="Slide Number Placeholder 5">
-            <a:extLst>
-              <a:ext uri="{FF2B5EF4-FFF2-40B4-BE49-F238E27FC236}">
-                <a16:creationId xmlns:a16="http://schemas.microsoft.com/office/drawing/2014/main" id="{5183D08B-4D04-2347-A773-DAC9EEC1A82A}"/>
-              </a:ext>
-            </a:extLst>
-          </p:cNvPr>
+          <p:cNvPr id="6" name="Slide Number Placeholder 5"/>
           <p:cNvSpPr>
             <a:spLocks noGrp="1"/>
           </p:cNvSpPr>
@@ -741,7 +1806,7 @@
     </p:spTree>
     <p:extLst>
       <p:ext uri="{BB962C8B-B14F-4D97-AF65-F5344CB8AC3E}">
-        <p14:creationId xmlns:p14="http://schemas.microsoft.com/office/powerpoint/2010/main" val="3526319267"/>
+        <p14:creationId xmlns:p14="http://schemas.microsoft.com/office/powerpoint/2010/main" val="2804626754"/>
       </p:ext>
     </p:extLst>
   </p:cSld>
@@ -770,13 +1835,7 @@
       </p:grpSpPr>
       <p:sp>
         <p:nvSpPr>
-          <p:cNvPr id="2" name="Title 1">
-            <a:extLst>
-              <a:ext uri="{FF2B5EF4-FFF2-40B4-BE49-F238E27FC236}">
-                <a16:creationId xmlns:a16="http://schemas.microsoft.com/office/drawing/2014/main" id="{780F6BD6-0FBD-E94F-91F8-E70B2C2681F4}"/>
-              </a:ext>
-            </a:extLst>
-          </p:cNvPr>
+          <p:cNvPr id="2" name="Title 1"/>
           <p:cNvSpPr>
             <a:spLocks noGrp="1"/>
           </p:cNvSpPr>
@@ -793,18 +1852,13 @@
               <a:rPr lang="en-US"/>
               <a:t>Click to edit Master title style</a:t>
             </a:r>
+            <a:endParaRPr lang="en-US" dirty="0"/>
           </a:p>
         </p:txBody>
       </p:sp>
       <p:sp>
         <p:nvSpPr>
-          <p:cNvPr id="3" name="Content Placeholder 2">
-            <a:extLst>
-              <a:ext uri="{FF2B5EF4-FFF2-40B4-BE49-F238E27FC236}">
-                <a16:creationId xmlns:a16="http://schemas.microsoft.com/office/drawing/2014/main" id="{6505862E-E64A-574A-8848-1E861ADB7424}"/>
-              </a:ext>
-            </a:extLst>
-          </p:cNvPr>
+          <p:cNvPr id="3" name="Content Placeholder 2"/>
           <p:cNvSpPr>
             <a:spLocks noGrp="1"/>
           </p:cNvSpPr>
@@ -850,18 +1904,13 @@
               <a:rPr lang="en-US"/>
               <a:t>Fifth level</a:t>
             </a:r>
+            <a:endParaRPr lang="en-US" dirty="0"/>
           </a:p>
         </p:txBody>
       </p:sp>
       <p:sp>
         <p:nvSpPr>
-          <p:cNvPr id="4" name="Date Placeholder 3">
-            <a:extLst>
-              <a:ext uri="{FF2B5EF4-FFF2-40B4-BE49-F238E27FC236}">
-                <a16:creationId xmlns:a16="http://schemas.microsoft.com/office/drawing/2014/main" id="{6400524A-16A5-CF4D-84D3-EACC76240037}"/>
-              </a:ext>
-            </a:extLst>
-          </p:cNvPr>
+          <p:cNvPr id="4" name="Date Placeholder 3"/>
           <p:cNvSpPr>
             <a:spLocks noGrp="1"/>
           </p:cNvSpPr>
@@ -876,7 +1925,7 @@
           <a:p>
             <a:fld id="{5AC1382F-B52C-7744-BDFB-C61E938D398C}" type="datetimeFigureOut">
               <a:rPr lang="en-US" smtClean="0"/>
-              <a:t>8/16/18</a:t>
+              <a:t>8/17/18</a:t>
             </a:fld>
             <a:endParaRPr lang="en-US"/>
           </a:p>
@@ -884,13 +1933,7 @@
       </p:sp>
       <p:sp>
         <p:nvSpPr>
-          <p:cNvPr id="5" name="Footer Placeholder 4">
-            <a:extLst>
-              <a:ext uri="{FF2B5EF4-FFF2-40B4-BE49-F238E27FC236}">
-                <a16:creationId xmlns:a16="http://schemas.microsoft.com/office/drawing/2014/main" id="{5AC16C68-0551-3A4F-8BED-AA367928ECA3}"/>
-              </a:ext>
-            </a:extLst>
-          </p:cNvPr>
+          <p:cNvPr id="5" name="Footer Placeholder 4"/>
           <p:cNvSpPr>
             <a:spLocks noGrp="1"/>
           </p:cNvSpPr>
@@ -909,13 +1952,7 @@
       </p:sp>
       <p:sp>
         <p:nvSpPr>
-          <p:cNvPr id="6" name="Slide Number Placeholder 5">
-            <a:extLst>
-              <a:ext uri="{FF2B5EF4-FFF2-40B4-BE49-F238E27FC236}">
-                <a16:creationId xmlns:a16="http://schemas.microsoft.com/office/drawing/2014/main" id="{E79391D2-3B3E-FD4E-802F-0F0A36F4DDD2}"/>
-              </a:ext>
-            </a:extLst>
-          </p:cNvPr>
+          <p:cNvPr id="6" name="Slide Number Placeholder 5"/>
           <p:cNvSpPr>
             <a:spLocks noGrp="1"/>
           </p:cNvSpPr>
@@ -939,7 +1976,7 @@
     </p:spTree>
     <p:extLst>
       <p:ext uri="{BB962C8B-B14F-4D97-AF65-F5344CB8AC3E}">
-        <p14:creationId xmlns:p14="http://schemas.microsoft.com/office/powerpoint/2010/main" val="2552900127"/>
+        <p14:creationId xmlns:p14="http://schemas.microsoft.com/office/powerpoint/2010/main" val="3021317522"/>
       </p:ext>
     </p:extLst>
   </p:cSld>
@@ -950,8 +1987,16 @@
 </file>
 
 <file path=ppt/slideLayouts/slideLayout3.xml><?xml version="1.0" encoding="utf-8"?>
-<p:sldLayout xmlns:a="http://schemas.openxmlformats.org/drawingml/2006/main" xmlns:r="http://schemas.openxmlformats.org/officeDocument/2006/relationships" xmlns:p="http://schemas.openxmlformats.org/presentationml/2006/main" type="secHead" preserve="1">
+<p:sldLayout xmlns:a="http://schemas.openxmlformats.org/drawingml/2006/main" xmlns:r="http://schemas.openxmlformats.org/officeDocument/2006/relationships" xmlns:p="http://schemas.openxmlformats.org/presentationml/2006/main" showMasterSp="0" type="secHead" preserve="1">
   <p:cSld name="Section Header">
+    <p:bg>
+      <p:bgPr>
+        <a:solidFill>
+          <a:schemeClr val="bg2"/>
+        </a:solidFill>
+        <a:effectLst/>
+      </p:bgPr>
+    </p:bg>
     <p:spTree>
       <p:nvGrpSpPr>
         <p:cNvPr id="1" name=""/>
@@ -968,13 +2013,7 @@
       </p:grpSpPr>
       <p:sp>
         <p:nvSpPr>
-          <p:cNvPr id="2" name="Title 1">
-            <a:extLst>
-              <a:ext uri="{FF2B5EF4-FFF2-40B4-BE49-F238E27FC236}">
-                <a16:creationId xmlns:a16="http://schemas.microsoft.com/office/drawing/2014/main" id="{02E2231A-67A7-344D-B296-29D076E8279C}"/>
-              </a:ext>
-            </a:extLst>
-          </p:cNvPr>
+          <p:cNvPr id="2" name="Title 1"/>
           <p:cNvSpPr>
             <a:spLocks noGrp="1"/>
           </p:cNvSpPr>
@@ -984,15 +2023,21 @@
         </p:nvSpPr>
         <p:spPr>
           <a:xfrm>
-            <a:off x="831850" y="1709738"/>
-            <a:ext cx="10515600" cy="2852737"/>
+            <a:off x="3242929" y="1073888"/>
+            <a:ext cx="8187071" cy="4064627"/>
           </a:xfrm>
         </p:spPr>
         <p:txBody>
-          <a:bodyPr anchor="b"/>
+          <a:bodyPr anchor="b">
+            <a:normAutofit/>
+          </a:bodyPr>
           <a:lstStyle>
             <a:lvl1pPr>
-              <a:defRPr sz="6000"/>
+              <a:defRPr sz="8400" spc="800" baseline="0">
+                <a:solidFill>
+                  <a:schemeClr val="tx2"/>
+                </a:solidFill>
+              </a:defRPr>
             </a:lvl1pPr>
           </a:lstStyle>
           <a:p>
@@ -1000,18 +2045,13 @@
               <a:rPr lang="en-US"/>
               <a:t>Click to edit Master title style</a:t>
             </a:r>
+            <a:endParaRPr lang="en-US" dirty="0"/>
           </a:p>
         </p:txBody>
       </p:sp>
       <p:sp>
         <p:nvSpPr>
-          <p:cNvPr id="3" name="Text Placeholder 2">
-            <a:extLst>
-              <a:ext uri="{FF2B5EF4-FFF2-40B4-BE49-F238E27FC236}">
-                <a16:creationId xmlns:a16="http://schemas.microsoft.com/office/drawing/2014/main" id="{319A1C84-BDE9-C045-89F6-C26027152210}"/>
-              </a:ext>
-            </a:extLst>
-          </p:cNvPr>
+          <p:cNvPr id="3" name="Text Placeholder 2"/>
           <p:cNvSpPr>
             <a:spLocks noGrp="1"/>
           </p:cNvSpPr>
@@ -1021,20 +2061,23 @@
         </p:nvSpPr>
         <p:spPr>
           <a:xfrm>
-            <a:off x="831850" y="4589463"/>
-            <a:ext cx="10515600" cy="1500187"/>
+            <a:off x="3242930" y="5159781"/>
+            <a:ext cx="7017488" cy="951135"/>
           </a:xfrm>
         </p:spPr>
         <p:txBody>
-          <a:bodyPr/>
+          <a:bodyPr>
+            <a:normAutofit/>
+          </a:bodyPr>
           <a:lstStyle>
             <a:lvl1pPr marL="0" indent="0">
+              <a:lnSpc>
+                <a:spcPct val="100000"/>
+              </a:lnSpc>
               <a:buNone/>
-              <a:defRPr sz="2400">
+              <a:defRPr sz="2000" b="1" i="0" cap="all" spc="400" baseline="0">
                 <a:solidFill>
-                  <a:schemeClr val="tx1">
-                    <a:tint val="75000"/>
-                  </a:schemeClr>
+                  <a:schemeClr val="accent1"/>
                 </a:solidFill>
               </a:defRPr>
             </a:lvl1pPr>
@@ -1130,13 +2173,7 @@
       </p:sp>
       <p:sp>
         <p:nvSpPr>
-          <p:cNvPr id="4" name="Date Placeholder 3">
-            <a:extLst>
-              <a:ext uri="{FF2B5EF4-FFF2-40B4-BE49-F238E27FC236}">
-                <a16:creationId xmlns:a16="http://schemas.microsoft.com/office/drawing/2014/main" id="{C2A8D3A2-A71C-5240-BE47-5563DA7A1FBC}"/>
-              </a:ext>
-            </a:extLst>
-          </p:cNvPr>
+          <p:cNvPr id="4" name="Date Placeholder 3"/>
           <p:cNvSpPr>
             <a:spLocks noGrp="1"/>
           </p:cNvSpPr>
@@ -1144,14 +2181,27 @@
             <p:ph type="dt" sz="half" idx="10"/>
           </p:nvPr>
         </p:nvSpPr>
-        <p:spPr/>
+        <p:spPr>
+          <a:xfrm>
+            <a:off x="3236546" y="6375679"/>
+            <a:ext cx="1493947" cy="348462"/>
+          </a:xfrm>
+        </p:spPr>
         <p:txBody>
           <a:bodyPr/>
-          <a:lstStyle/>
+          <a:lstStyle>
+            <a:lvl1pPr>
+              <a:defRPr baseline="0">
+                <a:solidFill>
+                  <a:schemeClr val="tx2"/>
+                </a:solidFill>
+              </a:defRPr>
+            </a:lvl1pPr>
+          </a:lstStyle>
           <a:p>
             <a:fld id="{5AC1382F-B52C-7744-BDFB-C61E938D398C}" type="datetimeFigureOut">
               <a:rPr lang="en-US" smtClean="0"/>
-              <a:t>8/16/18</a:t>
+              <a:t>8/17/18</a:t>
             </a:fld>
             <a:endParaRPr lang="en-US"/>
           </a:p>
@@ -1159,13 +2209,7 @@
       </p:sp>
       <p:sp>
         <p:nvSpPr>
-          <p:cNvPr id="5" name="Footer Placeholder 4">
-            <a:extLst>
-              <a:ext uri="{FF2B5EF4-FFF2-40B4-BE49-F238E27FC236}">
-                <a16:creationId xmlns:a16="http://schemas.microsoft.com/office/drawing/2014/main" id="{0A2F621E-943B-4541-8C3F-1934C6577C97}"/>
-              </a:ext>
-            </a:extLst>
-          </p:cNvPr>
+          <p:cNvPr id="5" name="Footer Placeholder 4"/>
           <p:cNvSpPr>
             <a:spLocks noGrp="1"/>
           </p:cNvSpPr>
@@ -1173,10 +2217,23 @@
             <p:ph type="ftr" sz="quarter" idx="11"/>
           </p:nvPr>
         </p:nvSpPr>
-        <p:spPr/>
+        <p:spPr>
+          <a:xfrm>
+            <a:off x="5279064" y="6375679"/>
+            <a:ext cx="4114800" cy="345796"/>
+          </a:xfrm>
+        </p:spPr>
         <p:txBody>
           <a:bodyPr/>
-          <a:lstStyle/>
+          <a:lstStyle>
+            <a:lvl1pPr>
+              <a:defRPr baseline="0">
+                <a:solidFill>
+                  <a:schemeClr val="tx2"/>
+                </a:solidFill>
+              </a:defRPr>
+            </a:lvl1pPr>
+          </a:lstStyle>
           <a:p>
             <a:endParaRPr lang="en-US"/>
           </a:p>
@@ -1184,13 +2241,7 @@
       </p:sp>
       <p:sp>
         <p:nvSpPr>
-          <p:cNvPr id="6" name="Slide Number Placeholder 5">
-            <a:extLst>
-              <a:ext uri="{FF2B5EF4-FFF2-40B4-BE49-F238E27FC236}">
-                <a16:creationId xmlns:a16="http://schemas.microsoft.com/office/drawing/2014/main" id="{C516090D-11B9-F649-8D88-3D283307B7AE}"/>
-              </a:ext>
-            </a:extLst>
-          </p:cNvPr>
+          <p:cNvPr id="6" name="Slide Number Placeholder 5"/>
           <p:cNvSpPr>
             <a:spLocks noGrp="1"/>
           </p:cNvSpPr>
@@ -1198,10 +2249,23 @@
             <p:ph type="sldNum" sz="quarter" idx="12"/>
           </p:nvPr>
         </p:nvSpPr>
-        <p:spPr/>
+        <p:spPr>
+          <a:xfrm>
+            <a:off x="9942434" y="6375679"/>
+            <a:ext cx="1487566" cy="345796"/>
+          </a:xfrm>
+        </p:spPr>
         <p:txBody>
           <a:bodyPr/>
-          <a:lstStyle/>
+          <a:lstStyle>
+            <a:lvl1pPr>
+              <a:defRPr baseline="0">
+                <a:solidFill>
+                  <a:schemeClr val="tx2"/>
+                </a:solidFill>
+              </a:defRPr>
+            </a:lvl1pPr>
+          </a:lstStyle>
           <a:p>
             <a:fld id="{4FC7B2B1-2D88-DF4E-B7AE-53E84311F311}" type="slidenum">
               <a:rPr lang="en-US" smtClean="0"/>
@@ -1211,15 +2275,958 @@
           </a:p>
         </p:txBody>
       </p:sp>
+      <p:grpSp>
+        <p:nvGrpSpPr>
+          <p:cNvPr id="7" name="Group 6" title="left scallop shape"/>
+          <p:cNvGrpSpPr/>
+          <p:nvPr/>
+        </p:nvGrpSpPr>
+        <p:grpSpPr>
+          <a:xfrm>
+            <a:off x="0" y="0"/>
+            <a:ext cx="2814638" cy="6858000"/>
+            <a:chOff x="0" y="0"/>
+            <a:chExt cx="2814638" cy="6858000"/>
+          </a:xfrm>
+        </p:grpSpPr>
+        <p:sp>
+          <p:nvSpPr>
+            <p:cNvPr id="11" name="Freeform 6" title="left scallop shape"/>
+            <p:cNvSpPr/>
+            <p:nvPr/>
+          </p:nvSpPr>
+          <p:spPr bwMode="auto">
+            <a:xfrm>
+              <a:off x="0" y="0"/>
+              <a:ext cx="2814638" cy="6858000"/>
+            </a:xfrm>
+            <a:custGeom>
+              <a:avLst/>
+              <a:gdLst/>
+              <a:ahLst/>
+              <a:cxnLst/>
+              <a:rect l="0" t="0" r="r" b="b"/>
+              <a:pathLst>
+                <a:path w="1773" h="4320">
+                  <a:moveTo>
+                    <a:pt x="0" y="0"/>
+                  </a:moveTo>
+                  <a:lnTo>
+                    <a:pt x="891" y="0"/>
+                  </a:lnTo>
+                  <a:lnTo>
+                    <a:pt x="906" y="56"/>
+                  </a:lnTo>
+                  <a:lnTo>
+                    <a:pt x="921" y="111"/>
+                  </a:lnTo>
+                  <a:lnTo>
+                    <a:pt x="938" y="165"/>
+                  </a:lnTo>
+                  <a:lnTo>
+                    <a:pt x="957" y="217"/>
+                  </a:lnTo>
+                  <a:lnTo>
+                    <a:pt x="980" y="266"/>
+                  </a:lnTo>
+                  <a:lnTo>
+                    <a:pt x="1007" y="312"/>
+                  </a:lnTo>
+                  <a:lnTo>
+                    <a:pt x="1036" y="351"/>
+                  </a:lnTo>
+                  <a:lnTo>
+                    <a:pt x="1069" y="387"/>
+                  </a:lnTo>
+                  <a:lnTo>
+                    <a:pt x="1105" y="422"/>
+                  </a:lnTo>
+                  <a:lnTo>
+                    <a:pt x="1145" y="456"/>
+                  </a:lnTo>
+                  <a:lnTo>
+                    <a:pt x="1185" y="487"/>
+                  </a:lnTo>
+                  <a:lnTo>
+                    <a:pt x="1227" y="520"/>
+                  </a:lnTo>
+                  <a:lnTo>
+                    <a:pt x="1270" y="551"/>
+                  </a:lnTo>
+                  <a:lnTo>
+                    <a:pt x="1311" y="584"/>
+                  </a:lnTo>
+                  <a:lnTo>
+                    <a:pt x="1352" y="617"/>
+                  </a:lnTo>
+                  <a:lnTo>
+                    <a:pt x="1390" y="651"/>
+                  </a:lnTo>
+                  <a:lnTo>
+                    <a:pt x="1425" y="687"/>
+                  </a:lnTo>
+                  <a:lnTo>
+                    <a:pt x="1456" y="725"/>
+                  </a:lnTo>
+                  <a:lnTo>
+                    <a:pt x="1484" y="765"/>
+                  </a:lnTo>
+                  <a:lnTo>
+                    <a:pt x="1505" y="808"/>
+                  </a:lnTo>
+                  <a:lnTo>
+                    <a:pt x="1521" y="856"/>
+                  </a:lnTo>
+                  <a:lnTo>
+                    <a:pt x="1530" y="907"/>
+                  </a:lnTo>
+                  <a:lnTo>
+                    <a:pt x="1534" y="960"/>
+                  </a:lnTo>
+                  <a:lnTo>
+                    <a:pt x="1534" y="1013"/>
+                  </a:lnTo>
+                  <a:lnTo>
+                    <a:pt x="1530" y="1068"/>
+                  </a:lnTo>
+                  <a:lnTo>
+                    <a:pt x="1523" y="1125"/>
+                  </a:lnTo>
+                  <a:lnTo>
+                    <a:pt x="1515" y="1181"/>
+                  </a:lnTo>
+                  <a:lnTo>
+                    <a:pt x="1508" y="1237"/>
+                  </a:lnTo>
+                  <a:lnTo>
+                    <a:pt x="1501" y="1293"/>
+                  </a:lnTo>
+                  <a:lnTo>
+                    <a:pt x="1496" y="1350"/>
+                  </a:lnTo>
+                  <a:lnTo>
+                    <a:pt x="1494" y="1405"/>
+                  </a:lnTo>
+                  <a:lnTo>
+                    <a:pt x="1497" y="1458"/>
+                  </a:lnTo>
+                  <a:lnTo>
+                    <a:pt x="1504" y="1511"/>
+                  </a:lnTo>
+                  <a:lnTo>
+                    <a:pt x="1517" y="1560"/>
+                  </a:lnTo>
+                  <a:lnTo>
+                    <a:pt x="1535" y="1610"/>
+                  </a:lnTo>
+                  <a:lnTo>
+                    <a:pt x="1557" y="1659"/>
+                  </a:lnTo>
+                  <a:lnTo>
+                    <a:pt x="1583" y="1708"/>
+                  </a:lnTo>
+                  <a:lnTo>
+                    <a:pt x="1611" y="1757"/>
+                  </a:lnTo>
+                  <a:lnTo>
+                    <a:pt x="1640" y="1807"/>
+                  </a:lnTo>
+                  <a:lnTo>
+                    <a:pt x="1669" y="1855"/>
+                  </a:lnTo>
+                  <a:lnTo>
+                    <a:pt x="1696" y="1905"/>
+                  </a:lnTo>
+                  <a:lnTo>
+                    <a:pt x="1721" y="1954"/>
+                  </a:lnTo>
+                  <a:lnTo>
+                    <a:pt x="1742" y="2006"/>
+                  </a:lnTo>
+                  <a:lnTo>
+                    <a:pt x="1759" y="2057"/>
+                  </a:lnTo>
+                  <a:lnTo>
+                    <a:pt x="1769" y="2108"/>
+                  </a:lnTo>
+                  <a:lnTo>
+                    <a:pt x="1773" y="2160"/>
+                  </a:lnTo>
+                  <a:lnTo>
+                    <a:pt x="1769" y="2212"/>
+                  </a:lnTo>
+                  <a:lnTo>
+                    <a:pt x="1759" y="2263"/>
+                  </a:lnTo>
+                  <a:lnTo>
+                    <a:pt x="1742" y="2314"/>
+                  </a:lnTo>
+                  <a:lnTo>
+                    <a:pt x="1721" y="2366"/>
+                  </a:lnTo>
+                  <a:lnTo>
+                    <a:pt x="1696" y="2415"/>
+                  </a:lnTo>
+                  <a:lnTo>
+                    <a:pt x="1669" y="2465"/>
+                  </a:lnTo>
+                  <a:lnTo>
+                    <a:pt x="1640" y="2513"/>
+                  </a:lnTo>
+                  <a:lnTo>
+                    <a:pt x="1611" y="2563"/>
+                  </a:lnTo>
+                  <a:lnTo>
+                    <a:pt x="1583" y="2612"/>
+                  </a:lnTo>
+                  <a:lnTo>
+                    <a:pt x="1557" y="2661"/>
+                  </a:lnTo>
+                  <a:lnTo>
+                    <a:pt x="1535" y="2710"/>
+                  </a:lnTo>
+                  <a:lnTo>
+                    <a:pt x="1517" y="2760"/>
+                  </a:lnTo>
+                  <a:lnTo>
+                    <a:pt x="1504" y="2809"/>
+                  </a:lnTo>
+                  <a:lnTo>
+                    <a:pt x="1497" y="2862"/>
+                  </a:lnTo>
+                  <a:lnTo>
+                    <a:pt x="1494" y="2915"/>
+                  </a:lnTo>
+                  <a:lnTo>
+                    <a:pt x="1496" y="2970"/>
+                  </a:lnTo>
+                  <a:lnTo>
+                    <a:pt x="1501" y="3027"/>
+                  </a:lnTo>
+                  <a:lnTo>
+                    <a:pt x="1508" y="3083"/>
+                  </a:lnTo>
+                  <a:lnTo>
+                    <a:pt x="1515" y="3139"/>
+                  </a:lnTo>
+                  <a:lnTo>
+                    <a:pt x="1523" y="3195"/>
+                  </a:lnTo>
+                  <a:lnTo>
+                    <a:pt x="1530" y="3252"/>
+                  </a:lnTo>
+                  <a:lnTo>
+                    <a:pt x="1534" y="3307"/>
+                  </a:lnTo>
+                  <a:lnTo>
+                    <a:pt x="1534" y="3360"/>
+                  </a:lnTo>
+                  <a:lnTo>
+                    <a:pt x="1530" y="3413"/>
+                  </a:lnTo>
+                  <a:lnTo>
+                    <a:pt x="1521" y="3464"/>
+                  </a:lnTo>
+                  <a:lnTo>
+                    <a:pt x="1505" y="3512"/>
+                  </a:lnTo>
+                  <a:lnTo>
+                    <a:pt x="1484" y="3555"/>
+                  </a:lnTo>
+                  <a:lnTo>
+                    <a:pt x="1456" y="3595"/>
+                  </a:lnTo>
+                  <a:lnTo>
+                    <a:pt x="1425" y="3633"/>
+                  </a:lnTo>
+                  <a:lnTo>
+                    <a:pt x="1390" y="3669"/>
+                  </a:lnTo>
+                  <a:lnTo>
+                    <a:pt x="1352" y="3703"/>
+                  </a:lnTo>
+                  <a:lnTo>
+                    <a:pt x="1311" y="3736"/>
+                  </a:lnTo>
+                  <a:lnTo>
+                    <a:pt x="1270" y="3769"/>
+                  </a:lnTo>
+                  <a:lnTo>
+                    <a:pt x="1227" y="3800"/>
+                  </a:lnTo>
+                  <a:lnTo>
+                    <a:pt x="1185" y="3833"/>
+                  </a:lnTo>
+                  <a:lnTo>
+                    <a:pt x="1145" y="3864"/>
+                  </a:lnTo>
+                  <a:lnTo>
+                    <a:pt x="1105" y="3898"/>
+                  </a:lnTo>
+                  <a:lnTo>
+                    <a:pt x="1069" y="3933"/>
+                  </a:lnTo>
+                  <a:lnTo>
+                    <a:pt x="1036" y="3969"/>
+                  </a:lnTo>
+                  <a:lnTo>
+                    <a:pt x="1007" y="4008"/>
+                  </a:lnTo>
+                  <a:lnTo>
+                    <a:pt x="980" y="4054"/>
+                  </a:lnTo>
+                  <a:lnTo>
+                    <a:pt x="957" y="4103"/>
+                  </a:lnTo>
+                  <a:lnTo>
+                    <a:pt x="938" y="4155"/>
+                  </a:lnTo>
+                  <a:lnTo>
+                    <a:pt x="921" y="4209"/>
+                  </a:lnTo>
+                  <a:lnTo>
+                    <a:pt x="906" y="4264"/>
+                  </a:lnTo>
+                  <a:lnTo>
+                    <a:pt x="891" y="4320"/>
+                  </a:lnTo>
+                  <a:lnTo>
+                    <a:pt x="0" y="4320"/>
+                  </a:lnTo>
+                  <a:lnTo>
+                    <a:pt x="0" y="0"/>
+                  </a:lnTo>
+                  <a:close/>
+                </a:path>
+              </a:pathLst>
+            </a:custGeom>
+            <a:solidFill>
+              <a:schemeClr val="tx2"/>
+            </a:solidFill>
+            <a:ln w="0">
+              <a:noFill/>
+              <a:prstDash val="solid"/>
+              <a:round/>
+              <a:headEnd/>
+              <a:tailEnd/>
+            </a:ln>
+          </p:spPr>
+        </p:sp>
+        <p:sp>
+          <p:nvSpPr>
+            <p:cNvPr id="16" name="Freeform 11" title="left scallop inline"/>
+            <p:cNvSpPr/>
+            <p:nvPr/>
+          </p:nvSpPr>
+          <p:spPr bwMode="auto">
+            <a:xfrm>
+              <a:off x="874382" y="0"/>
+              <a:ext cx="1646238" cy="6858000"/>
+            </a:xfrm>
+            <a:custGeom>
+              <a:avLst/>
+              <a:gdLst/>
+              <a:ahLst/>
+              <a:cxnLst/>
+              <a:rect l="0" t="0" r="r" b="b"/>
+              <a:pathLst>
+                <a:path w="1037" h="4320">
+                  <a:moveTo>
+                    <a:pt x="0" y="0"/>
+                  </a:moveTo>
+                  <a:lnTo>
+                    <a:pt x="171" y="0"/>
+                  </a:lnTo>
+                  <a:lnTo>
+                    <a:pt x="188" y="55"/>
+                  </a:lnTo>
+                  <a:lnTo>
+                    <a:pt x="204" y="110"/>
+                  </a:lnTo>
+                  <a:lnTo>
+                    <a:pt x="220" y="166"/>
+                  </a:lnTo>
+                  <a:lnTo>
+                    <a:pt x="234" y="223"/>
+                  </a:lnTo>
+                  <a:lnTo>
+                    <a:pt x="251" y="278"/>
+                  </a:lnTo>
+                  <a:lnTo>
+                    <a:pt x="269" y="331"/>
+                  </a:lnTo>
+                  <a:lnTo>
+                    <a:pt x="292" y="381"/>
+                  </a:lnTo>
+                  <a:lnTo>
+                    <a:pt x="319" y="427"/>
+                  </a:lnTo>
+                  <a:lnTo>
+                    <a:pt x="349" y="466"/>
+                  </a:lnTo>
+                  <a:lnTo>
+                    <a:pt x="382" y="503"/>
+                  </a:lnTo>
+                  <a:lnTo>
+                    <a:pt x="420" y="537"/>
+                  </a:lnTo>
+                  <a:lnTo>
+                    <a:pt x="460" y="571"/>
+                  </a:lnTo>
+                  <a:lnTo>
+                    <a:pt x="502" y="603"/>
+                  </a:lnTo>
+                  <a:lnTo>
+                    <a:pt x="544" y="635"/>
+                  </a:lnTo>
+                  <a:lnTo>
+                    <a:pt x="587" y="668"/>
+                  </a:lnTo>
+                  <a:lnTo>
+                    <a:pt x="628" y="700"/>
+                  </a:lnTo>
+                  <a:lnTo>
+                    <a:pt x="667" y="734"/>
+                  </a:lnTo>
+                  <a:lnTo>
+                    <a:pt x="703" y="771"/>
+                  </a:lnTo>
+                  <a:lnTo>
+                    <a:pt x="736" y="808"/>
+                  </a:lnTo>
+                  <a:lnTo>
+                    <a:pt x="763" y="848"/>
+                  </a:lnTo>
+                  <a:lnTo>
+                    <a:pt x="786" y="893"/>
+                  </a:lnTo>
+                  <a:lnTo>
+                    <a:pt x="800" y="937"/>
+                  </a:lnTo>
+                  <a:lnTo>
+                    <a:pt x="809" y="986"/>
+                  </a:lnTo>
+                  <a:lnTo>
+                    <a:pt x="813" y="1034"/>
+                  </a:lnTo>
+                  <a:lnTo>
+                    <a:pt x="812" y="1085"/>
+                  </a:lnTo>
+                  <a:lnTo>
+                    <a:pt x="808" y="1136"/>
+                  </a:lnTo>
+                  <a:lnTo>
+                    <a:pt x="803" y="1189"/>
+                  </a:lnTo>
+                  <a:lnTo>
+                    <a:pt x="796" y="1242"/>
+                  </a:lnTo>
+                  <a:lnTo>
+                    <a:pt x="788" y="1295"/>
+                  </a:lnTo>
+                  <a:lnTo>
+                    <a:pt x="782" y="1348"/>
+                  </a:lnTo>
+                  <a:lnTo>
+                    <a:pt x="778" y="1401"/>
+                  </a:lnTo>
+                  <a:lnTo>
+                    <a:pt x="775" y="1452"/>
+                  </a:lnTo>
+                  <a:lnTo>
+                    <a:pt x="778" y="1502"/>
+                  </a:lnTo>
+                  <a:lnTo>
+                    <a:pt x="784" y="1551"/>
+                  </a:lnTo>
+                  <a:lnTo>
+                    <a:pt x="797" y="1602"/>
+                  </a:lnTo>
+                  <a:lnTo>
+                    <a:pt x="817" y="1652"/>
+                  </a:lnTo>
+                  <a:lnTo>
+                    <a:pt x="841" y="1702"/>
+                  </a:lnTo>
+                  <a:lnTo>
+                    <a:pt x="868" y="1752"/>
+                  </a:lnTo>
+                  <a:lnTo>
+                    <a:pt x="896" y="1801"/>
+                  </a:lnTo>
+                  <a:lnTo>
+                    <a:pt x="926" y="1851"/>
+                  </a:lnTo>
+                  <a:lnTo>
+                    <a:pt x="953" y="1901"/>
+                  </a:lnTo>
+                  <a:lnTo>
+                    <a:pt x="980" y="1952"/>
+                  </a:lnTo>
+                  <a:lnTo>
+                    <a:pt x="1003" y="2003"/>
+                  </a:lnTo>
+                  <a:lnTo>
+                    <a:pt x="1021" y="2054"/>
+                  </a:lnTo>
+                  <a:lnTo>
+                    <a:pt x="1031" y="2106"/>
+                  </a:lnTo>
+                  <a:lnTo>
+                    <a:pt x="1037" y="2160"/>
+                  </a:lnTo>
+                  <a:lnTo>
+                    <a:pt x="1031" y="2214"/>
+                  </a:lnTo>
+                  <a:lnTo>
+                    <a:pt x="1021" y="2266"/>
+                  </a:lnTo>
+                  <a:lnTo>
+                    <a:pt x="1003" y="2317"/>
+                  </a:lnTo>
+                  <a:lnTo>
+                    <a:pt x="980" y="2368"/>
+                  </a:lnTo>
+                  <a:lnTo>
+                    <a:pt x="953" y="2419"/>
+                  </a:lnTo>
+                  <a:lnTo>
+                    <a:pt x="926" y="2469"/>
+                  </a:lnTo>
+                  <a:lnTo>
+                    <a:pt x="896" y="2519"/>
+                  </a:lnTo>
+                  <a:lnTo>
+                    <a:pt x="868" y="2568"/>
+                  </a:lnTo>
+                  <a:lnTo>
+                    <a:pt x="841" y="2618"/>
+                  </a:lnTo>
+                  <a:lnTo>
+                    <a:pt x="817" y="2668"/>
+                  </a:lnTo>
+                  <a:lnTo>
+                    <a:pt x="797" y="2718"/>
+                  </a:lnTo>
+                  <a:lnTo>
+                    <a:pt x="784" y="2769"/>
+                  </a:lnTo>
+                  <a:lnTo>
+                    <a:pt x="778" y="2818"/>
+                  </a:lnTo>
+                  <a:lnTo>
+                    <a:pt x="775" y="2868"/>
+                  </a:lnTo>
+                  <a:lnTo>
+                    <a:pt x="778" y="2919"/>
+                  </a:lnTo>
+                  <a:lnTo>
+                    <a:pt x="782" y="2972"/>
+                  </a:lnTo>
+                  <a:lnTo>
+                    <a:pt x="788" y="3025"/>
+                  </a:lnTo>
+                  <a:lnTo>
+                    <a:pt x="796" y="3078"/>
+                  </a:lnTo>
+                  <a:lnTo>
+                    <a:pt x="803" y="3131"/>
+                  </a:lnTo>
+                  <a:lnTo>
+                    <a:pt x="808" y="3184"/>
+                  </a:lnTo>
+                  <a:lnTo>
+                    <a:pt x="812" y="3235"/>
+                  </a:lnTo>
+                  <a:lnTo>
+                    <a:pt x="813" y="3286"/>
+                  </a:lnTo>
+                  <a:lnTo>
+                    <a:pt x="809" y="3334"/>
+                  </a:lnTo>
+                  <a:lnTo>
+                    <a:pt x="800" y="3383"/>
+                  </a:lnTo>
+                  <a:lnTo>
+                    <a:pt x="786" y="3427"/>
+                  </a:lnTo>
+                  <a:lnTo>
+                    <a:pt x="763" y="3472"/>
+                  </a:lnTo>
+                  <a:lnTo>
+                    <a:pt x="736" y="3512"/>
+                  </a:lnTo>
+                  <a:lnTo>
+                    <a:pt x="703" y="3549"/>
+                  </a:lnTo>
+                  <a:lnTo>
+                    <a:pt x="667" y="3586"/>
+                  </a:lnTo>
+                  <a:lnTo>
+                    <a:pt x="628" y="3620"/>
+                  </a:lnTo>
+                  <a:lnTo>
+                    <a:pt x="587" y="3652"/>
+                  </a:lnTo>
+                  <a:lnTo>
+                    <a:pt x="544" y="3685"/>
+                  </a:lnTo>
+                  <a:lnTo>
+                    <a:pt x="502" y="3717"/>
+                  </a:lnTo>
+                  <a:lnTo>
+                    <a:pt x="460" y="3749"/>
+                  </a:lnTo>
+                  <a:lnTo>
+                    <a:pt x="420" y="3783"/>
+                  </a:lnTo>
+                  <a:lnTo>
+                    <a:pt x="382" y="3817"/>
+                  </a:lnTo>
+                  <a:lnTo>
+                    <a:pt x="349" y="3854"/>
+                  </a:lnTo>
+                  <a:lnTo>
+                    <a:pt x="319" y="3893"/>
+                  </a:lnTo>
+                  <a:lnTo>
+                    <a:pt x="292" y="3939"/>
+                  </a:lnTo>
+                  <a:lnTo>
+                    <a:pt x="269" y="3989"/>
+                  </a:lnTo>
+                  <a:lnTo>
+                    <a:pt x="251" y="4042"/>
+                  </a:lnTo>
+                  <a:lnTo>
+                    <a:pt x="234" y="4097"/>
+                  </a:lnTo>
+                  <a:lnTo>
+                    <a:pt x="220" y="4154"/>
+                  </a:lnTo>
+                  <a:lnTo>
+                    <a:pt x="204" y="4210"/>
+                  </a:lnTo>
+                  <a:lnTo>
+                    <a:pt x="188" y="4265"/>
+                  </a:lnTo>
+                  <a:lnTo>
+                    <a:pt x="171" y="4320"/>
+                  </a:lnTo>
+                  <a:lnTo>
+                    <a:pt x="0" y="4320"/>
+                  </a:lnTo>
+                  <a:lnTo>
+                    <a:pt x="17" y="4278"/>
+                  </a:lnTo>
+                  <a:lnTo>
+                    <a:pt x="33" y="4232"/>
+                  </a:lnTo>
+                  <a:lnTo>
+                    <a:pt x="46" y="4183"/>
+                  </a:lnTo>
+                  <a:lnTo>
+                    <a:pt x="60" y="4131"/>
+                  </a:lnTo>
+                  <a:lnTo>
+                    <a:pt x="75" y="4075"/>
+                  </a:lnTo>
+                  <a:lnTo>
+                    <a:pt x="90" y="4019"/>
+                  </a:lnTo>
+                  <a:lnTo>
+                    <a:pt x="109" y="3964"/>
+                  </a:lnTo>
+                  <a:lnTo>
+                    <a:pt x="129" y="3909"/>
+                  </a:lnTo>
+                  <a:lnTo>
+                    <a:pt x="156" y="3855"/>
+                  </a:lnTo>
+                  <a:lnTo>
+                    <a:pt x="186" y="3804"/>
+                  </a:lnTo>
+                  <a:lnTo>
+                    <a:pt x="222" y="3756"/>
+                  </a:lnTo>
+                  <a:lnTo>
+                    <a:pt x="261" y="3713"/>
+                  </a:lnTo>
+                  <a:lnTo>
+                    <a:pt x="303" y="3672"/>
+                  </a:lnTo>
+                  <a:lnTo>
+                    <a:pt x="348" y="3634"/>
+                  </a:lnTo>
+                  <a:lnTo>
+                    <a:pt x="392" y="3599"/>
+                  </a:lnTo>
+                  <a:lnTo>
+                    <a:pt x="438" y="3565"/>
+                  </a:lnTo>
+                  <a:lnTo>
+                    <a:pt x="482" y="3531"/>
+                  </a:lnTo>
+                  <a:lnTo>
+                    <a:pt x="523" y="3499"/>
+                  </a:lnTo>
+                  <a:lnTo>
+                    <a:pt x="561" y="3466"/>
+                  </a:lnTo>
+                  <a:lnTo>
+                    <a:pt x="594" y="3434"/>
+                  </a:lnTo>
+                  <a:lnTo>
+                    <a:pt x="620" y="3400"/>
+                  </a:lnTo>
+                  <a:lnTo>
+                    <a:pt x="638" y="3367"/>
+                  </a:lnTo>
+                  <a:lnTo>
+                    <a:pt x="647" y="3336"/>
+                  </a:lnTo>
+                  <a:lnTo>
+                    <a:pt x="652" y="3302"/>
+                  </a:lnTo>
+                  <a:lnTo>
+                    <a:pt x="654" y="3265"/>
+                  </a:lnTo>
+                  <a:lnTo>
+                    <a:pt x="651" y="3224"/>
+                  </a:lnTo>
+                  <a:lnTo>
+                    <a:pt x="647" y="3181"/>
+                  </a:lnTo>
+                  <a:lnTo>
+                    <a:pt x="642" y="3137"/>
+                  </a:lnTo>
+                  <a:lnTo>
+                    <a:pt x="637" y="3091"/>
+                  </a:lnTo>
+                  <a:lnTo>
+                    <a:pt x="626" y="3021"/>
+                  </a:lnTo>
+                  <a:lnTo>
+                    <a:pt x="620" y="2952"/>
+                  </a:lnTo>
+                  <a:lnTo>
+                    <a:pt x="616" y="2881"/>
+                  </a:lnTo>
+                  <a:lnTo>
+                    <a:pt x="618" y="2809"/>
+                  </a:lnTo>
+                  <a:lnTo>
+                    <a:pt x="628" y="2737"/>
+                  </a:lnTo>
+                  <a:lnTo>
+                    <a:pt x="642" y="2681"/>
+                  </a:lnTo>
+                  <a:lnTo>
+                    <a:pt x="661" y="2626"/>
+                  </a:lnTo>
+                  <a:lnTo>
+                    <a:pt x="685" y="2574"/>
+                  </a:lnTo>
+                  <a:lnTo>
+                    <a:pt x="711" y="2521"/>
+                  </a:lnTo>
+                  <a:lnTo>
+                    <a:pt x="739" y="2472"/>
+                  </a:lnTo>
+                  <a:lnTo>
+                    <a:pt x="767" y="2423"/>
+                  </a:lnTo>
+                  <a:lnTo>
+                    <a:pt x="791" y="2381"/>
+                  </a:lnTo>
+                  <a:lnTo>
+                    <a:pt x="813" y="2342"/>
+                  </a:lnTo>
+                  <a:lnTo>
+                    <a:pt x="834" y="2303"/>
+                  </a:lnTo>
+                  <a:lnTo>
+                    <a:pt x="851" y="2265"/>
+                  </a:lnTo>
+                  <a:lnTo>
+                    <a:pt x="864" y="2228"/>
+                  </a:lnTo>
+                  <a:lnTo>
+                    <a:pt x="873" y="2194"/>
+                  </a:lnTo>
+                  <a:lnTo>
+                    <a:pt x="876" y="2160"/>
+                  </a:lnTo>
+                  <a:lnTo>
+                    <a:pt x="873" y="2126"/>
+                  </a:lnTo>
+                  <a:lnTo>
+                    <a:pt x="864" y="2092"/>
+                  </a:lnTo>
+                  <a:lnTo>
+                    <a:pt x="851" y="2055"/>
+                  </a:lnTo>
+                  <a:lnTo>
+                    <a:pt x="834" y="2017"/>
+                  </a:lnTo>
+                  <a:lnTo>
+                    <a:pt x="813" y="1978"/>
+                  </a:lnTo>
+                  <a:lnTo>
+                    <a:pt x="791" y="1939"/>
+                  </a:lnTo>
+                  <a:lnTo>
+                    <a:pt x="767" y="1897"/>
+                  </a:lnTo>
+                  <a:lnTo>
+                    <a:pt x="739" y="1848"/>
+                  </a:lnTo>
+                  <a:lnTo>
+                    <a:pt x="711" y="1799"/>
+                  </a:lnTo>
+                  <a:lnTo>
+                    <a:pt x="685" y="1746"/>
+                  </a:lnTo>
+                  <a:lnTo>
+                    <a:pt x="661" y="1694"/>
+                  </a:lnTo>
+                  <a:lnTo>
+                    <a:pt x="642" y="1639"/>
+                  </a:lnTo>
+                  <a:lnTo>
+                    <a:pt x="628" y="1583"/>
+                  </a:lnTo>
+                  <a:lnTo>
+                    <a:pt x="618" y="1511"/>
+                  </a:lnTo>
+                  <a:lnTo>
+                    <a:pt x="616" y="1439"/>
+                  </a:lnTo>
+                  <a:lnTo>
+                    <a:pt x="620" y="1368"/>
+                  </a:lnTo>
+                  <a:lnTo>
+                    <a:pt x="626" y="1299"/>
+                  </a:lnTo>
+                  <a:lnTo>
+                    <a:pt x="637" y="1229"/>
+                  </a:lnTo>
+                  <a:lnTo>
+                    <a:pt x="642" y="1183"/>
+                  </a:lnTo>
+                  <a:lnTo>
+                    <a:pt x="647" y="1139"/>
+                  </a:lnTo>
+                  <a:lnTo>
+                    <a:pt x="651" y="1096"/>
+                  </a:lnTo>
+                  <a:lnTo>
+                    <a:pt x="654" y="1055"/>
+                  </a:lnTo>
+                  <a:lnTo>
+                    <a:pt x="652" y="1018"/>
+                  </a:lnTo>
+                  <a:lnTo>
+                    <a:pt x="647" y="984"/>
+                  </a:lnTo>
+                  <a:lnTo>
+                    <a:pt x="638" y="953"/>
+                  </a:lnTo>
+                  <a:lnTo>
+                    <a:pt x="620" y="920"/>
+                  </a:lnTo>
+                  <a:lnTo>
+                    <a:pt x="594" y="886"/>
+                  </a:lnTo>
+                  <a:lnTo>
+                    <a:pt x="561" y="854"/>
+                  </a:lnTo>
+                  <a:lnTo>
+                    <a:pt x="523" y="822"/>
+                  </a:lnTo>
+                  <a:lnTo>
+                    <a:pt x="482" y="789"/>
+                  </a:lnTo>
+                  <a:lnTo>
+                    <a:pt x="438" y="755"/>
+                  </a:lnTo>
+                  <a:lnTo>
+                    <a:pt x="392" y="721"/>
+                  </a:lnTo>
+                  <a:lnTo>
+                    <a:pt x="348" y="686"/>
+                  </a:lnTo>
+                  <a:lnTo>
+                    <a:pt x="303" y="648"/>
+                  </a:lnTo>
+                  <a:lnTo>
+                    <a:pt x="261" y="607"/>
+                  </a:lnTo>
+                  <a:lnTo>
+                    <a:pt x="222" y="564"/>
+                  </a:lnTo>
+                  <a:lnTo>
+                    <a:pt x="186" y="516"/>
+                  </a:lnTo>
+                  <a:lnTo>
+                    <a:pt x="156" y="465"/>
+                  </a:lnTo>
+                  <a:lnTo>
+                    <a:pt x="129" y="411"/>
+                  </a:lnTo>
+                  <a:lnTo>
+                    <a:pt x="109" y="356"/>
+                  </a:lnTo>
+                  <a:lnTo>
+                    <a:pt x="90" y="301"/>
+                  </a:lnTo>
+                  <a:lnTo>
+                    <a:pt x="75" y="245"/>
+                  </a:lnTo>
+                  <a:lnTo>
+                    <a:pt x="60" y="189"/>
+                  </a:lnTo>
+                  <a:lnTo>
+                    <a:pt x="46" y="137"/>
+                  </a:lnTo>
+                  <a:lnTo>
+                    <a:pt x="33" y="88"/>
+                  </a:lnTo>
+                  <a:lnTo>
+                    <a:pt x="17" y="42"/>
+                  </a:lnTo>
+                  <a:lnTo>
+                    <a:pt x="0" y="0"/>
+                  </a:lnTo>
+                  <a:lnTo>
+                    <a:pt x="0" y="0"/>
+                  </a:lnTo>
+                  <a:close/>
+                </a:path>
+              </a:pathLst>
+            </a:custGeom>
+            <a:solidFill>
+              <a:schemeClr val="accent1"/>
+            </a:solidFill>
+            <a:ln w="0">
+              <a:noFill/>
+              <a:prstDash val="solid"/>
+              <a:round/>
+              <a:headEnd/>
+              <a:tailEnd/>
+            </a:ln>
+          </p:spPr>
+        </p:sp>
+      </p:grpSp>
     </p:spTree>
     <p:extLst>
       <p:ext uri="{BB962C8B-B14F-4D97-AF65-F5344CB8AC3E}">
-        <p14:creationId xmlns:p14="http://schemas.microsoft.com/office/powerpoint/2010/main" val="2183753652"/>
+        <p14:creationId xmlns:p14="http://schemas.microsoft.com/office/powerpoint/2010/main" val="1107335619"/>
       </p:ext>
     </p:extLst>
   </p:cSld>
   <p:clrMapOvr>
-    <a:masterClrMapping/>
+    <a:overrideClrMapping bg1="dk1" tx1="lt1" bg2="dk2" tx2="lt2" accent1="accent1" accent2="accent2" accent3="accent3" accent4="accent4" accent5="accent5" accent6="accent6" hlink="hlink" folHlink="folHlink"/>
   </p:clrMapOvr>
 </p:sldLayout>
 </file>
@@ -1243,13 +3250,7 @@
       </p:grpSpPr>
       <p:sp>
         <p:nvSpPr>
-          <p:cNvPr id="2" name="Title 1">
-            <a:extLst>
-              <a:ext uri="{FF2B5EF4-FFF2-40B4-BE49-F238E27FC236}">
-                <a16:creationId xmlns:a16="http://schemas.microsoft.com/office/drawing/2014/main" id="{641D953A-A5F8-4245-9065-89B8648F9435}"/>
-              </a:ext>
-            </a:extLst>
-          </p:cNvPr>
+          <p:cNvPr id="2" name="Title 1"/>
           <p:cNvSpPr>
             <a:spLocks noGrp="1"/>
           </p:cNvSpPr>
@@ -1266,18 +3267,13 @@
               <a:rPr lang="en-US"/>
               <a:t>Click to edit Master title style</a:t>
             </a:r>
+            <a:endParaRPr lang="en-US" dirty="0"/>
           </a:p>
         </p:txBody>
       </p:sp>
       <p:sp>
         <p:nvSpPr>
-          <p:cNvPr id="3" name="Content Placeholder 2">
-            <a:extLst>
-              <a:ext uri="{FF2B5EF4-FFF2-40B4-BE49-F238E27FC236}">
-                <a16:creationId xmlns:a16="http://schemas.microsoft.com/office/drawing/2014/main" id="{7012C8CD-AFFC-E048-ADF5-0376DCB99BB8}"/>
-              </a:ext>
-            </a:extLst>
-          </p:cNvPr>
+          <p:cNvPr id="3" name="Content Placeholder 2"/>
           <p:cNvSpPr>
             <a:spLocks noGrp="1"/>
           </p:cNvSpPr>
@@ -1287,8 +3283,8 @@
         </p:nvSpPr>
         <p:spPr>
           <a:xfrm>
-            <a:off x="838200" y="1825625"/>
-            <a:ext cx="5181600" cy="4351338"/>
+            <a:off x="1257300" y="2286000"/>
+            <a:ext cx="4800600" cy="3619500"/>
           </a:xfrm>
         </p:spPr>
         <p:txBody>
@@ -1328,18 +3324,13 @@
               <a:rPr lang="en-US"/>
               <a:t>Fifth level</a:t>
             </a:r>
+            <a:endParaRPr lang="en-US" dirty="0"/>
           </a:p>
         </p:txBody>
       </p:sp>
       <p:sp>
         <p:nvSpPr>
-          <p:cNvPr id="4" name="Content Placeholder 3">
-            <a:extLst>
-              <a:ext uri="{FF2B5EF4-FFF2-40B4-BE49-F238E27FC236}">
-                <a16:creationId xmlns:a16="http://schemas.microsoft.com/office/drawing/2014/main" id="{31B66346-584E-804D-B094-427D0277B5B6}"/>
-              </a:ext>
-            </a:extLst>
-          </p:cNvPr>
+          <p:cNvPr id="4" name="Content Placeholder 3"/>
           <p:cNvSpPr>
             <a:spLocks noGrp="1"/>
           </p:cNvSpPr>
@@ -1349,8 +3340,8 @@
         </p:nvSpPr>
         <p:spPr>
           <a:xfrm>
-            <a:off x="6172200" y="1825625"/>
-            <a:ext cx="5181600" cy="4351338"/>
+            <a:off x="6647796" y="2286000"/>
+            <a:ext cx="4800600" cy="3619500"/>
           </a:xfrm>
         </p:spPr>
         <p:txBody>
@@ -1390,18 +3381,13 @@
               <a:rPr lang="en-US"/>
               <a:t>Fifth level</a:t>
             </a:r>
+            <a:endParaRPr lang="en-US" dirty="0"/>
           </a:p>
         </p:txBody>
       </p:sp>
       <p:sp>
         <p:nvSpPr>
-          <p:cNvPr id="5" name="Date Placeholder 4">
-            <a:extLst>
-              <a:ext uri="{FF2B5EF4-FFF2-40B4-BE49-F238E27FC236}">
-                <a16:creationId xmlns:a16="http://schemas.microsoft.com/office/drawing/2014/main" id="{FECC5D87-AAC9-7E4E-B861-3896D8D535F6}"/>
-              </a:ext>
-            </a:extLst>
-          </p:cNvPr>
+          <p:cNvPr id="5" name="Date Placeholder 4"/>
           <p:cNvSpPr>
             <a:spLocks noGrp="1"/>
           </p:cNvSpPr>
@@ -1416,7 +3402,7 @@
           <a:p>
             <a:fld id="{5AC1382F-B52C-7744-BDFB-C61E938D398C}" type="datetimeFigureOut">
               <a:rPr lang="en-US" smtClean="0"/>
-              <a:t>8/16/18</a:t>
+              <a:t>8/17/18</a:t>
             </a:fld>
             <a:endParaRPr lang="en-US"/>
           </a:p>
@@ -1424,13 +3410,7 @@
       </p:sp>
       <p:sp>
         <p:nvSpPr>
-          <p:cNvPr id="6" name="Footer Placeholder 5">
-            <a:extLst>
-              <a:ext uri="{FF2B5EF4-FFF2-40B4-BE49-F238E27FC236}">
-                <a16:creationId xmlns:a16="http://schemas.microsoft.com/office/drawing/2014/main" id="{D1E833E9-B749-E849-AD5B-DB298BCEEEB4}"/>
-              </a:ext>
-            </a:extLst>
-          </p:cNvPr>
+          <p:cNvPr id="6" name="Footer Placeholder 5"/>
           <p:cNvSpPr>
             <a:spLocks noGrp="1"/>
           </p:cNvSpPr>
@@ -1449,13 +3429,7 @@
       </p:sp>
       <p:sp>
         <p:nvSpPr>
-          <p:cNvPr id="7" name="Slide Number Placeholder 6">
-            <a:extLst>
-              <a:ext uri="{FF2B5EF4-FFF2-40B4-BE49-F238E27FC236}">
-                <a16:creationId xmlns:a16="http://schemas.microsoft.com/office/drawing/2014/main" id="{6988967D-1087-4A45-813F-24C620B8EA55}"/>
-              </a:ext>
-            </a:extLst>
-          </p:cNvPr>
+          <p:cNvPr id="7" name="Slide Number Placeholder 6"/>
           <p:cNvSpPr>
             <a:spLocks noGrp="1"/>
           </p:cNvSpPr>
@@ -1479,13 +3453,18 @@
     </p:spTree>
     <p:extLst>
       <p:ext uri="{BB962C8B-B14F-4D97-AF65-F5344CB8AC3E}">
-        <p14:creationId xmlns:p14="http://schemas.microsoft.com/office/powerpoint/2010/main" val="418143252"/>
+        <p14:creationId xmlns:p14="http://schemas.microsoft.com/office/powerpoint/2010/main" val="4016253787"/>
       </p:ext>
     </p:extLst>
   </p:cSld>
   <p:clrMapOvr>
     <a:masterClrMapping/>
   </p:clrMapOvr>
+  <p:extLst mod="1">
+    <p:ext uri="{DCECCB84-F9BA-43D5-87BE-67443E8EF086}">
+      <p15:sldGuideLst xmlns:p15="http://schemas.microsoft.com/office/powerpoint/2012/main"/>
+    </p:ext>
+  </p:extLst>
 </p:sldLayout>
 </file>
 
@@ -1508,13 +3487,7 @@
       </p:grpSpPr>
       <p:sp>
         <p:nvSpPr>
-          <p:cNvPr id="2" name="Title 1">
-            <a:extLst>
-              <a:ext uri="{FF2B5EF4-FFF2-40B4-BE49-F238E27FC236}">
-                <a16:creationId xmlns:a16="http://schemas.microsoft.com/office/drawing/2014/main" id="{83E8BE7D-3333-B044-B984-92CFF616F6BD}"/>
-              </a:ext>
-            </a:extLst>
-          </p:cNvPr>
+          <p:cNvPr id="2" name="Title 1"/>
           <p:cNvSpPr>
             <a:spLocks noGrp="1"/>
           </p:cNvSpPr>
@@ -1524,8 +3497,8 @@
         </p:nvSpPr>
         <p:spPr>
           <a:xfrm>
-            <a:off x="839788" y="365125"/>
-            <a:ext cx="10515600" cy="1325563"/>
+            <a:off x="1252728" y="381000"/>
+            <a:ext cx="10172700" cy="1493517"/>
           </a:xfrm>
         </p:spPr>
         <p:txBody>
@@ -1536,18 +3509,13 @@
               <a:rPr lang="en-US"/>
               <a:t>Click to edit Master title style</a:t>
             </a:r>
+            <a:endParaRPr lang="en-US" dirty="0"/>
           </a:p>
         </p:txBody>
       </p:sp>
       <p:sp>
         <p:nvSpPr>
-          <p:cNvPr id="3" name="Text Placeholder 2">
-            <a:extLst>
-              <a:ext uri="{FF2B5EF4-FFF2-40B4-BE49-F238E27FC236}">
-                <a16:creationId xmlns:a16="http://schemas.microsoft.com/office/drawing/2014/main" id="{D85431AF-60A3-A54F-84A4-542B8738E4F1}"/>
-              </a:ext>
-            </a:extLst>
-          </p:cNvPr>
+          <p:cNvPr id="3" name="Text Placeholder 2"/>
           <p:cNvSpPr>
             <a:spLocks noGrp="1"/>
           </p:cNvSpPr>
@@ -1557,20 +3525,29 @@
         </p:nvSpPr>
         <p:spPr>
           <a:xfrm>
-            <a:off x="839788" y="1681163"/>
-            <a:ext cx="5157787" cy="823912"/>
+            <a:off x="1251678" y="2199633"/>
+            <a:ext cx="4800600" cy="632529"/>
           </a:xfrm>
         </p:spPr>
         <p:txBody>
-          <a:bodyPr anchor="b"/>
+          <a:bodyPr anchor="b">
+            <a:noAutofit/>
+          </a:bodyPr>
           <a:lstStyle>
             <a:lvl1pPr marL="0" indent="0">
+              <a:lnSpc>
+                <a:spcPct val="100000"/>
+              </a:lnSpc>
               <a:buNone/>
-              <a:defRPr sz="2400" b="1"/>
+              <a:defRPr sz="1900" b="1" cap="all" spc="200" baseline="0">
+                <a:solidFill>
+                  <a:schemeClr val="tx2"/>
+                </a:solidFill>
+              </a:defRPr>
             </a:lvl1pPr>
             <a:lvl2pPr marL="457200" indent="0">
               <a:buNone/>
-              <a:defRPr sz="2000" b="1"/>
+              <a:defRPr sz="1900" b="1"/>
             </a:lvl2pPr>
             <a:lvl3pPr marL="914400" indent="0">
               <a:buNone/>
@@ -1612,13 +3589,7 @@
       </p:sp>
       <p:sp>
         <p:nvSpPr>
-          <p:cNvPr id="4" name="Content Placeholder 3">
-            <a:extLst>
-              <a:ext uri="{FF2B5EF4-FFF2-40B4-BE49-F238E27FC236}">
-                <a16:creationId xmlns:a16="http://schemas.microsoft.com/office/drawing/2014/main" id="{9E1F0594-4E43-A54A-9BA1-079E09246D11}"/>
-              </a:ext>
-            </a:extLst>
-          </p:cNvPr>
+          <p:cNvPr id="4" name="Content Placeholder 3"/>
           <p:cNvSpPr>
             <a:spLocks noGrp="1"/>
           </p:cNvSpPr>
@@ -1628,8 +3599,8 @@
         </p:nvSpPr>
         <p:spPr>
           <a:xfrm>
-            <a:off x="839788" y="2505075"/>
-            <a:ext cx="5157787" cy="3684588"/>
+            <a:off x="1257300" y="2909102"/>
+            <a:ext cx="4800600" cy="2996398"/>
           </a:xfrm>
         </p:spPr>
         <p:txBody>
@@ -1669,18 +3640,13 @@
               <a:rPr lang="en-US"/>
               <a:t>Fifth level</a:t>
             </a:r>
+            <a:endParaRPr lang="en-US" dirty="0"/>
           </a:p>
         </p:txBody>
       </p:sp>
       <p:sp>
         <p:nvSpPr>
-          <p:cNvPr id="5" name="Text Placeholder 4">
-            <a:extLst>
-              <a:ext uri="{FF2B5EF4-FFF2-40B4-BE49-F238E27FC236}">
-                <a16:creationId xmlns:a16="http://schemas.microsoft.com/office/drawing/2014/main" id="{1D87CFAC-D269-4A48-8E05-041F2286FDFA}"/>
-              </a:ext>
-            </a:extLst>
-          </p:cNvPr>
+          <p:cNvPr id="5" name="Text Placeholder 4"/>
           <p:cNvSpPr>
             <a:spLocks noGrp="1"/>
           </p:cNvSpPr>
@@ -1690,20 +3656,29 @@
         </p:nvSpPr>
         <p:spPr>
           <a:xfrm>
-            <a:off x="6172200" y="1681163"/>
-            <a:ext cx="5183188" cy="823912"/>
+            <a:off x="6633864" y="2199633"/>
+            <a:ext cx="4800600" cy="632529"/>
           </a:xfrm>
         </p:spPr>
         <p:txBody>
-          <a:bodyPr anchor="b"/>
+          <a:bodyPr anchor="b">
+            <a:noAutofit/>
+          </a:bodyPr>
           <a:lstStyle>
             <a:lvl1pPr marL="0" indent="0">
+              <a:lnSpc>
+                <a:spcPct val="100000"/>
+              </a:lnSpc>
               <a:buNone/>
-              <a:defRPr sz="2400" b="1"/>
+              <a:defRPr sz="1900" b="1" cap="all" spc="200" baseline="0">
+                <a:solidFill>
+                  <a:schemeClr val="tx2"/>
+                </a:solidFill>
+              </a:defRPr>
             </a:lvl1pPr>
             <a:lvl2pPr marL="457200" indent="0">
               <a:buNone/>
-              <a:defRPr sz="2000" b="1"/>
+              <a:defRPr sz="1900" b="1"/>
             </a:lvl2pPr>
             <a:lvl3pPr marL="914400" indent="0">
               <a:buNone/>
@@ -1745,13 +3720,7 @@
       </p:sp>
       <p:sp>
         <p:nvSpPr>
-          <p:cNvPr id="6" name="Content Placeholder 5">
-            <a:extLst>
-              <a:ext uri="{FF2B5EF4-FFF2-40B4-BE49-F238E27FC236}">
-                <a16:creationId xmlns:a16="http://schemas.microsoft.com/office/drawing/2014/main" id="{F5070398-54BB-5748-892E-00860573A0A5}"/>
-              </a:ext>
-            </a:extLst>
-          </p:cNvPr>
+          <p:cNvPr id="6" name="Content Placeholder 5"/>
           <p:cNvSpPr>
             <a:spLocks noGrp="1"/>
           </p:cNvSpPr>
@@ -1761,8 +3730,8 @@
         </p:nvSpPr>
         <p:spPr>
           <a:xfrm>
-            <a:off x="6172200" y="2505075"/>
-            <a:ext cx="5183188" cy="3684588"/>
+            <a:off x="6633864" y="2909102"/>
+            <a:ext cx="4800600" cy="2996398"/>
           </a:xfrm>
         </p:spPr>
         <p:txBody>
@@ -1802,18 +3771,13 @@
               <a:rPr lang="en-US"/>
               <a:t>Fifth level</a:t>
             </a:r>
+            <a:endParaRPr lang="en-US" dirty="0"/>
           </a:p>
         </p:txBody>
       </p:sp>
       <p:sp>
         <p:nvSpPr>
-          <p:cNvPr id="7" name="Date Placeholder 6">
-            <a:extLst>
-              <a:ext uri="{FF2B5EF4-FFF2-40B4-BE49-F238E27FC236}">
-                <a16:creationId xmlns:a16="http://schemas.microsoft.com/office/drawing/2014/main" id="{DBC8D785-D008-1141-A8EF-327CAC3A7E9E}"/>
-              </a:ext>
-            </a:extLst>
-          </p:cNvPr>
+          <p:cNvPr id="7" name="Date Placeholder 6"/>
           <p:cNvSpPr>
             <a:spLocks noGrp="1"/>
           </p:cNvSpPr>
@@ -1828,7 +3792,7 @@
           <a:p>
             <a:fld id="{5AC1382F-B52C-7744-BDFB-C61E938D398C}" type="datetimeFigureOut">
               <a:rPr lang="en-US" smtClean="0"/>
-              <a:t>8/16/18</a:t>
+              <a:t>8/17/18</a:t>
             </a:fld>
             <a:endParaRPr lang="en-US"/>
           </a:p>
@@ -1836,13 +3800,7 @@
       </p:sp>
       <p:sp>
         <p:nvSpPr>
-          <p:cNvPr id="8" name="Footer Placeholder 7">
-            <a:extLst>
-              <a:ext uri="{FF2B5EF4-FFF2-40B4-BE49-F238E27FC236}">
-                <a16:creationId xmlns:a16="http://schemas.microsoft.com/office/drawing/2014/main" id="{366ABA81-9575-CC44-AA3C-F9334059AF83}"/>
-              </a:ext>
-            </a:extLst>
-          </p:cNvPr>
+          <p:cNvPr id="8" name="Footer Placeholder 7"/>
           <p:cNvSpPr>
             <a:spLocks noGrp="1"/>
           </p:cNvSpPr>
@@ -1861,13 +3819,7 @@
       </p:sp>
       <p:sp>
         <p:nvSpPr>
-          <p:cNvPr id="9" name="Slide Number Placeholder 8">
-            <a:extLst>
-              <a:ext uri="{FF2B5EF4-FFF2-40B4-BE49-F238E27FC236}">
-                <a16:creationId xmlns:a16="http://schemas.microsoft.com/office/drawing/2014/main" id="{593C8ACE-1725-AD4A-A5A1-CBC2803245C8}"/>
-              </a:ext>
-            </a:extLst>
-          </p:cNvPr>
+          <p:cNvPr id="9" name="Slide Number Placeholder 8"/>
           <p:cNvSpPr>
             <a:spLocks noGrp="1"/>
           </p:cNvSpPr>
@@ -1891,13 +3843,18 @@
     </p:spTree>
     <p:extLst>
       <p:ext uri="{BB962C8B-B14F-4D97-AF65-F5344CB8AC3E}">
-        <p14:creationId xmlns:p14="http://schemas.microsoft.com/office/powerpoint/2010/main" val="2463751002"/>
+        <p14:creationId xmlns:p14="http://schemas.microsoft.com/office/powerpoint/2010/main" val="3635114998"/>
       </p:ext>
     </p:extLst>
   </p:cSld>
   <p:clrMapOvr>
     <a:masterClrMapping/>
   </p:clrMapOvr>
+  <p:extLst mod="1">
+    <p:ext uri="{DCECCB84-F9BA-43D5-87BE-67443E8EF086}">
+      <p15:sldGuideLst xmlns:p15="http://schemas.microsoft.com/office/powerpoint/2012/main"/>
+    </p:ext>
+  </p:extLst>
 </p:sldLayout>
 </file>
 
@@ -1920,13 +3877,7 @@
       </p:grpSpPr>
       <p:sp>
         <p:nvSpPr>
-          <p:cNvPr id="2" name="Title 1">
-            <a:extLst>
-              <a:ext uri="{FF2B5EF4-FFF2-40B4-BE49-F238E27FC236}">
-                <a16:creationId xmlns:a16="http://schemas.microsoft.com/office/drawing/2014/main" id="{A27223D6-42F4-E843-8274-A66CEEE0BA5E}"/>
-              </a:ext>
-            </a:extLst>
-          </p:cNvPr>
+          <p:cNvPr id="2" name="Title 1"/>
           <p:cNvSpPr>
             <a:spLocks noGrp="1"/>
           </p:cNvSpPr>
@@ -1943,18 +3894,13 @@
               <a:rPr lang="en-US"/>
               <a:t>Click to edit Master title style</a:t>
             </a:r>
+            <a:endParaRPr lang="en-US" dirty="0"/>
           </a:p>
         </p:txBody>
       </p:sp>
       <p:sp>
         <p:nvSpPr>
-          <p:cNvPr id="3" name="Date Placeholder 2">
-            <a:extLst>
-              <a:ext uri="{FF2B5EF4-FFF2-40B4-BE49-F238E27FC236}">
-                <a16:creationId xmlns:a16="http://schemas.microsoft.com/office/drawing/2014/main" id="{BBECB7CA-CF72-BF45-B12C-620448174754}"/>
-              </a:ext>
-            </a:extLst>
-          </p:cNvPr>
+          <p:cNvPr id="3" name="Date Placeholder 2"/>
           <p:cNvSpPr>
             <a:spLocks noGrp="1"/>
           </p:cNvSpPr>
@@ -1969,7 +3915,7 @@
           <a:p>
             <a:fld id="{5AC1382F-B52C-7744-BDFB-C61E938D398C}" type="datetimeFigureOut">
               <a:rPr lang="en-US" smtClean="0"/>
-              <a:t>8/16/18</a:t>
+              <a:t>8/17/18</a:t>
             </a:fld>
             <a:endParaRPr lang="en-US"/>
           </a:p>
@@ -1977,13 +3923,7 @@
       </p:sp>
       <p:sp>
         <p:nvSpPr>
-          <p:cNvPr id="4" name="Footer Placeholder 3">
-            <a:extLst>
-              <a:ext uri="{FF2B5EF4-FFF2-40B4-BE49-F238E27FC236}">
-                <a16:creationId xmlns:a16="http://schemas.microsoft.com/office/drawing/2014/main" id="{5B67E331-13D6-A441-837A-381E8304597F}"/>
-              </a:ext>
-            </a:extLst>
-          </p:cNvPr>
+          <p:cNvPr id="4" name="Footer Placeholder 3"/>
           <p:cNvSpPr>
             <a:spLocks noGrp="1"/>
           </p:cNvSpPr>
@@ -2002,13 +3942,7 @@
       </p:sp>
       <p:sp>
         <p:nvSpPr>
-          <p:cNvPr id="5" name="Slide Number Placeholder 4">
-            <a:extLst>
-              <a:ext uri="{FF2B5EF4-FFF2-40B4-BE49-F238E27FC236}">
-                <a16:creationId xmlns:a16="http://schemas.microsoft.com/office/drawing/2014/main" id="{2D65D39B-A0A0-4649-B2B9-526C6339C261}"/>
-              </a:ext>
-            </a:extLst>
-          </p:cNvPr>
+          <p:cNvPr id="5" name="Slide Number Placeholder 4"/>
           <p:cNvSpPr>
             <a:spLocks noGrp="1"/>
           </p:cNvSpPr>
@@ -2032,7 +3966,7 @@
     </p:spTree>
     <p:extLst>
       <p:ext uri="{BB962C8B-B14F-4D97-AF65-F5344CB8AC3E}">
-        <p14:creationId xmlns:p14="http://schemas.microsoft.com/office/powerpoint/2010/main" val="975627628"/>
+        <p14:creationId xmlns:p14="http://schemas.microsoft.com/office/powerpoint/2010/main" val="4069411378"/>
       </p:ext>
     </p:extLst>
   </p:cSld>
@@ -2061,13 +3995,7 @@
       </p:grpSpPr>
       <p:sp>
         <p:nvSpPr>
-          <p:cNvPr id="2" name="Date Placeholder 1">
-            <a:extLst>
-              <a:ext uri="{FF2B5EF4-FFF2-40B4-BE49-F238E27FC236}">
-                <a16:creationId xmlns:a16="http://schemas.microsoft.com/office/drawing/2014/main" id="{B2EC4D67-1082-C74E-B75C-FE8E32B535E5}"/>
-              </a:ext>
-            </a:extLst>
-          </p:cNvPr>
+          <p:cNvPr id="2" name="Date Placeholder 1"/>
           <p:cNvSpPr>
             <a:spLocks noGrp="1"/>
           </p:cNvSpPr>
@@ -2082,7 +4010,7 @@
           <a:p>
             <a:fld id="{5AC1382F-B52C-7744-BDFB-C61E938D398C}" type="datetimeFigureOut">
               <a:rPr lang="en-US" smtClean="0"/>
-              <a:t>8/16/18</a:t>
+              <a:t>8/17/18</a:t>
             </a:fld>
             <a:endParaRPr lang="en-US"/>
           </a:p>
@@ -2090,13 +4018,7 @@
       </p:sp>
       <p:sp>
         <p:nvSpPr>
-          <p:cNvPr id="3" name="Footer Placeholder 2">
-            <a:extLst>
-              <a:ext uri="{FF2B5EF4-FFF2-40B4-BE49-F238E27FC236}">
-                <a16:creationId xmlns:a16="http://schemas.microsoft.com/office/drawing/2014/main" id="{91CAC35F-12E5-2A4D-B62D-548D0818D19F}"/>
-              </a:ext>
-            </a:extLst>
-          </p:cNvPr>
+          <p:cNvPr id="3" name="Footer Placeholder 2"/>
           <p:cNvSpPr>
             <a:spLocks noGrp="1"/>
           </p:cNvSpPr>
@@ -2115,13 +4037,7 @@
       </p:sp>
       <p:sp>
         <p:nvSpPr>
-          <p:cNvPr id="4" name="Slide Number Placeholder 3">
-            <a:extLst>
-              <a:ext uri="{FF2B5EF4-FFF2-40B4-BE49-F238E27FC236}">
-                <a16:creationId xmlns:a16="http://schemas.microsoft.com/office/drawing/2014/main" id="{2EEC5F37-D1D3-B148-8779-D6D8037B8B9F}"/>
-              </a:ext>
-            </a:extLst>
-          </p:cNvPr>
+          <p:cNvPr id="4" name="Slide Number Placeholder 3"/>
           <p:cNvSpPr>
             <a:spLocks noGrp="1"/>
           </p:cNvSpPr>
@@ -2145,7 +4061,7 @@
     </p:spTree>
     <p:extLst>
       <p:ext uri="{BB962C8B-B14F-4D97-AF65-F5344CB8AC3E}">
-        <p14:creationId xmlns:p14="http://schemas.microsoft.com/office/powerpoint/2010/main" val="3916966012"/>
+        <p14:creationId xmlns:p14="http://schemas.microsoft.com/office/powerpoint/2010/main" val="629200588"/>
       </p:ext>
     </p:extLst>
   </p:cSld>
@@ -2156,7 +4072,7 @@
 </file>
 
 <file path=ppt/slideLayouts/slideLayout8.xml><?xml version="1.0" encoding="utf-8"?>
-<p:sldLayout xmlns:a="http://schemas.openxmlformats.org/drawingml/2006/main" xmlns:r="http://schemas.openxmlformats.org/officeDocument/2006/relationships" xmlns:p="http://schemas.openxmlformats.org/presentationml/2006/main" type="objTx" preserve="1">
+<p:sldLayout xmlns:a="http://schemas.openxmlformats.org/drawingml/2006/main" xmlns:r="http://schemas.openxmlformats.org/officeDocument/2006/relationships" xmlns:p="http://schemas.openxmlformats.org/presentationml/2006/main" showMasterSp="0" type="objTx" preserve="1">
   <p:cSld name="Content with Caption">
     <p:spTree>
       <p:nvGrpSpPr>
@@ -2174,13 +4090,468 @@
       </p:grpSpPr>
       <p:sp>
         <p:nvSpPr>
-          <p:cNvPr id="2" name="Title 1">
-            <a:extLst>
-              <a:ext uri="{FF2B5EF4-FFF2-40B4-BE49-F238E27FC236}">
-                <a16:creationId xmlns:a16="http://schemas.microsoft.com/office/drawing/2014/main" id="{4771454E-C0A6-1640-AB0B-45C521B991F8}"/>
-              </a:ext>
-            </a:extLst>
-          </p:cNvPr>
+          <p:cNvPr id="17" name="Freeform 11" title="right scallop background shape"/>
+          <p:cNvSpPr/>
+          <p:nvPr/>
+        </p:nvSpPr>
+        <p:spPr bwMode="auto">
+          <a:xfrm>
+            <a:off x="7389812" y="0"/>
+            <a:ext cx="4802188" cy="6858000"/>
+          </a:xfrm>
+          <a:custGeom>
+            <a:avLst/>
+            <a:gdLst/>
+            <a:ahLst/>
+            <a:cxnLst/>
+            <a:rect l="0" t="0" r="r" b="b"/>
+            <a:pathLst>
+              <a:path w="3025" h="4320">
+                <a:moveTo>
+                  <a:pt x="0" y="0"/>
+                </a:moveTo>
+                <a:lnTo>
+                  <a:pt x="3025" y="0"/>
+                </a:lnTo>
+                <a:lnTo>
+                  <a:pt x="3025" y="4320"/>
+                </a:lnTo>
+                <a:lnTo>
+                  <a:pt x="0" y="4320"/>
+                </a:lnTo>
+                <a:lnTo>
+                  <a:pt x="3" y="4278"/>
+                </a:lnTo>
+                <a:lnTo>
+                  <a:pt x="8" y="4243"/>
+                </a:lnTo>
+                <a:lnTo>
+                  <a:pt x="14" y="4210"/>
+                </a:lnTo>
+                <a:lnTo>
+                  <a:pt x="24" y="4183"/>
+                </a:lnTo>
+                <a:lnTo>
+                  <a:pt x="34" y="4156"/>
+                </a:lnTo>
+                <a:lnTo>
+                  <a:pt x="46" y="4133"/>
+                </a:lnTo>
+                <a:lnTo>
+                  <a:pt x="58" y="4109"/>
+                </a:lnTo>
+                <a:lnTo>
+                  <a:pt x="69" y="4087"/>
+                </a:lnTo>
+                <a:lnTo>
+                  <a:pt x="80" y="4062"/>
+                </a:lnTo>
+                <a:lnTo>
+                  <a:pt x="90" y="4036"/>
+                </a:lnTo>
+                <a:lnTo>
+                  <a:pt x="99" y="4007"/>
+                </a:lnTo>
+                <a:lnTo>
+                  <a:pt x="106" y="3976"/>
+                </a:lnTo>
+                <a:lnTo>
+                  <a:pt x="111" y="3938"/>
+                </a:lnTo>
+                <a:lnTo>
+                  <a:pt x="113" y="3895"/>
+                </a:lnTo>
+                <a:lnTo>
+                  <a:pt x="111" y="3851"/>
+                </a:lnTo>
+                <a:lnTo>
+                  <a:pt x="106" y="3815"/>
+                </a:lnTo>
+                <a:lnTo>
+                  <a:pt x="99" y="3782"/>
+                </a:lnTo>
+                <a:lnTo>
+                  <a:pt x="90" y="3752"/>
+                </a:lnTo>
+                <a:lnTo>
+                  <a:pt x="80" y="3726"/>
+                </a:lnTo>
+                <a:lnTo>
+                  <a:pt x="68" y="3702"/>
+                </a:lnTo>
+                <a:lnTo>
+                  <a:pt x="56" y="3679"/>
+                </a:lnTo>
+                <a:lnTo>
+                  <a:pt x="44" y="3655"/>
+                </a:lnTo>
+                <a:lnTo>
+                  <a:pt x="33" y="3630"/>
+                </a:lnTo>
+                <a:lnTo>
+                  <a:pt x="22" y="3604"/>
+                </a:lnTo>
+                <a:lnTo>
+                  <a:pt x="13" y="3575"/>
+                </a:lnTo>
+                <a:lnTo>
+                  <a:pt x="7" y="3542"/>
+                </a:lnTo>
+                <a:lnTo>
+                  <a:pt x="1" y="3504"/>
+                </a:lnTo>
+                <a:lnTo>
+                  <a:pt x="0" y="3461"/>
+                </a:lnTo>
+                <a:lnTo>
+                  <a:pt x="1" y="3418"/>
+                </a:lnTo>
+                <a:lnTo>
+                  <a:pt x="7" y="3380"/>
+                </a:lnTo>
+                <a:lnTo>
+                  <a:pt x="13" y="3347"/>
+                </a:lnTo>
+                <a:lnTo>
+                  <a:pt x="22" y="3319"/>
+                </a:lnTo>
+                <a:lnTo>
+                  <a:pt x="33" y="3292"/>
+                </a:lnTo>
+                <a:lnTo>
+                  <a:pt x="44" y="3267"/>
+                </a:lnTo>
+                <a:lnTo>
+                  <a:pt x="56" y="3244"/>
+                </a:lnTo>
+                <a:lnTo>
+                  <a:pt x="68" y="3222"/>
+                </a:lnTo>
+                <a:lnTo>
+                  <a:pt x="80" y="3197"/>
+                </a:lnTo>
+                <a:lnTo>
+                  <a:pt x="90" y="3171"/>
+                </a:lnTo>
+                <a:lnTo>
+                  <a:pt x="99" y="3142"/>
+                </a:lnTo>
+                <a:lnTo>
+                  <a:pt x="106" y="3109"/>
+                </a:lnTo>
+                <a:lnTo>
+                  <a:pt x="111" y="3071"/>
+                </a:lnTo>
+                <a:lnTo>
+                  <a:pt x="113" y="3028"/>
+                </a:lnTo>
+                <a:lnTo>
+                  <a:pt x="111" y="2985"/>
+                </a:lnTo>
+                <a:lnTo>
+                  <a:pt x="106" y="2947"/>
+                </a:lnTo>
+                <a:lnTo>
+                  <a:pt x="99" y="2914"/>
+                </a:lnTo>
+                <a:lnTo>
+                  <a:pt x="90" y="2885"/>
+                </a:lnTo>
+                <a:lnTo>
+                  <a:pt x="80" y="2858"/>
+                </a:lnTo>
+                <a:lnTo>
+                  <a:pt x="68" y="2834"/>
+                </a:lnTo>
+                <a:lnTo>
+                  <a:pt x="44" y="2787"/>
+                </a:lnTo>
+                <a:lnTo>
+                  <a:pt x="33" y="2763"/>
+                </a:lnTo>
+                <a:lnTo>
+                  <a:pt x="22" y="2736"/>
+                </a:lnTo>
+                <a:lnTo>
+                  <a:pt x="13" y="2707"/>
+                </a:lnTo>
+                <a:lnTo>
+                  <a:pt x="7" y="2674"/>
+                </a:lnTo>
+                <a:lnTo>
+                  <a:pt x="1" y="2637"/>
+                </a:lnTo>
+                <a:lnTo>
+                  <a:pt x="0" y="2593"/>
+                </a:lnTo>
+                <a:lnTo>
+                  <a:pt x="1" y="2550"/>
+                </a:lnTo>
+                <a:lnTo>
+                  <a:pt x="7" y="2512"/>
+                </a:lnTo>
+                <a:lnTo>
+                  <a:pt x="13" y="2479"/>
+                </a:lnTo>
+                <a:lnTo>
+                  <a:pt x="22" y="2451"/>
+                </a:lnTo>
+                <a:lnTo>
+                  <a:pt x="33" y="2424"/>
+                </a:lnTo>
+                <a:lnTo>
+                  <a:pt x="44" y="2401"/>
+                </a:lnTo>
+                <a:lnTo>
+                  <a:pt x="68" y="2354"/>
+                </a:lnTo>
+                <a:lnTo>
+                  <a:pt x="80" y="2329"/>
+                </a:lnTo>
+                <a:lnTo>
+                  <a:pt x="90" y="2303"/>
+                </a:lnTo>
+                <a:lnTo>
+                  <a:pt x="99" y="2274"/>
+                </a:lnTo>
+                <a:lnTo>
+                  <a:pt x="106" y="2241"/>
+                </a:lnTo>
+                <a:lnTo>
+                  <a:pt x="111" y="2203"/>
+                </a:lnTo>
+                <a:lnTo>
+                  <a:pt x="113" y="2159"/>
+                </a:lnTo>
+                <a:lnTo>
+                  <a:pt x="111" y="2117"/>
+                </a:lnTo>
+                <a:lnTo>
+                  <a:pt x="106" y="2079"/>
+                </a:lnTo>
+                <a:lnTo>
+                  <a:pt x="99" y="2046"/>
+                </a:lnTo>
+                <a:lnTo>
+                  <a:pt x="90" y="2017"/>
+                </a:lnTo>
+                <a:lnTo>
+                  <a:pt x="80" y="1991"/>
+                </a:lnTo>
+                <a:lnTo>
+                  <a:pt x="68" y="1966"/>
+                </a:lnTo>
+                <a:lnTo>
+                  <a:pt x="56" y="1943"/>
+                </a:lnTo>
+                <a:lnTo>
+                  <a:pt x="44" y="1919"/>
+                </a:lnTo>
+                <a:lnTo>
+                  <a:pt x="33" y="1896"/>
+                </a:lnTo>
+                <a:lnTo>
+                  <a:pt x="22" y="1869"/>
+                </a:lnTo>
+                <a:lnTo>
+                  <a:pt x="13" y="1841"/>
+                </a:lnTo>
+                <a:lnTo>
+                  <a:pt x="7" y="1807"/>
+                </a:lnTo>
+                <a:lnTo>
+                  <a:pt x="1" y="1770"/>
+                </a:lnTo>
+                <a:lnTo>
+                  <a:pt x="0" y="1727"/>
+                </a:lnTo>
+                <a:lnTo>
+                  <a:pt x="1" y="1683"/>
+                </a:lnTo>
+                <a:lnTo>
+                  <a:pt x="7" y="1646"/>
+                </a:lnTo>
+                <a:lnTo>
+                  <a:pt x="13" y="1613"/>
+                </a:lnTo>
+                <a:lnTo>
+                  <a:pt x="22" y="1583"/>
+                </a:lnTo>
+                <a:lnTo>
+                  <a:pt x="33" y="1557"/>
+                </a:lnTo>
+                <a:lnTo>
+                  <a:pt x="44" y="1533"/>
+                </a:lnTo>
+                <a:lnTo>
+                  <a:pt x="56" y="1509"/>
+                </a:lnTo>
+                <a:lnTo>
+                  <a:pt x="68" y="1486"/>
+                </a:lnTo>
+                <a:lnTo>
+                  <a:pt x="80" y="1461"/>
+                </a:lnTo>
+                <a:lnTo>
+                  <a:pt x="90" y="1435"/>
+                </a:lnTo>
+                <a:lnTo>
+                  <a:pt x="99" y="1406"/>
+                </a:lnTo>
+                <a:lnTo>
+                  <a:pt x="106" y="1373"/>
+                </a:lnTo>
+                <a:lnTo>
+                  <a:pt x="111" y="1335"/>
+                </a:lnTo>
+                <a:lnTo>
+                  <a:pt x="113" y="1292"/>
+                </a:lnTo>
+                <a:lnTo>
+                  <a:pt x="111" y="1249"/>
+                </a:lnTo>
+                <a:lnTo>
+                  <a:pt x="106" y="1211"/>
+                </a:lnTo>
+                <a:lnTo>
+                  <a:pt x="99" y="1178"/>
+                </a:lnTo>
+                <a:lnTo>
+                  <a:pt x="90" y="1149"/>
+                </a:lnTo>
+                <a:lnTo>
+                  <a:pt x="80" y="1123"/>
+                </a:lnTo>
+                <a:lnTo>
+                  <a:pt x="68" y="1098"/>
+                </a:lnTo>
+                <a:lnTo>
+                  <a:pt x="56" y="1076"/>
+                </a:lnTo>
+                <a:lnTo>
+                  <a:pt x="44" y="1053"/>
+                </a:lnTo>
+                <a:lnTo>
+                  <a:pt x="33" y="1028"/>
+                </a:lnTo>
+                <a:lnTo>
+                  <a:pt x="22" y="1001"/>
+                </a:lnTo>
+                <a:lnTo>
+                  <a:pt x="13" y="973"/>
+                </a:lnTo>
+                <a:lnTo>
+                  <a:pt x="7" y="940"/>
+                </a:lnTo>
+                <a:lnTo>
+                  <a:pt x="1" y="902"/>
+                </a:lnTo>
+                <a:lnTo>
+                  <a:pt x="0" y="859"/>
+                </a:lnTo>
+                <a:lnTo>
+                  <a:pt x="1" y="816"/>
+                </a:lnTo>
+                <a:lnTo>
+                  <a:pt x="7" y="778"/>
+                </a:lnTo>
+                <a:lnTo>
+                  <a:pt x="13" y="745"/>
+                </a:lnTo>
+                <a:lnTo>
+                  <a:pt x="22" y="716"/>
+                </a:lnTo>
+                <a:lnTo>
+                  <a:pt x="33" y="690"/>
+                </a:lnTo>
+                <a:lnTo>
+                  <a:pt x="44" y="665"/>
+                </a:lnTo>
+                <a:lnTo>
+                  <a:pt x="56" y="641"/>
+                </a:lnTo>
+                <a:lnTo>
+                  <a:pt x="68" y="618"/>
+                </a:lnTo>
+                <a:lnTo>
+                  <a:pt x="80" y="594"/>
+                </a:lnTo>
+                <a:lnTo>
+                  <a:pt x="90" y="568"/>
+                </a:lnTo>
+                <a:lnTo>
+                  <a:pt x="99" y="538"/>
+                </a:lnTo>
+                <a:lnTo>
+                  <a:pt x="106" y="505"/>
+                </a:lnTo>
+                <a:lnTo>
+                  <a:pt x="111" y="469"/>
+                </a:lnTo>
+                <a:lnTo>
+                  <a:pt x="113" y="424"/>
+                </a:lnTo>
+                <a:lnTo>
+                  <a:pt x="111" y="382"/>
+                </a:lnTo>
+                <a:lnTo>
+                  <a:pt x="106" y="344"/>
+                </a:lnTo>
+                <a:lnTo>
+                  <a:pt x="99" y="313"/>
+                </a:lnTo>
+                <a:lnTo>
+                  <a:pt x="90" y="284"/>
+                </a:lnTo>
+                <a:lnTo>
+                  <a:pt x="80" y="258"/>
+                </a:lnTo>
+                <a:lnTo>
+                  <a:pt x="69" y="233"/>
+                </a:lnTo>
+                <a:lnTo>
+                  <a:pt x="58" y="211"/>
+                </a:lnTo>
+                <a:lnTo>
+                  <a:pt x="46" y="187"/>
+                </a:lnTo>
+                <a:lnTo>
+                  <a:pt x="34" y="164"/>
+                </a:lnTo>
+                <a:lnTo>
+                  <a:pt x="24" y="137"/>
+                </a:lnTo>
+                <a:lnTo>
+                  <a:pt x="14" y="110"/>
+                </a:lnTo>
+                <a:lnTo>
+                  <a:pt x="8" y="77"/>
+                </a:lnTo>
+                <a:lnTo>
+                  <a:pt x="3" y="42"/>
+                </a:lnTo>
+                <a:lnTo>
+                  <a:pt x="0" y="0"/>
+                </a:lnTo>
+                <a:close/>
+              </a:path>
+            </a:pathLst>
+          </a:custGeom>
+          <a:solidFill>
+            <a:schemeClr val="tx2"/>
+          </a:solidFill>
+          <a:ln w="0">
+            <a:noFill/>
+            <a:prstDash val="solid"/>
+            <a:round/>
+            <a:headEnd/>
+            <a:tailEnd/>
+          </a:ln>
+        </p:spPr>
+      </p:sp>
+      <p:sp>
+        <p:nvSpPr>
+          <p:cNvPr id="2" name="Title 1"/>
           <p:cNvSpPr>
             <a:spLocks noGrp="1"/>
           </p:cNvSpPr>
@@ -2190,15 +4561,25 @@
         </p:nvSpPr>
         <p:spPr>
           <a:xfrm>
-            <a:off x="839788" y="457200"/>
-            <a:ext cx="3932237" cy="1600200"/>
+            <a:off x="8337884" y="457199"/>
+            <a:ext cx="3092115" cy="1196671"/>
           </a:xfrm>
         </p:spPr>
         <p:txBody>
-          <a:bodyPr anchor="b"/>
+          <a:bodyPr anchor="b">
+            <a:normAutofit/>
+          </a:bodyPr>
           <a:lstStyle>
             <a:lvl1pPr>
-              <a:defRPr sz="3200"/>
+              <a:lnSpc>
+                <a:spcPct val="100000"/>
+              </a:lnSpc>
+              <a:defRPr sz="1900" b="1" i="0" cap="all" spc="300" baseline="0">
+                <a:solidFill>
+                  <a:schemeClr val="accent1"/>
+                </a:solidFill>
+                <a:latin typeface="+mn-lt"/>
+              </a:defRPr>
             </a:lvl1pPr>
           </a:lstStyle>
           <a:p>
@@ -2206,18 +4587,13 @@
               <a:rPr lang="en-US"/>
               <a:t>Click to edit Master title style</a:t>
             </a:r>
+            <a:endParaRPr lang="en-US" dirty="0"/>
           </a:p>
         </p:txBody>
       </p:sp>
       <p:sp>
         <p:nvSpPr>
-          <p:cNvPr id="3" name="Content Placeholder 2">
-            <a:extLst>
-              <a:ext uri="{FF2B5EF4-FFF2-40B4-BE49-F238E27FC236}">
-                <a16:creationId xmlns:a16="http://schemas.microsoft.com/office/drawing/2014/main" id="{A122E66E-5206-3143-8399-274C1569B295}"/>
-              </a:ext>
-            </a:extLst>
-          </p:cNvPr>
+          <p:cNvPr id="3" name="Content Placeholder 2"/>
           <p:cNvSpPr>
             <a:spLocks noGrp="1"/>
           </p:cNvSpPr>
@@ -2227,8 +4603,8 @@
         </p:nvSpPr>
         <p:spPr>
           <a:xfrm>
-            <a:off x="5183188" y="987425"/>
-            <a:ext cx="6172200" cy="4873625"/>
+            <a:off x="765051" y="920377"/>
+            <a:ext cx="6158418" cy="4985124"/>
           </a:xfrm>
         </p:spPr>
         <p:txBody>
@@ -2296,18 +4672,13 @@
               <a:rPr lang="en-US"/>
               <a:t>Fifth level</a:t>
             </a:r>
+            <a:endParaRPr lang="en-US" dirty="0"/>
           </a:p>
         </p:txBody>
       </p:sp>
       <p:sp>
         <p:nvSpPr>
-          <p:cNvPr id="4" name="Text Placeholder 3">
-            <a:extLst>
-              <a:ext uri="{FF2B5EF4-FFF2-40B4-BE49-F238E27FC236}">
-                <a16:creationId xmlns:a16="http://schemas.microsoft.com/office/drawing/2014/main" id="{5E2DFA14-6B1E-7C4C-905D-25129758E6D1}"/>
-              </a:ext>
-            </a:extLst>
-          </p:cNvPr>
+          <p:cNvPr id="4" name="Text Placeholder 3"/>
           <p:cNvSpPr>
             <a:spLocks noGrp="1"/>
           </p:cNvSpPr>
@@ -2317,16 +4688,26 @@
         </p:nvSpPr>
         <p:spPr>
           <a:xfrm>
-            <a:off x="839788" y="2057400"/>
-            <a:ext cx="3932237" cy="3811588"/>
+            <a:off x="8337885" y="1741336"/>
+            <a:ext cx="3092115" cy="4164164"/>
           </a:xfrm>
         </p:spPr>
         <p:txBody>
           <a:bodyPr/>
           <a:lstStyle>
             <a:lvl1pPr marL="0" indent="0">
+              <a:lnSpc>
+                <a:spcPct val="120000"/>
+              </a:lnSpc>
+              <a:spcBef>
+                <a:spcPts val="1200"/>
+              </a:spcBef>
               <a:buNone/>
-              <a:defRPr sz="1600"/>
+              <a:defRPr sz="1600" baseline="0">
+                <a:solidFill>
+                  <a:schemeClr val="bg2"/>
+                </a:solidFill>
+              </a:defRPr>
             </a:lvl1pPr>
             <a:lvl2pPr marL="457200" indent="0">
               <a:buNone/>
@@ -2372,13 +4753,7 @@
       </p:sp>
       <p:sp>
         <p:nvSpPr>
-          <p:cNvPr id="5" name="Date Placeholder 4">
-            <a:extLst>
-              <a:ext uri="{FF2B5EF4-FFF2-40B4-BE49-F238E27FC236}">
-                <a16:creationId xmlns:a16="http://schemas.microsoft.com/office/drawing/2014/main" id="{3FE9961F-2A34-0B44-9015-9D46A187F017}"/>
-              </a:ext>
-            </a:extLst>
-          </p:cNvPr>
+          <p:cNvPr id="5" name="Date Placeholder 4"/>
           <p:cNvSpPr>
             <a:spLocks noGrp="1"/>
           </p:cNvSpPr>
@@ -2386,14 +4761,19 @@
             <p:ph type="dt" sz="half" idx="10"/>
           </p:nvPr>
         </p:nvSpPr>
-        <p:spPr/>
+        <p:spPr>
+          <a:xfrm>
+            <a:off x="765051" y="6375679"/>
+            <a:ext cx="1233355" cy="348462"/>
+          </a:xfrm>
+        </p:spPr>
         <p:txBody>
           <a:bodyPr/>
           <a:lstStyle/>
           <a:p>
             <a:fld id="{5AC1382F-B52C-7744-BDFB-C61E938D398C}" type="datetimeFigureOut">
               <a:rPr lang="en-US" smtClean="0"/>
-              <a:t>8/16/18</a:t>
+              <a:t>8/17/18</a:t>
             </a:fld>
             <a:endParaRPr lang="en-US"/>
           </a:p>
@@ -2401,13 +4781,7 @@
       </p:sp>
       <p:sp>
         <p:nvSpPr>
-          <p:cNvPr id="6" name="Footer Placeholder 5">
-            <a:extLst>
-              <a:ext uri="{FF2B5EF4-FFF2-40B4-BE49-F238E27FC236}">
-                <a16:creationId xmlns:a16="http://schemas.microsoft.com/office/drawing/2014/main" id="{A502A97A-4FF4-1C41-8B28-FEEF5BFAFB1D}"/>
-              </a:ext>
-            </a:extLst>
-          </p:cNvPr>
+          <p:cNvPr id="6" name="Footer Placeholder 5"/>
           <p:cNvSpPr>
             <a:spLocks noGrp="1"/>
           </p:cNvSpPr>
@@ -2415,7 +4789,12 @@
             <p:ph type="ftr" sz="quarter" idx="11"/>
           </p:nvPr>
         </p:nvSpPr>
-        <p:spPr/>
+        <p:spPr>
+          <a:xfrm>
+            <a:off x="2103620" y="6375679"/>
+            <a:ext cx="3482179" cy="345796"/>
+          </a:xfrm>
+        </p:spPr>
         <p:txBody>
           <a:bodyPr/>
           <a:lstStyle/>
@@ -2426,13 +4805,7 @@
       </p:sp>
       <p:sp>
         <p:nvSpPr>
-          <p:cNvPr id="7" name="Slide Number Placeholder 6">
-            <a:extLst>
-              <a:ext uri="{FF2B5EF4-FFF2-40B4-BE49-F238E27FC236}">
-                <a16:creationId xmlns:a16="http://schemas.microsoft.com/office/drawing/2014/main" id="{6384BEA6-0822-244B-BD19-229E6C9383AB}"/>
-              </a:ext>
-            </a:extLst>
-          </p:cNvPr>
+          <p:cNvPr id="7" name="Slide Number Placeholder 6"/>
           <p:cNvSpPr>
             <a:spLocks noGrp="1"/>
           </p:cNvSpPr>
@@ -2440,7 +4813,12 @@
             <p:ph type="sldNum" sz="quarter" idx="12"/>
           </p:nvPr>
         </p:nvSpPr>
-        <p:spPr/>
+        <p:spPr>
+          <a:xfrm>
+            <a:off x="5691014" y="6375679"/>
+            <a:ext cx="1232456" cy="345796"/>
+          </a:xfrm>
+        </p:spPr>
         <p:txBody>
           <a:bodyPr/>
           <a:lstStyle/>
@@ -2453,21 +4831,70 @@
           </a:p>
         </p:txBody>
       </p:sp>
+      <p:sp>
+        <p:nvSpPr>
+          <p:cNvPr id="8" name="Rectangle 7" title="left edge border"/>
+          <p:cNvSpPr/>
+          <p:nvPr/>
+        </p:nvSpPr>
+        <p:spPr>
+          <a:xfrm>
+            <a:off x="0" y="0"/>
+            <a:ext cx="283464" cy="6858000"/>
+          </a:xfrm>
+          <a:prstGeom prst="rect">
+            <a:avLst/>
+          </a:prstGeom>
+          <a:solidFill>
+            <a:schemeClr val="accent1"/>
+          </a:solidFill>
+          <a:ln>
+            <a:noFill/>
+          </a:ln>
+        </p:spPr>
+        <p:style>
+          <a:lnRef idx="2">
+            <a:schemeClr val="accent1">
+              <a:shade val="50000"/>
+            </a:schemeClr>
+          </a:lnRef>
+          <a:fillRef idx="1">
+            <a:schemeClr val="accent1"/>
+          </a:fillRef>
+          <a:effectRef idx="0">
+            <a:schemeClr val="accent1"/>
+          </a:effectRef>
+          <a:fontRef idx="minor">
+            <a:schemeClr val="lt1"/>
+          </a:fontRef>
+        </p:style>
+      </p:sp>
     </p:spTree>
     <p:extLst>
       <p:ext uri="{BB962C8B-B14F-4D97-AF65-F5344CB8AC3E}">
-        <p14:creationId xmlns:p14="http://schemas.microsoft.com/office/powerpoint/2010/main" val="3060329217"/>
+        <p14:creationId xmlns:p14="http://schemas.microsoft.com/office/powerpoint/2010/main" val="1312154495"/>
       </p:ext>
     </p:extLst>
   </p:cSld>
   <p:clrMapOvr>
     <a:masterClrMapping/>
   </p:clrMapOvr>
+  <p:extLst mod="1">
+    <p:ext uri="{DCECCB84-F9BA-43D5-87BE-67443E8EF086}">
+      <p15:sldGuideLst xmlns:p15="http://schemas.microsoft.com/office/powerpoint/2012/main">
+        <p15:guide id="1" orient="horz" pos="696">
+          <p15:clr>
+            <a:srgbClr val="FBAE40"/>
+          </p15:clr>
+        </p15:guide>
+      </p15:sldGuideLst>
+    </p:ext>
+  </p:extLst>
 </p:sldLayout>
 </file>
 
 <file path=ppt/slideLayouts/slideLayout9.xml><?xml version="1.0" encoding="utf-8"?>
-<p:sldLayout xmlns:a="http://schemas.openxmlformats.org/drawingml/2006/main" xmlns:r="http://schemas.openxmlformats.org/officeDocument/2006/relationships" xmlns:p="http://schemas.openxmlformats.org/presentationml/2006/main" type="picTx" preserve="1">
+<p:sldLayout xmlns:a="http://schemas.openxmlformats.org/drawingml/2006/main" xmlns:r="http://schemas.openxmlformats.org/officeDocument/2006/relationships" xmlns:p="http://schemas.openxmlformats.org/presentationml/2006/main" showMasterSp="0" type="picTx" preserve="1">
   <p:cSld name="Picture with Caption">
     <p:spTree>
       <p:nvGrpSpPr>
@@ -2485,52 +4912,9 @@
       </p:grpSpPr>
       <p:sp>
         <p:nvSpPr>
-          <p:cNvPr id="2" name="Title 1">
-            <a:extLst>
-              <a:ext uri="{FF2B5EF4-FFF2-40B4-BE49-F238E27FC236}">
-                <a16:creationId xmlns:a16="http://schemas.microsoft.com/office/drawing/2014/main" id="{389CDEFD-B3AF-4C49-912A-22CAF1E82CA9}"/>
-              </a:ext>
-            </a:extLst>
-          </p:cNvPr>
+          <p:cNvPr id="3" name="Picture Placeholder 2"/>
           <p:cNvSpPr>
-            <a:spLocks noGrp="1"/>
-          </p:cNvSpPr>
-          <p:nvPr>
-            <p:ph type="title"/>
-          </p:nvPr>
-        </p:nvSpPr>
-        <p:spPr>
-          <a:xfrm>
-            <a:off x="839788" y="457200"/>
-            <a:ext cx="3932237" cy="1600200"/>
-          </a:xfrm>
-        </p:spPr>
-        <p:txBody>
-          <a:bodyPr anchor="b"/>
-          <a:lstStyle>
-            <a:lvl1pPr>
-              <a:defRPr sz="3200"/>
-            </a:lvl1pPr>
-          </a:lstStyle>
-          <a:p>
-            <a:r>
-              <a:rPr lang="en-US"/>
-              <a:t>Click to edit Master title style</a:t>
-            </a:r>
-          </a:p>
-        </p:txBody>
-      </p:sp>
-      <p:sp>
-        <p:nvSpPr>
-          <p:cNvPr id="3" name="Picture Placeholder 2">
-            <a:extLst>
-              <a:ext uri="{FF2B5EF4-FFF2-40B4-BE49-F238E27FC236}">
-                <a16:creationId xmlns:a16="http://schemas.microsoft.com/office/drawing/2014/main" id="{5C568047-DC42-8643-AEBF-707F2F9E065E}"/>
-              </a:ext>
-            </a:extLst>
-          </p:cNvPr>
-          <p:cNvSpPr>
-            <a:spLocks noGrp="1"/>
+            <a:spLocks noGrp="1" noChangeAspect="1"/>
           </p:cNvSpPr>
           <p:nvPr>
             <p:ph type="pic" idx="1"/>
@@ -2538,12 +4922,12 @@
         </p:nvSpPr>
         <p:spPr>
           <a:xfrm>
-            <a:off x="5183188" y="987425"/>
-            <a:ext cx="6172200" cy="4873625"/>
+            <a:off x="283464" y="0"/>
+            <a:ext cx="7355585" cy="6857999"/>
           </a:xfrm>
         </p:spPr>
         <p:txBody>
-          <a:bodyPr/>
+          <a:bodyPr anchor="t"/>
           <a:lstStyle>
             <a:lvl1pPr marL="0" indent="0">
               <a:buNone/>
@@ -2583,19 +4967,558 @@
             </a:lvl9pPr>
           </a:lstStyle>
           <a:p>
-            <a:endParaRPr lang="en-US"/>
+            <a:r>
+              <a:rPr lang="en-US"/>
+              <a:t>Click icon to add picture</a:t>
+            </a:r>
+            <a:endParaRPr lang="en-US" dirty="0"/>
           </a:p>
         </p:txBody>
       </p:sp>
       <p:sp>
         <p:nvSpPr>
-          <p:cNvPr id="4" name="Text Placeholder 3">
-            <a:extLst>
-              <a:ext uri="{FF2B5EF4-FFF2-40B4-BE49-F238E27FC236}">
-                <a16:creationId xmlns:a16="http://schemas.microsoft.com/office/drawing/2014/main" id="{3A0D32D5-33BC-C04B-8B73-5A43B79D847F}"/>
-              </a:ext>
-            </a:extLst>
-          </p:cNvPr>
+          <p:cNvPr id="11" name="Freeform 11" title="right scallop background shape"/>
+          <p:cNvSpPr/>
+          <p:nvPr/>
+        </p:nvSpPr>
+        <p:spPr bwMode="auto">
+          <a:xfrm>
+            <a:off x="7389812" y="0"/>
+            <a:ext cx="4802188" cy="6858000"/>
+          </a:xfrm>
+          <a:custGeom>
+            <a:avLst/>
+            <a:gdLst/>
+            <a:ahLst/>
+            <a:cxnLst/>
+            <a:rect l="0" t="0" r="r" b="b"/>
+            <a:pathLst>
+              <a:path w="3025" h="4320">
+                <a:moveTo>
+                  <a:pt x="0" y="0"/>
+                </a:moveTo>
+                <a:lnTo>
+                  <a:pt x="3025" y="0"/>
+                </a:lnTo>
+                <a:lnTo>
+                  <a:pt x="3025" y="4320"/>
+                </a:lnTo>
+                <a:lnTo>
+                  <a:pt x="0" y="4320"/>
+                </a:lnTo>
+                <a:lnTo>
+                  <a:pt x="3" y="4278"/>
+                </a:lnTo>
+                <a:lnTo>
+                  <a:pt x="8" y="4243"/>
+                </a:lnTo>
+                <a:lnTo>
+                  <a:pt x="14" y="4210"/>
+                </a:lnTo>
+                <a:lnTo>
+                  <a:pt x="24" y="4183"/>
+                </a:lnTo>
+                <a:lnTo>
+                  <a:pt x="34" y="4156"/>
+                </a:lnTo>
+                <a:lnTo>
+                  <a:pt x="46" y="4133"/>
+                </a:lnTo>
+                <a:lnTo>
+                  <a:pt x="58" y="4109"/>
+                </a:lnTo>
+                <a:lnTo>
+                  <a:pt x="69" y="4087"/>
+                </a:lnTo>
+                <a:lnTo>
+                  <a:pt x="80" y="4062"/>
+                </a:lnTo>
+                <a:lnTo>
+                  <a:pt x="90" y="4036"/>
+                </a:lnTo>
+                <a:lnTo>
+                  <a:pt x="99" y="4007"/>
+                </a:lnTo>
+                <a:lnTo>
+                  <a:pt x="106" y="3976"/>
+                </a:lnTo>
+                <a:lnTo>
+                  <a:pt x="111" y="3938"/>
+                </a:lnTo>
+                <a:lnTo>
+                  <a:pt x="113" y="3895"/>
+                </a:lnTo>
+                <a:lnTo>
+                  <a:pt x="111" y="3851"/>
+                </a:lnTo>
+                <a:lnTo>
+                  <a:pt x="106" y="3815"/>
+                </a:lnTo>
+                <a:lnTo>
+                  <a:pt x="99" y="3782"/>
+                </a:lnTo>
+                <a:lnTo>
+                  <a:pt x="90" y="3752"/>
+                </a:lnTo>
+                <a:lnTo>
+                  <a:pt x="80" y="3726"/>
+                </a:lnTo>
+                <a:lnTo>
+                  <a:pt x="68" y="3702"/>
+                </a:lnTo>
+                <a:lnTo>
+                  <a:pt x="56" y="3679"/>
+                </a:lnTo>
+                <a:lnTo>
+                  <a:pt x="44" y="3655"/>
+                </a:lnTo>
+                <a:lnTo>
+                  <a:pt x="33" y="3630"/>
+                </a:lnTo>
+                <a:lnTo>
+                  <a:pt x="22" y="3604"/>
+                </a:lnTo>
+                <a:lnTo>
+                  <a:pt x="13" y="3575"/>
+                </a:lnTo>
+                <a:lnTo>
+                  <a:pt x="7" y="3542"/>
+                </a:lnTo>
+                <a:lnTo>
+                  <a:pt x="1" y="3504"/>
+                </a:lnTo>
+                <a:lnTo>
+                  <a:pt x="0" y="3461"/>
+                </a:lnTo>
+                <a:lnTo>
+                  <a:pt x="1" y="3418"/>
+                </a:lnTo>
+                <a:lnTo>
+                  <a:pt x="7" y="3380"/>
+                </a:lnTo>
+                <a:lnTo>
+                  <a:pt x="13" y="3347"/>
+                </a:lnTo>
+                <a:lnTo>
+                  <a:pt x="22" y="3319"/>
+                </a:lnTo>
+                <a:lnTo>
+                  <a:pt x="33" y="3292"/>
+                </a:lnTo>
+                <a:lnTo>
+                  <a:pt x="44" y="3267"/>
+                </a:lnTo>
+                <a:lnTo>
+                  <a:pt x="56" y="3244"/>
+                </a:lnTo>
+                <a:lnTo>
+                  <a:pt x="68" y="3222"/>
+                </a:lnTo>
+                <a:lnTo>
+                  <a:pt x="80" y="3197"/>
+                </a:lnTo>
+                <a:lnTo>
+                  <a:pt x="90" y="3171"/>
+                </a:lnTo>
+                <a:lnTo>
+                  <a:pt x="99" y="3142"/>
+                </a:lnTo>
+                <a:lnTo>
+                  <a:pt x="106" y="3109"/>
+                </a:lnTo>
+                <a:lnTo>
+                  <a:pt x="111" y="3071"/>
+                </a:lnTo>
+                <a:lnTo>
+                  <a:pt x="113" y="3028"/>
+                </a:lnTo>
+                <a:lnTo>
+                  <a:pt x="111" y="2985"/>
+                </a:lnTo>
+                <a:lnTo>
+                  <a:pt x="106" y="2947"/>
+                </a:lnTo>
+                <a:lnTo>
+                  <a:pt x="99" y="2914"/>
+                </a:lnTo>
+                <a:lnTo>
+                  <a:pt x="90" y="2885"/>
+                </a:lnTo>
+                <a:lnTo>
+                  <a:pt x="80" y="2858"/>
+                </a:lnTo>
+                <a:lnTo>
+                  <a:pt x="68" y="2834"/>
+                </a:lnTo>
+                <a:lnTo>
+                  <a:pt x="44" y="2787"/>
+                </a:lnTo>
+                <a:lnTo>
+                  <a:pt x="33" y="2763"/>
+                </a:lnTo>
+                <a:lnTo>
+                  <a:pt x="22" y="2736"/>
+                </a:lnTo>
+                <a:lnTo>
+                  <a:pt x="13" y="2707"/>
+                </a:lnTo>
+                <a:lnTo>
+                  <a:pt x="7" y="2674"/>
+                </a:lnTo>
+                <a:lnTo>
+                  <a:pt x="1" y="2637"/>
+                </a:lnTo>
+                <a:lnTo>
+                  <a:pt x="0" y="2593"/>
+                </a:lnTo>
+                <a:lnTo>
+                  <a:pt x="1" y="2550"/>
+                </a:lnTo>
+                <a:lnTo>
+                  <a:pt x="7" y="2512"/>
+                </a:lnTo>
+                <a:lnTo>
+                  <a:pt x="13" y="2479"/>
+                </a:lnTo>
+                <a:lnTo>
+                  <a:pt x="22" y="2451"/>
+                </a:lnTo>
+                <a:lnTo>
+                  <a:pt x="33" y="2424"/>
+                </a:lnTo>
+                <a:lnTo>
+                  <a:pt x="44" y="2401"/>
+                </a:lnTo>
+                <a:lnTo>
+                  <a:pt x="68" y="2354"/>
+                </a:lnTo>
+                <a:lnTo>
+                  <a:pt x="80" y="2329"/>
+                </a:lnTo>
+                <a:lnTo>
+                  <a:pt x="90" y="2303"/>
+                </a:lnTo>
+                <a:lnTo>
+                  <a:pt x="99" y="2274"/>
+                </a:lnTo>
+                <a:lnTo>
+                  <a:pt x="106" y="2241"/>
+                </a:lnTo>
+                <a:lnTo>
+                  <a:pt x="111" y="2203"/>
+                </a:lnTo>
+                <a:lnTo>
+                  <a:pt x="113" y="2159"/>
+                </a:lnTo>
+                <a:lnTo>
+                  <a:pt x="111" y="2117"/>
+                </a:lnTo>
+                <a:lnTo>
+                  <a:pt x="106" y="2079"/>
+                </a:lnTo>
+                <a:lnTo>
+                  <a:pt x="99" y="2046"/>
+                </a:lnTo>
+                <a:lnTo>
+                  <a:pt x="90" y="2017"/>
+                </a:lnTo>
+                <a:lnTo>
+                  <a:pt x="80" y="1991"/>
+                </a:lnTo>
+                <a:lnTo>
+                  <a:pt x="68" y="1966"/>
+                </a:lnTo>
+                <a:lnTo>
+                  <a:pt x="56" y="1943"/>
+                </a:lnTo>
+                <a:lnTo>
+                  <a:pt x="44" y="1919"/>
+                </a:lnTo>
+                <a:lnTo>
+                  <a:pt x="33" y="1896"/>
+                </a:lnTo>
+                <a:lnTo>
+                  <a:pt x="22" y="1869"/>
+                </a:lnTo>
+                <a:lnTo>
+                  <a:pt x="13" y="1841"/>
+                </a:lnTo>
+                <a:lnTo>
+                  <a:pt x="7" y="1807"/>
+                </a:lnTo>
+                <a:lnTo>
+                  <a:pt x="1" y="1770"/>
+                </a:lnTo>
+                <a:lnTo>
+                  <a:pt x="0" y="1727"/>
+                </a:lnTo>
+                <a:lnTo>
+                  <a:pt x="1" y="1683"/>
+                </a:lnTo>
+                <a:lnTo>
+                  <a:pt x="7" y="1646"/>
+                </a:lnTo>
+                <a:lnTo>
+                  <a:pt x="13" y="1613"/>
+                </a:lnTo>
+                <a:lnTo>
+                  <a:pt x="22" y="1583"/>
+                </a:lnTo>
+                <a:lnTo>
+                  <a:pt x="33" y="1557"/>
+                </a:lnTo>
+                <a:lnTo>
+                  <a:pt x="44" y="1533"/>
+                </a:lnTo>
+                <a:lnTo>
+                  <a:pt x="56" y="1509"/>
+                </a:lnTo>
+                <a:lnTo>
+                  <a:pt x="68" y="1486"/>
+                </a:lnTo>
+                <a:lnTo>
+                  <a:pt x="80" y="1461"/>
+                </a:lnTo>
+                <a:lnTo>
+                  <a:pt x="90" y="1435"/>
+                </a:lnTo>
+                <a:lnTo>
+                  <a:pt x="99" y="1406"/>
+                </a:lnTo>
+                <a:lnTo>
+                  <a:pt x="106" y="1373"/>
+                </a:lnTo>
+                <a:lnTo>
+                  <a:pt x="111" y="1335"/>
+                </a:lnTo>
+                <a:lnTo>
+                  <a:pt x="113" y="1292"/>
+                </a:lnTo>
+                <a:lnTo>
+                  <a:pt x="111" y="1249"/>
+                </a:lnTo>
+                <a:lnTo>
+                  <a:pt x="106" y="1211"/>
+                </a:lnTo>
+                <a:lnTo>
+                  <a:pt x="99" y="1178"/>
+                </a:lnTo>
+                <a:lnTo>
+                  <a:pt x="90" y="1149"/>
+                </a:lnTo>
+                <a:lnTo>
+                  <a:pt x="80" y="1123"/>
+                </a:lnTo>
+                <a:lnTo>
+                  <a:pt x="68" y="1098"/>
+                </a:lnTo>
+                <a:lnTo>
+                  <a:pt x="56" y="1076"/>
+                </a:lnTo>
+                <a:lnTo>
+                  <a:pt x="44" y="1053"/>
+                </a:lnTo>
+                <a:lnTo>
+                  <a:pt x="33" y="1028"/>
+                </a:lnTo>
+                <a:lnTo>
+                  <a:pt x="22" y="1001"/>
+                </a:lnTo>
+                <a:lnTo>
+                  <a:pt x="13" y="973"/>
+                </a:lnTo>
+                <a:lnTo>
+                  <a:pt x="7" y="940"/>
+                </a:lnTo>
+                <a:lnTo>
+                  <a:pt x="1" y="902"/>
+                </a:lnTo>
+                <a:lnTo>
+                  <a:pt x="0" y="859"/>
+                </a:lnTo>
+                <a:lnTo>
+                  <a:pt x="1" y="816"/>
+                </a:lnTo>
+                <a:lnTo>
+                  <a:pt x="7" y="778"/>
+                </a:lnTo>
+                <a:lnTo>
+                  <a:pt x="13" y="745"/>
+                </a:lnTo>
+                <a:lnTo>
+                  <a:pt x="22" y="716"/>
+                </a:lnTo>
+                <a:lnTo>
+                  <a:pt x="33" y="690"/>
+                </a:lnTo>
+                <a:lnTo>
+                  <a:pt x="44" y="665"/>
+                </a:lnTo>
+                <a:lnTo>
+                  <a:pt x="56" y="641"/>
+                </a:lnTo>
+                <a:lnTo>
+                  <a:pt x="68" y="618"/>
+                </a:lnTo>
+                <a:lnTo>
+                  <a:pt x="80" y="594"/>
+                </a:lnTo>
+                <a:lnTo>
+                  <a:pt x="90" y="568"/>
+                </a:lnTo>
+                <a:lnTo>
+                  <a:pt x="99" y="538"/>
+                </a:lnTo>
+                <a:lnTo>
+                  <a:pt x="106" y="505"/>
+                </a:lnTo>
+                <a:lnTo>
+                  <a:pt x="111" y="469"/>
+                </a:lnTo>
+                <a:lnTo>
+                  <a:pt x="113" y="424"/>
+                </a:lnTo>
+                <a:lnTo>
+                  <a:pt x="111" y="382"/>
+                </a:lnTo>
+                <a:lnTo>
+                  <a:pt x="106" y="344"/>
+                </a:lnTo>
+                <a:lnTo>
+                  <a:pt x="99" y="313"/>
+                </a:lnTo>
+                <a:lnTo>
+                  <a:pt x="90" y="284"/>
+                </a:lnTo>
+                <a:lnTo>
+                  <a:pt x="80" y="258"/>
+                </a:lnTo>
+                <a:lnTo>
+                  <a:pt x="69" y="233"/>
+                </a:lnTo>
+                <a:lnTo>
+                  <a:pt x="58" y="211"/>
+                </a:lnTo>
+                <a:lnTo>
+                  <a:pt x="46" y="187"/>
+                </a:lnTo>
+                <a:lnTo>
+                  <a:pt x="34" y="164"/>
+                </a:lnTo>
+                <a:lnTo>
+                  <a:pt x="24" y="137"/>
+                </a:lnTo>
+                <a:lnTo>
+                  <a:pt x="14" y="110"/>
+                </a:lnTo>
+                <a:lnTo>
+                  <a:pt x="8" y="77"/>
+                </a:lnTo>
+                <a:lnTo>
+                  <a:pt x="3" y="42"/>
+                </a:lnTo>
+                <a:lnTo>
+                  <a:pt x="0" y="0"/>
+                </a:lnTo>
+                <a:close/>
+              </a:path>
+            </a:pathLst>
+          </a:custGeom>
+          <a:solidFill>
+            <a:schemeClr val="tx2"/>
+          </a:solidFill>
+          <a:ln w="0">
+            <a:noFill/>
+            <a:prstDash val="solid"/>
+            <a:round/>
+            <a:headEnd/>
+            <a:tailEnd/>
+          </a:ln>
+        </p:spPr>
+      </p:sp>
+      <p:sp>
+        <p:nvSpPr>
+          <p:cNvPr id="12" name="Rectangle 11" title="left edge border"/>
+          <p:cNvSpPr/>
+          <p:nvPr/>
+        </p:nvSpPr>
+        <p:spPr>
+          <a:xfrm>
+            <a:off x="0" y="0"/>
+            <a:ext cx="283464" cy="6858000"/>
+          </a:xfrm>
+          <a:prstGeom prst="rect">
+            <a:avLst/>
+          </a:prstGeom>
+          <a:solidFill>
+            <a:schemeClr val="accent1"/>
+          </a:solidFill>
+          <a:ln>
+            <a:noFill/>
+          </a:ln>
+        </p:spPr>
+        <p:style>
+          <a:lnRef idx="2">
+            <a:schemeClr val="accent1">
+              <a:shade val="50000"/>
+            </a:schemeClr>
+          </a:lnRef>
+          <a:fillRef idx="1">
+            <a:schemeClr val="accent1"/>
+          </a:fillRef>
+          <a:effectRef idx="0">
+            <a:schemeClr val="accent1"/>
+          </a:effectRef>
+          <a:fontRef idx="minor">
+            <a:schemeClr val="lt1"/>
+          </a:fontRef>
+        </p:style>
+      </p:sp>
+      <p:sp>
+        <p:nvSpPr>
+          <p:cNvPr id="2" name="Title 1"/>
+          <p:cNvSpPr>
+            <a:spLocks noGrp="1"/>
+          </p:cNvSpPr>
+          <p:nvPr>
+            <p:ph type="title"/>
+          </p:nvPr>
+        </p:nvSpPr>
+        <p:spPr>
+          <a:xfrm>
+            <a:off x="8337883" y="457200"/>
+            <a:ext cx="3092117" cy="1196670"/>
+          </a:xfrm>
+        </p:spPr>
+        <p:txBody>
+          <a:bodyPr anchor="b">
+            <a:normAutofit/>
+          </a:bodyPr>
+          <a:lstStyle>
+            <a:lvl1pPr>
+              <a:lnSpc>
+                <a:spcPct val="100000"/>
+              </a:lnSpc>
+              <a:defRPr sz="1900" b="1" i="0" spc="300" baseline="0">
+                <a:solidFill>
+                  <a:schemeClr val="accent1"/>
+                </a:solidFill>
+                <a:latin typeface="+mn-lt"/>
+              </a:defRPr>
+            </a:lvl1pPr>
+          </a:lstStyle>
+          <a:p>
+            <a:r>
+              <a:rPr lang="en-US"/>
+              <a:t>Click to edit Master title style</a:t>
+            </a:r>
+            <a:endParaRPr lang="en-US" dirty="0"/>
+          </a:p>
+        </p:txBody>
+      </p:sp>
+      <p:sp>
+        <p:nvSpPr>
+          <p:cNvPr id="4" name="Text Placeholder 3"/>
           <p:cNvSpPr>
             <a:spLocks noGrp="1"/>
           </p:cNvSpPr>
@@ -2605,16 +5528,26 @@
         </p:nvSpPr>
         <p:spPr>
           <a:xfrm>
-            <a:off x="839788" y="2057400"/>
-            <a:ext cx="3932237" cy="3811588"/>
+            <a:off x="8337883" y="1741336"/>
+            <a:ext cx="3092117" cy="4164164"/>
           </a:xfrm>
         </p:spPr>
         <p:txBody>
           <a:bodyPr/>
           <a:lstStyle>
             <a:lvl1pPr marL="0" indent="0">
+              <a:lnSpc>
+                <a:spcPct val="120000"/>
+              </a:lnSpc>
+              <a:spcBef>
+                <a:spcPts val="1200"/>
+              </a:spcBef>
               <a:buNone/>
-              <a:defRPr sz="1600"/>
+              <a:defRPr sz="1600" baseline="0">
+                <a:solidFill>
+                  <a:schemeClr val="bg2"/>
+                </a:solidFill>
+              </a:defRPr>
             </a:lvl1pPr>
             <a:lvl2pPr marL="457200" indent="0">
               <a:buNone/>
@@ -2660,13 +5593,7 @@
       </p:sp>
       <p:sp>
         <p:nvSpPr>
-          <p:cNvPr id="5" name="Date Placeholder 4">
-            <a:extLst>
-              <a:ext uri="{FF2B5EF4-FFF2-40B4-BE49-F238E27FC236}">
-                <a16:creationId xmlns:a16="http://schemas.microsoft.com/office/drawing/2014/main" id="{168F11E1-F9A7-E84B-9111-D55BC16C90AD}"/>
-              </a:ext>
-            </a:extLst>
-          </p:cNvPr>
+          <p:cNvPr id="5" name="Date Placeholder 4"/>
           <p:cNvSpPr>
             <a:spLocks noGrp="1"/>
           </p:cNvSpPr>
@@ -2674,14 +5601,19 @@
             <p:ph type="dt" sz="half" idx="10"/>
           </p:nvPr>
         </p:nvSpPr>
-        <p:spPr/>
+        <p:spPr>
+          <a:xfrm>
+            <a:off x="765950" y="6375679"/>
+            <a:ext cx="1232456" cy="348462"/>
+          </a:xfrm>
+        </p:spPr>
         <p:txBody>
           <a:bodyPr/>
           <a:lstStyle/>
           <a:p>
             <a:fld id="{5AC1382F-B52C-7744-BDFB-C61E938D398C}" type="datetimeFigureOut">
               <a:rPr lang="en-US" smtClean="0"/>
-              <a:t>8/16/18</a:t>
+              <a:t>8/17/18</a:t>
             </a:fld>
             <a:endParaRPr lang="en-US"/>
           </a:p>
@@ -2689,13 +5621,7 @@
       </p:sp>
       <p:sp>
         <p:nvSpPr>
-          <p:cNvPr id="6" name="Footer Placeholder 5">
-            <a:extLst>
-              <a:ext uri="{FF2B5EF4-FFF2-40B4-BE49-F238E27FC236}">
-                <a16:creationId xmlns:a16="http://schemas.microsoft.com/office/drawing/2014/main" id="{BDC92551-D595-2D4D-B1B2-63271DCF6802}"/>
-              </a:ext>
-            </a:extLst>
-          </p:cNvPr>
+          <p:cNvPr id="6" name="Footer Placeholder 5"/>
           <p:cNvSpPr>
             <a:spLocks noGrp="1"/>
           </p:cNvSpPr>
@@ -2703,7 +5629,12 @@
             <p:ph type="ftr" sz="quarter" idx="11"/>
           </p:nvPr>
         </p:nvSpPr>
-        <p:spPr/>
+        <p:spPr>
+          <a:xfrm>
+            <a:off x="2103621" y="6375679"/>
+            <a:ext cx="3482178" cy="345796"/>
+          </a:xfrm>
+        </p:spPr>
         <p:txBody>
           <a:bodyPr/>
           <a:lstStyle/>
@@ -2714,13 +5645,7 @@
       </p:sp>
       <p:sp>
         <p:nvSpPr>
-          <p:cNvPr id="7" name="Slide Number Placeholder 6">
-            <a:extLst>
-              <a:ext uri="{FF2B5EF4-FFF2-40B4-BE49-F238E27FC236}">
-                <a16:creationId xmlns:a16="http://schemas.microsoft.com/office/drawing/2014/main" id="{15DA1F51-CE18-2D43-956C-808161F054DE}"/>
-              </a:ext>
-            </a:extLst>
-          </p:cNvPr>
+          <p:cNvPr id="7" name="Slide Number Placeholder 6"/>
           <p:cNvSpPr>
             <a:spLocks noGrp="1"/>
           </p:cNvSpPr>
@@ -2728,7 +5653,12 @@
             <p:ph type="sldNum" sz="quarter" idx="12"/>
           </p:nvPr>
         </p:nvSpPr>
-        <p:spPr/>
+        <p:spPr>
+          <a:xfrm>
+            <a:off x="5687568" y="6375679"/>
+            <a:ext cx="1234440" cy="345796"/>
+          </a:xfrm>
+        </p:spPr>
         <p:txBody>
           <a:bodyPr/>
           <a:lstStyle/>
@@ -2744,7 +5674,7 @@
     </p:spTree>
     <p:extLst>
       <p:ext uri="{BB962C8B-B14F-4D97-AF65-F5344CB8AC3E}">
-        <p14:creationId xmlns:p14="http://schemas.microsoft.com/office/powerpoint/2010/main" val="2905422554"/>
+        <p14:creationId xmlns:p14="http://schemas.microsoft.com/office/powerpoint/2010/main" val="14759971"/>
       </p:ext>
     </p:extLst>
   </p:cSld>
@@ -2758,9 +5688,12 @@
 <p:sldMaster xmlns:a="http://schemas.openxmlformats.org/drawingml/2006/main" xmlns:r="http://schemas.openxmlformats.org/officeDocument/2006/relationships" xmlns:p="http://schemas.openxmlformats.org/presentationml/2006/main">
   <p:cSld>
     <p:bg>
-      <p:bgRef idx="1001">
-        <a:schemeClr val="bg1"/>
-      </p:bgRef>
+      <p:bgPr>
+        <a:solidFill>
+          <a:schemeClr val="bg2"/>
+        </a:solidFill>
+        <a:effectLst/>
+      </p:bgPr>
     </p:bg>
     <p:spTree>
       <p:nvGrpSpPr>
@@ -2778,13 +5711,7 @@
       </p:grpSpPr>
       <p:sp>
         <p:nvSpPr>
-          <p:cNvPr id="2" name="Title Placeholder 1">
-            <a:extLst>
-              <a:ext uri="{FF2B5EF4-FFF2-40B4-BE49-F238E27FC236}">
-                <a16:creationId xmlns:a16="http://schemas.microsoft.com/office/drawing/2014/main" id="{3E79CD7E-5FE7-FF41-B80D-83F37DDA7B80}"/>
-              </a:ext>
-            </a:extLst>
-          </p:cNvPr>
+          <p:cNvPr id="2" name="Title Placeholder 1"/>
           <p:cNvSpPr>
             <a:spLocks noGrp="1"/>
           </p:cNvSpPr>
@@ -2794,15 +5721,15 @@
         </p:nvSpPr>
         <p:spPr>
           <a:xfrm>
-            <a:off x="838200" y="365125"/>
-            <a:ext cx="10515600" cy="1325563"/>
+            <a:off x="1251678" y="382385"/>
+            <a:ext cx="10178322" cy="1492132"/>
           </a:xfrm>
           <a:prstGeom prst="rect">
             <a:avLst/>
           </a:prstGeom>
         </p:spPr>
         <p:txBody>
-          <a:bodyPr vert="horz" lIns="91440" tIns="45720" rIns="91440" bIns="45720" rtlCol="0" anchor="ctr">
+          <a:bodyPr vert="horz" lIns="91440" tIns="45720" rIns="91440" bIns="45720" rtlCol="0" anchor="t">
             <a:normAutofit/>
           </a:bodyPr>
           <a:lstStyle/>
@@ -2811,18 +5738,13 @@
               <a:rPr lang="en-US"/>
               <a:t>Click to edit Master title style</a:t>
             </a:r>
+            <a:endParaRPr lang="en-US" dirty="0"/>
           </a:p>
         </p:txBody>
       </p:sp>
       <p:sp>
         <p:nvSpPr>
-          <p:cNvPr id="3" name="Text Placeholder 2">
-            <a:extLst>
-              <a:ext uri="{FF2B5EF4-FFF2-40B4-BE49-F238E27FC236}">
-                <a16:creationId xmlns:a16="http://schemas.microsoft.com/office/drawing/2014/main" id="{E7ECC2B6-976E-784E-BC0C-D60FDAD919B4}"/>
-              </a:ext>
-            </a:extLst>
-          </p:cNvPr>
+          <p:cNvPr id="3" name="Text Placeholder 2"/>
           <p:cNvSpPr>
             <a:spLocks noGrp="1"/>
           </p:cNvSpPr>
@@ -2832,8 +5754,8 @@
         </p:nvSpPr>
         <p:spPr>
           <a:xfrm>
-            <a:off x="838200" y="1825625"/>
-            <a:ext cx="10515600" cy="4351338"/>
+            <a:off x="1251678" y="2286001"/>
+            <a:ext cx="10178322" cy="3593591"/>
           </a:xfrm>
           <a:prstGeom prst="rect">
             <a:avLst/>
@@ -2878,18 +5800,13 @@
               <a:rPr lang="en-US"/>
               <a:t>Fifth level</a:t>
             </a:r>
+            <a:endParaRPr lang="en-US" dirty="0"/>
           </a:p>
         </p:txBody>
       </p:sp>
       <p:sp>
         <p:nvSpPr>
-          <p:cNvPr id="4" name="Date Placeholder 3">
-            <a:extLst>
-              <a:ext uri="{FF2B5EF4-FFF2-40B4-BE49-F238E27FC236}">
-                <a16:creationId xmlns:a16="http://schemas.microsoft.com/office/drawing/2014/main" id="{B60464C0-C662-1E49-8726-862B453E6092}"/>
-              </a:ext>
-            </a:extLst>
-          </p:cNvPr>
+          <p:cNvPr id="4" name="Date Placeholder 3"/>
           <p:cNvSpPr>
             <a:spLocks noGrp="1"/>
           </p:cNvSpPr>
@@ -2899,8 +5816,8 @@
         </p:nvSpPr>
         <p:spPr>
           <a:xfrm>
-            <a:off x="838200" y="6356350"/>
-            <a:ext cx="2743200" cy="365125"/>
+            <a:off x="1251678" y="6375679"/>
+            <a:ext cx="2329722" cy="348462"/>
           </a:xfrm>
           <a:prstGeom prst="rect">
             <a:avLst/>
@@ -2913,7 +5830,8 @@
               <a:defRPr sz="1200">
                 <a:solidFill>
                   <a:schemeClr val="tx1">
-                    <a:tint val="75000"/>
+                    <a:lumMod val="65000"/>
+                    <a:lumOff val="35000"/>
                   </a:schemeClr>
                 </a:solidFill>
               </a:defRPr>
@@ -2922,7 +5840,7 @@
           <a:p>
             <a:fld id="{5AC1382F-B52C-7744-BDFB-C61E938D398C}" type="datetimeFigureOut">
               <a:rPr lang="en-US" smtClean="0"/>
-              <a:t>8/16/18</a:t>
+              <a:t>8/17/18</a:t>
             </a:fld>
             <a:endParaRPr lang="en-US"/>
           </a:p>
@@ -2930,13 +5848,7 @@
       </p:sp>
       <p:sp>
         <p:nvSpPr>
-          <p:cNvPr id="5" name="Footer Placeholder 4">
-            <a:extLst>
-              <a:ext uri="{FF2B5EF4-FFF2-40B4-BE49-F238E27FC236}">
-                <a16:creationId xmlns:a16="http://schemas.microsoft.com/office/drawing/2014/main" id="{24C93B58-F7A6-A549-9081-18934B898160}"/>
-              </a:ext>
-            </a:extLst>
-          </p:cNvPr>
+          <p:cNvPr id="5" name="Footer Placeholder 4"/>
           <p:cNvSpPr>
             <a:spLocks noGrp="1"/>
           </p:cNvSpPr>
@@ -2946,8 +5858,8 @@
         </p:nvSpPr>
         <p:spPr>
           <a:xfrm>
-            <a:off x="4038600" y="6356350"/>
-            <a:ext cx="4114800" cy="365125"/>
+            <a:off x="4038600" y="6375679"/>
+            <a:ext cx="4114800" cy="345796"/>
           </a:xfrm>
           <a:prstGeom prst="rect">
             <a:avLst/>
@@ -2960,7 +5872,8 @@
               <a:defRPr sz="1200">
                 <a:solidFill>
                   <a:schemeClr val="tx1">
-                    <a:tint val="75000"/>
+                    <a:lumMod val="65000"/>
+                    <a:lumOff val="35000"/>
                   </a:schemeClr>
                 </a:solidFill>
               </a:defRPr>
@@ -2973,13 +5886,7 @@
       </p:sp>
       <p:sp>
         <p:nvSpPr>
-          <p:cNvPr id="6" name="Slide Number Placeholder 5">
-            <a:extLst>
-              <a:ext uri="{FF2B5EF4-FFF2-40B4-BE49-F238E27FC236}">
-                <a16:creationId xmlns:a16="http://schemas.microsoft.com/office/drawing/2014/main" id="{67A7F5A6-D6B8-0C4A-808A-5DA78F557D2E}"/>
-              </a:ext>
-            </a:extLst>
-          </p:cNvPr>
+          <p:cNvPr id="6" name="Slide Number Placeholder 5"/>
           <p:cNvSpPr>
             <a:spLocks noGrp="1"/>
           </p:cNvSpPr>
@@ -2989,8 +5896,8 @@
         </p:nvSpPr>
         <p:spPr>
           <a:xfrm>
-            <a:off x="8610600" y="6356350"/>
-            <a:ext cx="2743200" cy="365125"/>
+            <a:off x="8610601" y="6375679"/>
+            <a:ext cx="2819399" cy="345796"/>
           </a:xfrm>
           <a:prstGeom prst="rect">
             <a:avLst/>
@@ -3003,7 +5910,8 @@
               <a:defRPr sz="1200">
                 <a:solidFill>
                   <a:schemeClr val="tx1">
-                    <a:tint val="75000"/>
+                    <a:lumMod val="65000"/>
+                    <a:lumOff val="35000"/>
                   </a:schemeClr>
                 </a:solidFill>
               </a:defRPr>
@@ -3018,26 +5926,528 @@
           </a:p>
         </p:txBody>
       </p:sp>
+      <p:sp>
+        <p:nvSpPr>
+          <p:cNvPr id="11" name="Freeform 6" title="Left scallop edge"/>
+          <p:cNvSpPr/>
+          <p:nvPr/>
+        </p:nvSpPr>
+        <p:spPr bwMode="auto">
+          <a:xfrm>
+            <a:off x="0" y="0"/>
+            <a:ext cx="885825" cy="6858000"/>
+          </a:xfrm>
+          <a:custGeom>
+            <a:avLst/>
+            <a:gdLst/>
+            <a:ahLst/>
+            <a:cxnLst/>
+            <a:rect l="0" t="0" r="r" b="b"/>
+            <a:pathLst>
+              <a:path w="558" h="4320">
+                <a:moveTo>
+                  <a:pt x="0" y="0"/>
+                </a:moveTo>
+                <a:lnTo>
+                  <a:pt x="447" y="0"/>
+                </a:lnTo>
+                <a:lnTo>
+                  <a:pt x="448" y="43"/>
+                </a:lnTo>
+                <a:lnTo>
+                  <a:pt x="453" y="81"/>
+                </a:lnTo>
+                <a:lnTo>
+                  <a:pt x="460" y="114"/>
+                </a:lnTo>
+                <a:lnTo>
+                  <a:pt x="469" y="143"/>
+                </a:lnTo>
+                <a:lnTo>
+                  <a:pt x="479" y="169"/>
+                </a:lnTo>
+                <a:lnTo>
+                  <a:pt x="491" y="192"/>
+                </a:lnTo>
+                <a:lnTo>
+                  <a:pt x="503" y="216"/>
+                </a:lnTo>
+                <a:lnTo>
+                  <a:pt x="515" y="240"/>
+                </a:lnTo>
+                <a:lnTo>
+                  <a:pt x="525" y="263"/>
+                </a:lnTo>
+                <a:lnTo>
+                  <a:pt x="535" y="289"/>
+                </a:lnTo>
+                <a:lnTo>
+                  <a:pt x="545" y="318"/>
+                </a:lnTo>
+                <a:lnTo>
+                  <a:pt x="552" y="351"/>
+                </a:lnTo>
+                <a:lnTo>
+                  <a:pt x="556" y="389"/>
+                </a:lnTo>
+                <a:lnTo>
+                  <a:pt x="558" y="432"/>
+                </a:lnTo>
+                <a:lnTo>
+                  <a:pt x="556" y="475"/>
+                </a:lnTo>
+                <a:lnTo>
+                  <a:pt x="552" y="513"/>
+                </a:lnTo>
+                <a:lnTo>
+                  <a:pt x="545" y="546"/>
+                </a:lnTo>
+                <a:lnTo>
+                  <a:pt x="535" y="575"/>
+                </a:lnTo>
+                <a:lnTo>
+                  <a:pt x="525" y="601"/>
+                </a:lnTo>
+                <a:lnTo>
+                  <a:pt x="515" y="624"/>
+                </a:lnTo>
+                <a:lnTo>
+                  <a:pt x="503" y="648"/>
+                </a:lnTo>
+                <a:lnTo>
+                  <a:pt x="491" y="672"/>
+                </a:lnTo>
+                <a:lnTo>
+                  <a:pt x="479" y="695"/>
+                </a:lnTo>
+                <a:lnTo>
+                  <a:pt x="469" y="721"/>
+                </a:lnTo>
+                <a:lnTo>
+                  <a:pt x="460" y="750"/>
+                </a:lnTo>
+                <a:lnTo>
+                  <a:pt x="453" y="783"/>
+                </a:lnTo>
+                <a:lnTo>
+                  <a:pt x="448" y="821"/>
+                </a:lnTo>
+                <a:lnTo>
+                  <a:pt x="447" y="864"/>
+                </a:lnTo>
+                <a:lnTo>
+                  <a:pt x="448" y="907"/>
+                </a:lnTo>
+                <a:lnTo>
+                  <a:pt x="453" y="945"/>
+                </a:lnTo>
+                <a:lnTo>
+                  <a:pt x="460" y="978"/>
+                </a:lnTo>
+                <a:lnTo>
+                  <a:pt x="469" y="1007"/>
+                </a:lnTo>
+                <a:lnTo>
+                  <a:pt x="479" y="1033"/>
+                </a:lnTo>
+                <a:lnTo>
+                  <a:pt x="491" y="1056"/>
+                </a:lnTo>
+                <a:lnTo>
+                  <a:pt x="503" y="1080"/>
+                </a:lnTo>
+                <a:lnTo>
+                  <a:pt x="515" y="1104"/>
+                </a:lnTo>
+                <a:lnTo>
+                  <a:pt x="525" y="1127"/>
+                </a:lnTo>
+                <a:lnTo>
+                  <a:pt x="535" y="1153"/>
+                </a:lnTo>
+                <a:lnTo>
+                  <a:pt x="545" y="1182"/>
+                </a:lnTo>
+                <a:lnTo>
+                  <a:pt x="552" y="1215"/>
+                </a:lnTo>
+                <a:lnTo>
+                  <a:pt x="556" y="1253"/>
+                </a:lnTo>
+                <a:lnTo>
+                  <a:pt x="558" y="1296"/>
+                </a:lnTo>
+                <a:lnTo>
+                  <a:pt x="556" y="1339"/>
+                </a:lnTo>
+                <a:lnTo>
+                  <a:pt x="552" y="1377"/>
+                </a:lnTo>
+                <a:lnTo>
+                  <a:pt x="545" y="1410"/>
+                </a:lnTo>
+                <a:lnTo>
+                  <a:pt x="535" y="1439"/>
+                </a:lnTo>
+                <a:lnTo>
+                  <a:pt x="525" y="1465"/>
+                </a:lnTo>
+                <a:lnTo>
+                  <a:pt x="515" y="1488"/>
+                </a:lnTo>
+                <a:lnTo>
+                  <a:pt x="503" y="1512"/>
+                </a:lnTo>
+                <a:lnTo>
+                  <a:pt x="491" y="1536"/>
+                </a:lnTo>
+                <a:lnTo>
+                  <a:pt x="479" y="1559"/>
+                </a:lnTo>
+                <a:lnTo>
+                  <a:pt x="469" y="1585"/>
+                </a:lnTo>
+                <a:lnTo>
+                  <a:pt x="460" y="1614"/>
+                </a:lnTo>
+                <a:lnTo>
+                  <a:pt x="453" y="1647"/>
+                </a:lnTo>
+                <a:lnTo>
+                  <a:pt x="448" y="1685"/>
+                </a:lnTo>
+                <a:lnTo>
+                  <a:pt x="447" y="1728"/>
+                </a:lnTo>
+                <a:lnTo>
+                  <a:pt x="448" y="1771"/>
+                </a:lnTo>
+                <a:lnTo>
+                  <a:pt x="453" y="1809"/>
+                </a:lnTo>
+                <a:lnTo>
+                  <a:pt x="460" y="1842"/>
+                </a:lnTo>
+                <a:lnTo>
+                  <a:pt x="469" y="1871"/>
+                </a:lnTo>
+                <a:lnTo>
+                  <a:pt x="479" y="1897"/>
+                </a:lnTo>
+                <a:lnTo>
+                  <a:pt x="491" y="1920"/>
+                </a:lnTo>
+                <a:lnTo>
+                  <a:pt x="503" y="1944"/>
+                </a:lnTo>
+                <a:lnTo>
+                  <a:pt x="515" y="1968"/>
+                </a:lnTo>
+                <a:lnTo>
+                  <a:pt x="525" y="1991"/>
+                </a:lnTo>
+                <a:lnTo>
+                  <a:pt x="535" y="2017"/>
+                </a:lnTo>
+                <a:lnTo>
+                  <a:pt x="545" y="2046"/>
+                </a:lnTo>
+                <a:lnTo>
+                  <a:pt x="552" y="2079"/>
+                </a:lnTo>
+                <a:lnTo>
+                  <a:pt x="556" y="2117"/>
+                </a:lnTo>
+                <a:lnTo>
+                  <a:pt x="558" y="2159"/>
+                </a:lnTo>
+                <a:lnTo>
+                  <a:pt x="556" y="2203"/>
+                </a:lnTo>
+                <a:lnTo>
+                  <a:pt x="552" y="2241"/>
+                </a:lnTo>
+                <a:lnTo>
+                  <a:pt x="545" y="2274"/>
+                </a:lnTo>
+                <a:lnTo>
+                  <a:pt x="535" y="2303"/>
+                </a:lnTo>
+                <a:lnTo>
+                  <a:pt x="525" y="2329"/>
+                </a:lnTo>
+                <a:lnTo>
+                  <a:pt x="515" y="2352"/>
+                </a:lnTo>
+                <a:lnTo>
+                  <a:pt x="503" y="2376"/>
+                </a:lnTo>
+                <a:lnTo>
+                  <a:pt x="491" y="2400"/>
+                </a:lnTo>
+                <a:lnTo>
+                  <a:pt x="479" y="2423"/>
+                </a:lnTo>
+                <a:lnTo>
+                  <a:pt x="469" y="2449"/>
+                </a:lnTo>
+                <a:lnTo>
+                  <a:pt x="460" y="2478"/>
+                </a:lnTo>
+                <a:lnTo>
+                  <a:pt x="453" y="2511"/>
+                </a:lnTo>
+                <a:lnTo>
+                  <a:pt x="448" y="2549"/>
+                </a:lnTo>
+                <a:lnTo>
+                  <a:pt x="447" y="2592"/>
+                </a:lnTo>
+                <a:lnTo>
+                  <a:pt x="448" y="2635"/>
+                </a:lnTo>
+                <a:lnTo>
+                  <a:pt x="453" y="2673"/>
+                </a:lnTo>
+                <a:lnTo>
+                  <a:pt x="460" y="2706"/>
+                </a:lnTo>
+                <a:lnTo>
+                  <a:pt x="469" y="2735"/>
+                </a:lnTo>
+                <a:lnTo>
+                  <a:pt x="479" y="2761"/>
+                </a:lnTo>
+                <a:lnTo>
+                  <a:pt x="491" y="2784"/>
+                </a:lnTo>
+                <a:lnTo>
+                  <a:pt x="515" y="2832"/>
+                </a:lnTo>
+                <a:lnTo>
+                  <a:pt x="525" y="2855"/>
+                </a:lnTo>
+                <a:lnTo>
+                  <a:pt x="535" y="2881"/>
+                </a:lnTo>
+                <a:lnTo>
+                  <a:pt x="545" y="2910"/>
+                </a:lnTo>
+                <a:lnTo>
+                  <a:pt x="552" y="2943"/>
+                </a:lnTo>
+                <a:lnTo>
+                  <a:pt x="556" y="2981"/>
+                </a:lnTo>
+                <a:lnTo>
+                  <a:pt x="558" y="3024"/>
+                </a:lnTo>
+                <a:lnTo>
+                  <a:pt x="556" y="3067"/>
+                </a:lnTo>
+                <a:lnTo>
+                  <a:pt x="552" y="3105"/>
+                </a:lnTo>
+                <a:lnTo>
+                  <a:pt x="545" y="3138"/>
+                </a:lnTo>
+                <a:lnTo>
+                  <a:pt x="535" y="3167"/>
+                </a:lnTo>
+                <a:lnTo>
+                  <a:pt x="525" y="3193"/>
+                </a:lnTo>
+                <a:lnTo>
+                  <a:pt x="515" y="3216"/>
+                </a:lnTo>
+                <a:lnTo>
+                  <a:pt x="503" y="3240"/>
+                </a:lnTo>
+                <a:lnTo>
+                  <a:pt x="491" y="3264"/>
+                </a:lnTo>
+                <a:lnTo>
+                  <a:pt x="479" y="3287"/>
+                </a:lnTo>
+                <a:lnTo>
+                  <a:pt x="469" y="3313"/>
+                </a:lnTo>
+                <a:lnTo>
+                  <a:pt x="460" y="3342"/>
+                </a:lnTo>
+                <a:lnTo>
+                  <a:pt x="453" y="3375"/>
+                </a:lnTo>
+                <a:lnTo>
+                  <a:pt x="448" y="3413"/>
+                </a:lnTo>
+                <a:lnTo>
+                  <a:pt x="447" y="3456"/>
+                </a:lnTo>
+                <a:lnTo>
+                  <a:pt x="448" y="3499"/>
+                </a:lnTo>
+                <a:lnTo>
+                  <a:pt x="453" y="3537"/>
+                </a:lnTo>
+                <a:lnTo>
+                  <a:pt x="460" y="3570"/>
+                </a:lnTo>
+                <a:lnTo>
+                  <a:pt x="469" y="3599"/>
+                </a:lnTo>
+                <a:lnTo>
+                  <a:pt x="479" y="3625"/>
+                </a:lnTo>
+                <a:lnTo>
+                  <a:pt x="491" y="3648"/>
+                </a:lnTo>
+                <a:lnTo>
+                  <a:pt x="503" y="3672"/>
+                </a:lnTo>
+                <a:lnTo>
+                  <a:pt x="515" y="3696"/>
+                </a:lnTo>
+                <a:lnTo>
+                  <a:pt x="525" y="3719"/>
+                </a:lnTo>
+                <a:lnTo>
+                  <a:pt x="535" y="3745"/>
+                </a:lnTo>
+                <a:lnTo>
+                  <a:pt x="545" y="3774"/>
+                </a:lnTo>
+                <a:lnTo>
+                  <a:pt x="552" y="3807"/>
+                </a:lnTo>
+                <a:lnTo>
+                  <a:pt x="556" y="3845"/>
+                </a:lnTo>
+                <a:lnTo>
+                  <a:pt x="558" y="3888"/>
+                </a:lnTo>
+                <a:lnTo>
+                  <a:pt x="556" y="3931"/>
+                </a:lnTo>
+                <a:lnTo>
+                  <a:pt x="552" y="3969"/>
+                </a:lnTo>
+                <a:lnTo>
+                  <a:pt x="545" y="4002"/>
+                </a:lnTo>
+                <a:lnTo>
+                  <a:pt x="535" y="4031"/>
+                </a:lnTo>
+                <a:lnTo>
+                  <a:pt x="525" y="4057"/>
+                </a:lnTo>
+                <a:lnTo>
+                  <a:pt x="515" y="4080"/>
+                </a:lnTo>
+                <a:lnTo>
+                  <a:pt x="503" y="4104"/>
+                </a:lnTo>
+                <a:lnTo>
+                  <a:pt x="491" y="4128"/>
+                </a:lnTo>
+                <a:lnTo>
+                  <a:pt x="479" y="4151"/>
+                </a:lnTo>
+                <a:lnTo>
+                  <a:pt x="469" y="4177"/>
+                </a:lnTo>
+                <a:lnTo>
+                  <a:pt x="460" y="4206"/>
+                </a:lnTo>
+                <a:lnTo>
+                  <a:pt x="453" y="4239"/>
+                </a:lnTo>
+                <a:lnTo>
+                  <a:pt x="448" y="4277"/>
+                </a:lnTo>
+                <a:lnTo>
+                  <a:pt x="447" y="4320"/>
+                </a:lnTo>
+                <a:lnTo>
+                  <a:pt x="0" y="4320"/>
+                </a:lnTo>
+                <a:lnTo>
+                  <a:pt x="0" y="0"/>
+                </a:lnTo>
+                <a:close/>
+              </a:path>
+            </a:pathLst>
+          </a:custGeom>
+          <a:solidFill>
+            <a:schemeClr val="tx2"/>
+          </a:solidFill>
+          <a:ln w="0">
+            <a:noFill/>
+            <a:prstDash val="solid"/>
+            <a:round/>
+            <a:headEnd/>
+            <a:tailEnd/>
+          </a:ln>
+        </p:spPr>
+      </p:sp>
+      <p:sp>
+        <p:nvSpPr>
+          <p:cNvPr id="12" name="Rectangle 11" title="right edge border"/>
+          <p:cNvSpPr/>
+          <p:nvPr/>
+        </p:nvSpPr>
+        <p:spPr>
+          <a:xfrm>
+            <a:off x="11908536" y="0"/>
+            <a:ext cx="283464" cy="6858000"/>
+          </a:xfrm>
+          <a:prstGeom prst="rect">
+            <a:avLst/>
+          </a:prstGeom>
+          <a:solidFill>
+            <a:schemeClr val="accent1"/>
+          </a:solidFill>
+          <a:ln>
+            <a:noFill/>
+          </a:ln>
+        </p:spPr>
+        <p:style>
+          <a:lnRef idx="2">
+            <a:schemeClr val="accent1">
+              <a:shade val="50000"/>
+            </a:schemeClr>
+          </a:lnRef>
+          <a:fillRef idx="1">
+            <a:schemeClr val="accent1"/>
+          </a:fillRef>
+          <a:effectRef idx="0">
+            <a:schemeClr val="accent1"/>
+          </a:effectRef>
+          <a:fontRef idx="minor">
+            <a:schemeClr val="lt1"/>
+          </a:fontRef>
+        </p:style>
+      </p:sp>
     </p:spTree>
     <p:extLst>
       <p:ext uri="{BB962C8B-B14F-4D97-AF65-F5344CB8AC3E}">
-        <p14:creationId xmlns:p14="http://schemas.microsoft.com/office/powerpoint/2010/main" val="1449126933"/>
+        <p14:creationId xmlns:p14="http://schemas.microsoft.com/office/powerpoint/2010/main" val="1737545825"/>
       </p:ext>
     </p:extLst>
   </p:cSld>
   <p:clrMap bg1="lt1" tx1="dk1" bg2="lt2" tx2="dk2" accent1="accent1" accent2="accent2" accent3="accent3" accent4="accent4" accent5="accent5" accent6="accent6" hlink="hlink" folHlink="folHlink"/>
   <p:sldLayoutIdLst>
-    <p:sldLayoutId id="2147483649" r:id="rId1"/>
-    <p:sldLayoutId id="2147483650" r:id="rId2"/>
-    <p:sldLayoutId id="2147483651" r:id="rId3"/>
-    <p:sldLayoutId id="2147483652" r:id="rId4"/>
-    <p:sldLayoutId id="2147483653" r:id="rId5"/>
-    <p:sldLayoutId id="2147483654" r:id="rId6"/>
-    <p:sldLayoutId id="2147483655" r:id="rId7"/>
-    <p:sldLayoutId id="2147483656" r:id="rId8"/>
-    <p:sldLayoutId id="2147483657" r:id="rId9"/>
-    <p:sldLayoutId id="2147483658" r:id="rId10"/>
-    <p:sldLayoutId id="2147483659" r:id="rId11"/>
+    <p:sldLayoutId id="2147483661" r:id="rId1"/>
+    <p:sldLayoutId id="2147483662" r:id="rId2"/>
+    <p:sldLayoutId id="2147483663" r:id="rId3"/>
+    <p:sldLayoutId id="2147483664" r:id="rId4"/>
+    <p:sldLayoutId id="2147483665" r:id="rId5"/>
+    <p:sldLayoutId id="2147483666" r:id="rId6"/>
+    <p:sldLayoutId id="2147483667" r:id="rId7"/>
+    <p:sldLayoutId id="2147483668" r:id="rId8"/>
+    <p:sldLayoutId id="2147483669" r:id="rId9"/>
+    <p:sldLayoutId id="2147483670" r:id="rId10"/>
+    <p:sldLayoutId id="2147483671" r:id="rId11"/>
   </p:sldLayoutIdLst>
   <p:txStyles>
     <p:titleStyle>
@@ -3049,9 +6459,9 @@
           <a:spcPct val="0"/>
         </a:spcBef>
         <a:buNone/>
-        <a:defRPr sz="4400" kern="1200">
+        <a:defRPr sz="5100" kern="1200" cap="all" spc="200" baseline="0">
           <a:solidFill>
-            <a:schemeClr val="tx1"/>
+            <a:schemeClr val="tx2"/>
           </a:solidFill>
           <a:latin typeface="+mj-lt"/>
           <a:ea typeface="+mj-ea"/>
@@ -3062,16 +6472,22 @@
     <p:bodyStyle>
       <a:lvl1pPr marL="228600" indent="-228600" algn="l" defTabSz="914400" rtl="0" eaLnBrk="1" latinLnBrk="0" hangingPunct="1">
         <a:lnSpc>
-          <a:spcPct val="90000"/>
+          <a:spcPct val="110000"/>
         </a:lnSpc>
         <a:spcBef>
-          <a:spcPts val="1000"/>
+          <a:spcPts val="700"/>
         </a:spcBef>
+        <a:buClr>
+          <a:schemeClr val="tx2"/>
+        </a:buClr>
         <a:buFont typeface="Arial" panose="020B0604020202020204" pitchFamily="34" charset="0"/>
         <a:buChar char="•"/>
-        <a:defRPr sz="2800" kern="1200">
+        <a:defRPr sz="2000" kern="1200">
           <a:solidFill>
-            <a:schemeClr val="tx1"/>
+            <a:schemeClr val="tx1">
+              <a:lumMod val="65000"/>
+              <a:lumOff val="35000"/>
+            </a:schemeClr>
           </a:solidFill>
           <a:latin typeface="+mn-lt"/>
           <a:ea typeface="+mn-ea"/>
@@ -3080,16 +6496,22 @@
       </a:lvl1pPr>
       <a:lvl2pPr marL="685800" indent="-228600" algn="l" defTabSz="914400" rtl="0" eaLnBrk="1" latinLnBrk="0" hangingPunct="1">
         <a:lnSpc>
-          <a:spcPct val="90000"/>
+          <a:spcPct val="110000"/>
         </a:lnSpc>
         <a:spcBef>
-          <a:spcPts val="500"/>
+          <a:spcPts val="700"/>
         </a:spcBef>
-        <a:buFont typeface="Arial" panose="020B0604020202020204" pitchFamily="34" charset="0"/>
-        <a:buChar char="•"/>
-        <a:defRPr sz="2400" kern="1200">
+        <a:buClr>
+          <a:schemeClr val="tx2"/>
+        </a:buClr>
+        <a:buFont typeface="Gill Sans MT" panose="020B0502020104020203" pitchFamily="34" charset="0"/>
+        <a:buChar char="–"/>
+        <a:defRPr sz="1800" kern="1200">
           <a:solidFill>
-            <a:schemeClr val="tx1"/>
+            <a:schemeClr val="tx1">
+              <a:lumMod val="65000"/>
+              <a:lumOff val="35000"/>
+            </a:schemeClr>
           </a:solidFill>
           <a:latin typeface="+mn-lt"/>
           <a:ea typeface="+mn-ea"/>
@@ -3098,16 +6520,22 @@
       </a:lvl2pPr>
       <a:lvl3pPr marL="1143000" indent="-228600" algn="l" defTabSz="914400" rtl="0" eaLnBrk="1" latinLnBrk="0" hangingPunct="1">
         <a:lnSpc>
-          <a:spcPct val="90000"/>
+          <a:spcPct val="110000"/>
         </a:lnSpc>
         <a:spcBef>
-          <a:spcPts val="500"/>
+          <a:spcPts val="700"/>
         </a:spcBef>
+        <a:buClr>
+          <a:schemeClr val="tx2"/>
+        </a:buClr>
         <a:buFont typeface="Arial" panose="020B0604020202020204" pitchFamily="34" charset="0"/>
         <a:buChar char="•"/>
-        <a:defRPr sz="2000" kern="1200">
+        <a:defRPr sz="1600" kern="1200">
           <a:solidFill>
-            <a:schemeClr val="tx1"/>
+            <a:schemeClr val="tx1">
+              <a:lumMod val="65000"/>
+              <a:lumOff val="35000"/>
+            </a:schemeClr>
           </a:solidFill>
           <a:latin typeface="+mn-lt"/>
           <a:ea typeface="+mn-ea"/>
@@ -3116,16 +6544,22 @@
       </a:lvl3pPr>
       <a:lvl4pPr marL="1600200" indent="-228600" algn="l" defTabSz="914400" rtl="0" eaLnBrk="1" latinLnBrk="0" hangingPunct="1">
         <a:lnSpc>
-          <a:spcPct val="90000"/>
+          <a:spcPct val="110000"/>
         </a:lnSpc>
         <a:spcBef>
-          <a:spcPts val="500"/>
+          <a:spcPts val="700"/>
         </a:spcBef>
-        <a:buFont typeface="Arial" panose="020B0604020202020204" pitchFamily="34" charset="0"/>
-        <a:buChar char="•"/>
-        <a:defRPr sz="1800" kern="1200">
+        <a:buClr>
+          <a:schemeClr val="tx2"/>
+        </a:buClr>
+        <a:buFont typeface="Gill Sans MT" panose="020B0502020104020203" pitchFamily="34" charset="0"/>
+        <a:buChar char="–"/>
+        <a:defRPr sz="1400" kern="1200">
           <a:solidFill>
-            <a:schemeClr val="tx1"/>
+            <a:schemeClr val="tx1">
+              <a:lumMod val="65000"/>
+              <a:lumOff val="35000"/>
+            </a:schemeClr>
           </a:solidFill>
           <a:latin typeface="+mn-lt"/>
           <a:ea typeface="+mn-ea"/>
@@ -3134,16 +6568,22 @@
       </a:lvl4pPr>
       <a:lvl5pPr marL="2057400" indent="-228600" algn="l" defTabSz="914400" rtl="0" eaLnBrk="1" latinLnBrk="0" hangingPunct="1">
         <a:lnSpc>
-          <a:spcPct val="90000"/>
+          <a:spcPct val="110000"/>
         </a:lnSpc>
         <a:spcBef>
-          <a:spcPts val="500"/>
+          <a:spcPts val="700"/>
         </a:spcBef>
+        <a:buClr>
+          <a:schemeClr val="tx2"/>
+        </a:buClr>
         <a:buFont typeface="Arial" panose="020B0604020202020204" pitchFamily="34" charset="0"/>
         <a:buChar char="•"/>
-        <a:defRPr sz="1800" kern="1200">
+        <a:defRPr sz="1400" kern="1200">
           <a:solidFill>
-            <a:schemeClr val="tx1"/>
+            <a:schemeClr val="tx1">
+              <a:lumMod val="65000"/>
+              <a:lumOff val="35000"/>
+            </a:schemeClr>
           </a:solidFill>
           <a:latin typeface="+mn-lt"/>
           <a:ea typeface="+mn-ea"/>
@@ -3152,16 +6592,22 @@
       </a:lvl5pPr>
       <a:lvl6pPr marL="2514600" indent="-228600" algn="l" defTabSz="914400" rtl="0" eaLnBrk="1" latinLnBrk="0" hangingPunct="1">
         <a:lnSpc>
-          <a:spcPct val="90000"/>
+          <a:spcPct val="110000"/>
         </a:lnSpc>
         <a:spcBef>
-          <a:spcPts val="500"/>
+          <a:spcPts val="700"/>
         </a:spcBef>
-        <a:buFont typeface="Arial" panose="020B0604020202020204" pitchFamily="34" charset="0"/>
-        <a:buChar char="•"/>
-        <a:defRPr sz="1800" kern="1200">
+        <a:buClr>
+          <a:schemeClr val="tx2"/>
+        </a:buClr>
+        <a:buFont typeface="Gill Sans MT" panose="020B0502020104020203" pitchFamily="34" charset="0"/>
+        <a:buChar char="–"/>
+        <a:defRPr sz="1400" kern="1200">
           <a:solidFill>
-            <a:schemeClr val="tx1"/>
+            <a:schemeClr val="tx1">
+              <a:lumMod val="65000"/>
+              <a:lumOff val="35000"/>
+            </a:schemeClr>
           </a:solidFill>
           <a:latin typeface="+mn-lt"/>
           <a:ea typeface="+mn-ea"/>
@@ -3170,16 +6616,22 @@
       </a:lvl6pPr>
       <a:lvl7pPr marL="2971800" indent="-228600" algn="l" defTabSz="914400" rtl="0" eaLnBrk="1" latinLnBrk="0" hangingPunct="1">
         <a:lnSpc>
-          <a:spcPct val="90000"/>
+          <a:spcPct val="110000"/>
         </a:lnSpc>
         <a:spcBef>
-          <a:spcPts val="500"/>
+          <a:spcPts val="700"/>
         </a:spcBef>
+        <a:buClr>
+          <a:schemeClr val="tx2"/>
+        </a:buClr>
         <a:buFont typeface="Arial" panose="020B0604020202020204" pitchFamily="34" charset="0"/>
         <a:buChar char="•"/>
-        <a:defRPr sz="1800" kern="1200">
+        <a:defRPr sz="1400" kern="1200">
           <a:solidFill>
-            <a:schemeClr val="tx1"/>
+            <a:schemeClr val="tx1">
+              <a:lumMod val="65000"/>
+              <a:lumOff val="35000"/>
+            </a:schemeClr>
           </a:solidFill>
           <a:latin typeface="+mn-lt"/>
           <a:ea typeface="+mn-ea"/>
@@ -3188,16 +6640,22 @@
       </a:lvl7pPr>
       <a:lvl8pPr marL="3429000" indent="-228600" algn="l" defTabSz="914400" rtl="0" eaLnBrk="1" latinLnBrk="0" hangingPunct="1">
         <a:lnSpc>
-          <a:spcPct val="90000"/>
+          <a:spcPct val="110000"/>
         </a:lnSpc>
         <a:spcBef>
-          <a:spcPts val="500"/>
+          <a:spcPts val="700"/>
         </a:spcBef>
-        <a:buFont typeface="Arial" panose="020B0604020202020204" pitchFamily="34" charset="0"/>
-        <a:buChar char="•"/>
-        <a:defRPr sz="1800" kern="1200">
+        <a:buClr>
+          <a:schemeClr val="tx2"/>
+        </a:buClr>
+        <a:buFont typeface="Gill Sans MT" panose="020B0502020104020203" pitchFamily="34" charset="0"/>
+        <a:buChar char="–"/>
+        <a:defRPr sz="1400" kern="1200" baseline="0">
           <a:solidFill>
-            <a:schemeClr val="tx1"/>
+            <a:schemeClr val="tx1">
+              <a:lumMod val="65000"/>
+              <a:lumOff val="35000"/>
+            </a:schemeClr>
           </a:solidFill>
           <a:latin typeface="+mn-lt"/>
           <a:ea typeface="+mn-ea"/>
@@ -3206,16 +6664,22 @@
       </a:lvl8pPr>
       <a:lvl9pPr marL="3886200" indent="-228600" algn="l" defTabSz="914400" rtl="0" eaLnBrk="1" latinLnBrk="0" hangingPunct="1">
         <a:lnSpc>
-          <a:spcPct val="90000"/>
+          <a:spcPct val="110000"/>
         </a:lnSpc>
         <a:spcBef>
-          <a:spcPts val="500"/>
+          <a:spcPts val="700"/>
         </a:spcBef>
+        <a:buClr>
+          <a:schemeClr val="tx2"/>
+        </a:buClr>
         <a:buFont typeface="Arial" panose="020B0604020202020204" pitchFamily="34" charset="0"/>
         <a:buChar char="•"/>
-        <a:defRPr sz="1800" kern="1200">
+        <a:defRPr sz="1400" kern="1200" baseline="0">
           <a:solidFill>
-            <a:schemeClr val="tx1"/>
+            <a:schemeClr val="tx1">
+              <a:lumMod val="65000"/>
+              <a:lumOff val="35000"/>
+            </a:schemeClr>
           </a:solidFill>
           <a:latin typeface="+mn-lt"/>
           <a:ea typeface="+mn-ea"/>
@@ -3319,6 +6783,42 @@
       </a:lvl9pPr>
     </p:otherStyle>
   </p:txStyles>
+  <p:extLst mod="1">
+    <p:ext uri="{27BBF7A9-308A-43DC-89C8-2F10F3537804}">
+      <p15:sldGuideLst xmlns:p15="http://schemas.microsoft.com/office/powerpoint/2012/main">
+        <p15:guide id="1" pos="792">
+          <p15:clr>
+            <a:srgbClr val="F26B43"/>
+          </p15:clr>
+        </p15:guide>
+        <p15:guide id="2" pos="7200">
+          <p15:clr>
+            <a:srgbClr val="F26B43"/>
+          </p15:clr>
+        </p15:guide>
+        <p15:guide id="3" orient="horz" pos="4008">
+          <p15:clr>
+            <a:srgbClr val="F26B43"/>
+          </p15:clr>
+        </p15:guide>
+        <p15:guide id="4" orient="horz" pos="1440">
+          <p15:clr>
+            <a:srgbClr val="F26B43"/>
+          </p15:clr>
+        </p15:guide>
+        <p15:guide id="5" orient="horz" pos="3720">
+          <p15:clr>
+            <a:srgbClr val="F26B43"/>
+          </p15:clr>
+        </p15:guide>
+        <p15:guide id="6" orient="horz" pos="240">
+          <p15:clr>
+            <a:srgbClr val="F26B43"/>
+          </p15:clr>
+        </p15:guide>
+      </p15:sldGuideLst>
+    </p:ext>
+  </p:extLst>
 </p:sldMaster>
 </file>
 
@@ -3430,6 +6930,241 @@
           <p:cNvPr id="2" name="Title 1">
             <a:extLst>
               <a:ext uri="{FF2B5EF4-FFF2-40B4-BE49-F238E27FC236}">
+                <a16:creationId xmlns:a16="http://schemas.microsoft.com/office/drawing/2014/main" id="{3F080715-FAC9-804E-872F-11F8B9E7768A}"/>
+              </a:ext>
+            </a:extLst>
+          </p:cNvPr>
+          <p:cNvSpPr>
+            <a:spLocks noGrp="1"/>
+          </p:cNvSpPr>
+          <p:nvPr>
+            <p:ph type="title"/>
+          </p:nvPr>
+        </p:nvSpPr>
+        <p:spPr>
+          <a:xfrm>
+            <a:off x="1257298" y="365126"/>
+            <a:ext cx="10096501" cy="1145020"/>
+          </a:xfrm>
+        </p:spPr>
+        <p:txBody>
+          <a:bodyPr/>
+          <a:lstStyle/>
+          <a:p>
+            <a:r>
+              <a:rPr lang="en-US" dirty="0"/>
+              <a:t>Pandas</a:t>
+            </a:r>
+          </a:p>
+        </p:txBody>
+      </p:sp>
+      <p:sp>
+        <p:nvSpPr>
+          <p:cNvPr id="3" name="Content Placeholder 2">
+            <a:extLst>
+              <a:ext uri="{FF2B5EF4-FFF2-40B4-BE49-F238E27FC236}">
+                <a16:creationId xmlns:a16="http://schemas.microsoft.com/office/drawing/2014/main" id="{F327B647-629D-5843-9F00-F8E30A226C85}"/>
+              </a:ext>
+            </a:extLst>
+          </p:cNvPr>
+          <p:cNvSpPr>
+            <a:spLocks noGrp="1"/>
+          </p:cNvSpPr>
+          <p:nvPr>
+            <p:ph idx="1"/>
+          </p:nvPr>
+        </p:nvSpPr>
+        <p:spPr>
+          <a:xfrm>
+            <a:off x="1257299" y="1648691"/>
+            <a:ext cx="10463645" cy="4528272"/>
+          </a:xfrm>
+        </p:spPr>
+        <p:txBody>
+          <a:bodyPr>
+            <a:normAutofit/>
+          </a:bodyPr>
+          <a:lstStyle/>
+          <a:p>
+            <a:r>
+              <a:rPr lang="en-US" dirty="0"/>
+              <a:t>So we’ve read in some data. Now what…</a:t>
+            </a:r>
+          </a:p>
+          <a:p>
+            <a:endParaRPr lang="en-US" dirty="0"/>
+          </a:p>
+          <a:p>
+            <a:r>
+              <a:rPr lang="en-US" dirty="0"/>
+              <a:t>Try calling the head() function to list all the columns and get a sample of the rows</a:t>
+            </a:r>
+          </a:p>
+          <a:p>
+            <a:pPr marL="0" indent="0">
+              <a:buNone/>
+            </a:pPr>
+            <a:endParaRPr lang="en-US" dirty="0"/>
+          </a:p>
+          <a:p>
+            <a:pPr marL="0" indent="0">
+              <a:buNone/>
+            </a:pPr>
+            <a:r>
+              <a:rPr lang="en-US" dirty="0">
+                <a:latin typeface="Courier New" panose="02070309020205020404" pitchFamily="49" charset="0"/>
+                <a:cs typeface="Courier New" panose="02070309020205020404" pitchFamily="49" charset="0"/>
+              </a:rPr>
+              <a:t>import pandas as </a:t>
+            </a:r>
+            <a:r>
+              <a:rPr lang="en-US" dirty="0" err="1">
+                <a:latin typeface="Courier New" panose="02070309020205020404" pitchFamily="49" charset="0"/>
+                <a:cs typeface="Courier New" panose="02070309020205020404" pitchFamily="49" charset="0"/>
+              </a:rPr>
+              <a:t>pd</a:t>
+            </a:r>
+            <a:endParaRPr lang="en-US" dirty="0">
+              <a:latin typeface="Courier New" panose="02070309020205020404" pitchFamily="49" charset="0"/>
+              <a:cs typeface="Courier New" panose="02070309020205020404" pitchFamily="49" charset="0"/>
+            </a:endParaRPr>
+          </a:p>
+          <a:p>
+            <a:pPr marL="0" indent="0">
+              <a:buNone/>
+            </a:pPr>
+            <a:r>
+              <a:rPr lang="en-US" dirty="0">
+                <a:latin typeface="Courier New" panose="02070309020205020404" pitchFamily="49" charset="0"/>
+                <a:cs typeface="Courier New" panose="02070309020205020404" pitchFamily="49" charset="0"/>
+              </a:rPr>
+              <a:t>import </a:t>
+            </a:r>
+            <a:r>
+              <a:rPr lang="en-US" dirty="0" err="1">
+                <a:latin typeface="Courier New" panose="02070309020205020404" pitchFamily="49" charset="0"/>
+                <a:cs typeface="Courier New" panose="02070309020205020404" pitchFamily="49" charset="0"/>
+              </a:rPr>
+              <a:t>numpy</a:t>
+            </a:r>
+            <a:r>
+              <a:rPr lang="en-US" dirty="0">
+                <a:latin typeface="Courier New" panose="02070309020205020404" pitchFamily="49" charset="0"/>
+                <a:cs typeface="Courier New" panose="02070309020205020404" pitchFamily="49" charset="0"/>
+              </a:rPr>
+              <a:t> as np</a:t>
+            </a:r>
+          </a:p>
+          <a:p>
+            <a:pPr marL="0" indent="0">
+              <a:buNone/>
+            </a:pPr>
+            <a:r>
+              <a:rPr lang="en-US" dirty="0">
+                <a:latin typeface="Courier New" panose="02070309020205020404" pitchFamily="49" charset="0"/>
+                <a:cs typeface="Courier New" panose="02070309020205020404" pitchFamily="49" charset="0"/>
+              </a:rPr>
+              <a:t>d = </a:t>
+            </a:r>
+            <a:r>
+              <a:rPr lang="en-US" dirty="0" err="1">
+                <a:latin typeface="Courier New" panose="02070309020205020404" pitchFamily="49" charset="0"/>
+                <a:cs typeface="Courier New" panose="02070309020205020404" pitchFamily="49" charset="0"/>
+              </a:rPr>
+              <a:t>pd.read_csv</a:t>
+            </a:r>
+            <a:r>
+              <a:rPr lang="en-US" dirty="0">
+                <a:latin typeface="Courier New" panose="02070309020205020404" pitchFamily="49" charset="0"/>
+                <a:cs typeface="Courier New" panose="02070309020205020404" pitchFamily="49" charset="0"/>
+              </a:rPr>
+              <a:t>('~/Desktop/</a:t>
+            </a:r>
+            <a:r>
+              <a:rPr lang="en-US" dirty="0" err="1">
+                <a:latin typeface="Courier New" panose="02070309020205020404" pitchFamily="49" charset="0"/>
+                <a:cs typeface="Courier New" panose="02070309020205020404" pitchFamily="49" charset="0"/>
+              </a:rPr>
+              <a:t>products.tsv</a:t>
+            </a:r>
+            <a:r>
+              <a:rPr lang="en-US" dirty="0">
+                <a:latin typeface="Courier New" panose="02070309020205020404" pitchFamily="49" charset="0"/>
+                <a:cs typeface="Courier New" panose="02070309020205020404" pitchFamily="49" charset="0"/>
+              </a:rPr>
+              <a:t>', </a:t>
+            </a:r>
+            <a:r>
+              <a:rPr lang="en-US" dirty="0" err="1">
+                <a:latin typeface="Courier New" panose="02070309020205020404" pitchFamily="49" charset="0"/>
+                <a:cs typeface="Courier New" panose="02070309020205020404" pitchFamily="49" charset="0"/>
+              </a:rPr>
+              <a:t>sep</a:t>
+            </a:r>
+            <a:r>
+              <a:rPr lang="en-US" dirty="0">
+                <a:latin typeface="Courier New" panose="02070309020205020404" pitchFamily="49" charset="0"/>
+                <a:cs typeface="Courier New" panose="02070309020205020404" pitchFamily="49" charset="0"/>
+              </a:rPr>
+              <a:t>='\t’) </a:t>
+            </a:r>
+          </a:p>
+          <a:p>
+            <a:pPr marL="0" indent="0">
+              <a:buNone/>
+            </a:pPr>
+            <a:r>
+              <a:rPr lang="en-US" dirty="0" err="1">
+                <a:latin typeface="Courier New" panose="02070309020205020404" pitchFamily="49" charset="0"/>
+                <a:cs typeface="Courier New" panose="02070309020205020404" pitchFamily="49" charset="0"/>
+              </a:rPr>
+              <a:t>d.head</a:t>
+            </a:r>
+            <a:r>
+              <a:rPr lang="en-US" dirty="0">
+                <a:latin typeface="Courier New" panose="02070309020205020404" pitchFamily="49" charset="0"/>
+                <a:cs typeface="Courier New" panose="02070309020205020404" pitchFamily="49" charset="0"/>
+              </a:rPr>
+              <a:t>()</a:t>
+            </a:r>
+          </a:p>
+        </p:txBody>
+      </p:sp>
+    </p:spTree>
+    <p:extLst>
+      <p:ext uri="{BB962C8B-B14F-4D97-AF65-F5344CB8AC3E}">
+        <p14:creationId xmlns:p14="http://schemas.microsoft.com/office/powerpoint/2010/main" val="3820670899"/>
+      </p:ext>
+    </p:extLst>
+  </p:cSld>
+  <p:clrMapOvr>
+    <a:masterClrMapping/>
+  </p:clrMapOvr>
+</p:sld>
+</file>
+
+<file path=ppt/slides/slide11.xml><?xml version="1.0" encoding="utf-8"?>
+<p:sld xmlns:a="http://schemas.openxmlformats.org/drawingml/2006/main" xmlns:r="http://schemas.openxmlformats.org/officeDocument/2006/relationships" xmlns:p="http://schemas.openxmlformats.org/presentationml/2006/main">
+  <p:cSld>
+    <p:spTree>
+      <p:nvGrpSpPr>
+        <p:cNvPr id="1" name=""/>
+        <p:cNvGrpSpPr/>
+        <p:nvPr/>
+      </p:nvGrpSpPr>
+      <p:grpSpPr>
+        <a:xfrm>
+          <a:off x="0" y="0"/>
+          <a:ext cx="0" cy="0"/>
+          <a:chOff x="0" y="0"/>
+          <a:chExt cx="0" cy="0"/>
+        </a:xfrm>
+      </p:grpSpPr>
+      <p:sp>
+        <p:nvSpPr>
+          <p:cNvPr id="2" name="Title 1">
+            <a:extLst>
+              <a:ext uri="{FF2B5EF4-FFF2-40B4-BE49-F238E27FC236}">
                 <a16:creationId xmlns:a16="http://schemas.microsoft.com/office/drawing/2014/main" id="{2D6CA719-9C5A-8C4A-AAC4-3C247B309554}"/>
               </a:ext>
             </a:extLst>
@@ -3471,17 +7206,27 @@
         </p:nvSpPr>
         <p:spPr>
           <a:xfrm>
-            <a:off x="318655" y="1825625"/>
-            <a:ext cx="11035145" cy="4351338"/>
+            <a:off x="1128713" y="1628775"/>
+            <a:ext cx="10225087" cy="4986338"/>
           </a:xfrm>
         </p:spPr>
         <p:txBody>
-          <a:bodyPr/>
+          <a:bodyPr>
+            <a:normAutofit/>
+          </a:bodyPr>
           <a:lstStyle/>
           <a:p>
             <a:r>
               <a:rPr lang="en-US" dirty="0"/>
-              <a:t>Give it a try…</a:t>
+              <a:t>Give it a try…		</a:t>
+            </a:r>
+            <a:r>
+              <a:rPr lang="en-US" dirty="0">
+                <a:solidFill>
+                  <a:srgbClr val="FF0000"/>
+                </a:solidFill>
+              </a:rPr>
+              <a:t>03_Pandas_Intro.ipynb</a:t>
             </a:r>
           </a:p>
           <a:p>
@@ -3504,6 +7249,63 @@
             </a:r>
           </a:p>
           <a:p>
+            <a:pPr lvl="1"/>
+            <a:r>
+              <a:rPr lang="en-US" dirty="0"/>
+              <a:t>This is a slight variation of Kevin Markham’s Chipotle dataset</a:t>
+            </a:r>
+          </a:p>
+          <a:p>
+            <a:pPr lvl="2"/>
+            <a:r>
+              <a:rPr lang="en-US" dirty="0"/>
+              <a:t>https://</a:t>
+            </a:r>
+            <a:r>
+              <a:rPr lang="en-US" dirty="0" err="1"/>
+              <a:t>raw.githubusercontent.com</a:t>
+            </a:r>
+            <a:r>
+              <a:rPr lang="en-US" dirty="0"/>
+              <a:t>/</a:t>
+            </a:r>
+            <a:r>
+              <a:rPr lang="en-US" dirty="0" err="1"/>
+              <a:t>justmarkham</a:t>
+            </a:r>
+            <a:r>
+              <a:rPr lang="en-US" dirty="0"/>
+              <a:t>/DAT8/master/data/</a:t>
+            </a:r>
+            <a:r>
+              <a:rPr lang="en-US" dirty="0" err="1"/>
+              <a:t>chipotle.tsv</a:t>
+            </a:r>
+            <a:endParaRPr lang="en-US" dirty="0"/>
+          </a:p>
+          <a:p>
+            <a:pPr lvl="1"/>
+            <a:r>
+              <a:rPr lang="en-US" dirty="0"/>
+              <a:t>I just changed the datatype of one of the columns</a:t>
+            </a:r>
+          </a:p>
+          <a:p>
+            <a:pPr lvl="1"/>
+            <a:r>
+              <a:rPr lang="en-US" dirty="0"/>
+              <a:t>Credit: Kevin Markham’s Data Science course, </a:t>
+            </a:r>
+            <a:r>
+              <a:rPr lang="en-US" dirty="0">
+                <a:hlinkClick r:id="rId3"/>
+              </a:rPr>
+              <a:t>https://github.com/justmarkham/DAT8</a:t>
+            </a:r>
+            <a:endParaRPr lang="en-US" dirty="0"/>
+          </a:p>
+          <a:p>
+            <a:pPr lvl="1"/>
             <a:endParaRPr lang="en-US" dirty="0"/>
           </a:p>
           <a:p>
@@ -3555,7 +7357,7 @@
 </p:sld>
 </file>
 
-<file path=ppt/slides/slide11.xml><?xml version="1.0" encoding="utf-8"?>
+<file path=ppt/slides/slide12.xml><?xml version="1.0" encoding="utf-8"?>
 <p:sld xmlns:a="http://schemas.openxmlformats.org/drawingml/2006/main" xmlns:r="http://schemas.openxmlformats.org/officeDocument/2006/relationships" xmlns:p="http://schemas.openxmlformats.org/presentationml/2006/main">
   <p:cSld>
     <p:spTree>
@@ -3590,8 +7392,8 @@
         </p:nvSpPr>
         <p:spPr>
           <a:xfrm>
-            <a:off x="838200" y="365126"/>
-            <a:ext cx="10515600" cy="1145020"/>
+            <a:off x="1185862" y="365126"/>
+            <a:ext cx="10167937" cy="1145020"/>
           </a:xfrm>
         </p:spPr>
         <p:txBody>
@@ -3623,13 +7425,13 @@
         </p:nvSpPr>
         <p:spPr>
           <a:xfrm>
-            <a:off x="415636" y="1731820"/>
-            <a:ext cx="11319164" cy="4793671"/>
+            <a:off x="1185862" y="1731820"/>
+            <a:ext cx="10548938" cy="4793671"/>
           </a:xfrm>
         </p:spPr>
         <p:txBody>
           <a:bodyPr>
-            <a:normAutofit fontScale="85000" lnSpcReduction="20000"/>
+            <a:normAutofit fontScale="92500" lnSpcReduction="10000"/>
           </a:bodyPr>
           <a:lstStyle/>
           <a:p>
@@ -3788,7 +7590,7 @@
 </p:sld>
 </file>
 
-<file path=ppt/slides/slide12.xml><?xml version="1.0" encoding="utf-8"?>
+<file path=ppt/slides/slide13.xml><?xml version="1.0" encoding="utf-8"?>
 <p:sld xmlns:a="http://schemas.openxmlformats.org/drawingml/2006/main" xmlns:r="http://schemas.openxmlformats.org/officeDocument/2006/relationships" xmlns:p="http://schemas.openxmlformats.org/presentationml/2006/main">
   <p:cSld>
     <p:spTree>
@@ -3851,8 +7653,8 @@
         </p:nvSpPr>
         <p:spPr>
           <a:xfrm>
-            <a:off x="595745" y="1825625"/>
-            <a:ext cx="10758055" cy="4351338"/>
+            <a:off x="1251678" y="1825625"/>
+            <a:ext cx="10102122" cy="4351338"/>
           </a:xfrm>
         </p:spPr>
         <p:txBody>
@@ -3895,7 +7697,7 @@
 </p:sld>
 </file>
 
-<file path=ppt/slides/slide13.xml><?xml version="1.0" encoding="utf-8"?>
+<file path=ppt/slides/slide14.xml><?xml version="1.0" encoding="utf-8"?>
 <p:sld xmlns:a="http://schemas.openxmlformats.org/drawingml/2006/main" xmlns:r="http://schemas.openxmlformats.org/officeDocument/2006/relationships" xmlns:p="http://schemas.openxmlformats.org/presentationml/2006/main">
   <p:cSld>
     <p:spTree>
@@ -4034,7 +7836,7 @@
 </p:sld>
 </file>
 
-<file path=ppt/slides/slide14.xml><?xml version="1.0" encoding="utf-8"?>
+<file path=ppt/slides/slide15.xml><?xml version="1.0" encoding="utf-8"?>
 <p:sld xmlns:a="http://schemas.openxmlformats.org/drawingml/2006/main" xmlns:r="http://schemas.openxmlformats.org/officeDocument/2006/relationships" xmlns:p="http://schemas.openxmlformats.org/presentationml/2006/main">
   <p:cSld>
     <p:spTree>
@@ -4160,7 +7962,7 @@
           <p:cNvPr id="2" name="Title 1">
             <a:extLst>
               <a:ext uri="{FF2B5EF4-FFF2-40B4-BE49-F238E27FC236}">
-                <a16:creationId xmlns:a16="http://schemas.microsoft.com/office/drawing/2014/main" id="{348F69B1-4423-B94B-B21B-D8C3DF0C0159}"/>
+                <a16:creationId xmlns:a16="http://schemas.microsoft.com/office/drawing/2014/main" id="{DAF8EFA8-1CB1-6946-8BEB-B33E5B813393}"/>
               </a:ext>
             </a:extLst>
           </p:cNvPr>
@@ -4178,7 +7980,7 @@
           <a:p>
             <a:r>
               <a:rPr lang="en-US" dirty="0"/>
-              <a:t>New Libraries We’ll Be Working With</a:t>
+              <a:t>License and References</a:t>
             </a:r>
           </a:p>
         </p:txBody>
@@ -4188,7 +7990,7 @@
           <p:cNvPr id="3" name="Content Placeholder 2">
             <a:extLst>
               <a:ext uri="{FF2B5EF4-FFF2-40B4-BE49-F238E27FC236}">
-                <a16:creationId xmlns:a16="http://schemas.microsoft.com/office/drawing/2014/main" id="{EBFEFA64-623B-2849-8077-A1323B1D0712}"/>
+                <a16:creationId xmlns:a16="http://schemas.microsoft.com/office/drawing/2014/main" id="{CC4693E6-CE62-CE42-A686-57EC39829B63}"/>
               </a:ext>
             </a:extLst>
           </p:cNvPr>
@@ -4201,28 +8003,68 @@
         </p:nvSpPr>
         <p:spPr>
           <a:xfrm>
-            <a:off x="401782" y="1690688"/>
-            <a:ext cx="11485418" cy="4834803"/>
+            <a:off x="1114425" y="1557338"/>
+            <a:ext cx="10601325" cy="5041070"/>
           </a:xfrm>
         </p:spPr>
         <p:txBody>
-          <a:bodyPr>
-            <a:normAutofit fontScale="92500" lnSpcReduction="20000"/>
-          </a:bodyPr>
+          <a:bodyPr/>
           <a:lstStyle/>
           <a:p>
             <a:r>
               <a:rPr lang="en-US" dirty="0"/>
-              <a:t>Python has a number of useful build-in libraries</a:t>
-            </a:r>
-          </a:p>
-          <a:p>
+              <a:t>This work is licensed under a Creative Commons Attribution-</a:t>
+            </a:r>
+            <a:r>
+              <a:rPr lang="en-US" dirty="0" err="1"/>
+              <a:t>NonCommercial</a:t>
+            </a:r>
+            <a:r>
+              <a:rPr lang="en-US" dirty="0"/>
+              <a:t>-</a:t>
+            </a:r>
+            <a:r>
+              <a:rPr lang="en-US" dirty="0" err="1"/>
+              <a:t>ShareAlike</a:t>
+            </a:r>
+            <a:r>
+              <a:rPr lang="en-US" dirty="0"/>
+              <a:t> 4.0 International License</a:t>
+            </a:r>
+          </a:p>
+          <a:p>
+            <a:pPr lvl="1"/>
+            <a:r>
+              <a:rPr lang="en-US" dirty="0"/>
+              <a:t>Fore more details: </a:t>
+            </a:r>
+            <a:r>
+              <a:rPr lang="en-US" dirty="0">
+                <a:hlinkClick r:id="rId2"/>
+              </a:rPr>
+              <a:t>https://creativecommons.org/licenses/by-nc-sa/4.0/</a:t>
+            </a:r>
+            <a:r>
+              <a:rPr lang="en-US" dirty="0"/>
+              <a:t> </a:t>
+            </a:r>
+          </a:p>
+          <a:p>
+            <a:pPr lvl="1"/>
             <a:endParaRPr lang="en-US" dirty="0"/>
           </a:p>
           <a:p>
             <a:r>
               <a:rPr lang="en-US" dirty="0"/>
-              <a:t>But, the best scientific computing libraries were created by a community of volunteers</a:t>
+              <a:t>The author is indebted to the generosity of others who have provided example problems and datasets.  Where appropriate, external sources are cited both in the slides and in </a:t>
+            </a:r>
+            <a:r>
+              <a:rPr lang="en-US" dirty="0" err="1"/>
+              <a:t>Jupyter</a:t>
+            </a:r>
+            <a:r>
+              <a:rPr lang="en-US" dirty="0"/>
+              <a:t> Notebooks</a:t>
             </a:r>
           </a:p>
           <a:p>
@@ -4231,93 +8073,79 @@
           <a:p>
             <a:r>
               <a:rPr lang="en-US" dirty="0"/>
-              <a:t>The three most useful are</a:t>
-            </a:r>
-          </a:p>
-          <a:p>
-            <a:pPr marL="514350" indent="-514350">
-              <a:buFont typeface="+mj-lt"/>
-              <a:buAutoNum type="arabicPeriod"/>
-            </a:pPr>
+              <a:t>My university offering of this course has an introductory Python course as a prerequisite </a:t>
+            </a:r>
+          </a:p>
+          <a:p>
+            <a:r>
+              <a:rPr lang="en-US" dirty="0"/>
+              <a:t>That course uses</a:t>
+            </a:r>
+          </a:p>
+          <a:p>
+            <a:pPr lvl="1"/>
+            <a:r>
+              <a:rPr lang="en-US" dirty="0"/>
+              <a:t>Python Programming:  An Introduction to Computer Science 2010, 3rd Edition, John </a:t>
+            </a:r>
             <a:r>
               <a:rPr lang="en-US" dirty="0" err="1"/>
-              <a:t>Numpy</a:t>
-            </a:r>
+              <a:t>Zelle</a:t>
+            </a:r>
+            <a:r>
+              <a:rPr lang="en-US" dirty="0"/>
+              <a:t>, Franklin, Beedle &amp; Associates Inc., ISBN 9781590282755 </a:t>
+            </a:r>
+          </a:p>
+          <a:p>
+            <a:r>
+              <a:rPr lang="en-US" dirty="0"/>
+              <a:t>At times, example problems from that text will be cited</a:t>
+            </a:r>
+          </a:p>
+          <a:p>
             <a:endParaRPr lang="en-US" dirty="0"/>
           </a:p>
           <a:p>
-            <a:pPr marL="514350" indent="-514350">
-              <a:buFont typeface="+mj-lt"/>
-              <a:buAutoNum type="arabicPeriod"/>
-            </a:pPr>
-            <a:r>
-              <a:rPr lang="en-US" dirty="0" err="1"/>
-              <a:t>Scipy</a:t>
-            </a:r>
-            <a:endParaRPr lang="en-US" dirty="0"/>
-          </a:p>
-          <a:p>
-            <a:pPr marL="514350" indent="-514350">
-              <a:buFont typeface="+mj-lt"/>
-              <a:buAutoNum type="arabicPeriod"/>
-            </a:pPr>
-            <a:r>
-              <a:rPr lang="en-US" dirty="0"/>
-              <a:t>Matplotlib</a:t>
-            </a:r>
-          </a:p>
-          <a:p>
-            <a:pPr marL="514350" indent="-514350">
-              <a:buFont typeface="+mj-lt"/>
-              <a:buAutoNum type="arabicPeriod"/>
-            </a:pPr>
-            <a:endParaRPr lang="en-US" dirty="0"/>
-          </a:p>
-          <a:p>
-            <a:r>
-              <a:rPr lang="en-US" dirty="0"/>
-              <a:t>A close 4</a:t>
-            </a:r>
-            <a:r>
-              <a:rPr lang="en-US" baseline="30000" dirty="0"/>
-              <a:t>th</a:t>
-            </a:r>
-            <a:r>
-              <a:rPr lang="en-US" dirty="0"/>
-              <a:t> is </a:t>
-            </a:r>
-            <a:r>
-              <a:rPr lang="en-US" dirty="0" err="1"/>
-              <a:t>scikitlearn</a:t>
-            </a:r>
-            <a:r>
-              <a:rPr lang="en-US" dirty="0"/>
-              <a:t> – that’s AI-focused and bit more than we’ll need this semester</a:t>
-            </a:r>
-          </a:p>
-          <a:p>
-            <a:pPr marL="514350" indent="-514350">
-              <a:buFont typeface="+mj-lt"/>
-              <a:buAutoNum type="arabicPeriod"/>
-            </a:pPr>
-            <a:endParaRPr lang="en-US" dirty="0"/>
-          </a:p>
-          <a:p>
-            <a:pPr marL="514350" indent="-514350">
-              <a:buFont typeface="+mj-lt"/>
-              <a:buAutoNum type="arabicPeriod"/>
-            </a:pPr>
-            <a:endParaRPr lang="en-US" dirty="0"/>
-          </a:p>
-          <a:p>
+            <a:pPr lvl="1"/>
             <a:endParaRPr lang="en-US" dirty="0"/>
           </a:p>
         </p:txBody>
       </p:sp>
+      <p:pic>
+        <p:nvPicPr>
+          <p:cNvPr id="6" name="Picture 5">
+            <a:extLst>
+              <a:ext uri="{FF2B5EF4-FFF2-40B4-BE49-F238E27FC236}">
+                <a16:creationId xmlns:a16="http://schemas.microsoft.com/office/drawing/2014/main" id="{703F2722-B462-A640-96D9-E60E65557C76}"/>
+              </a:ext>
+            </a:extLst>
+          </p:cNvPr>
+          <p:cNvPicPr>
+            <a:picLocks noChangeAspect="1"/>
+          </p:cNvPicPr>
+          <p:nvPr/>
+        </p:nvPicPr>
+        <p:blipFill>
+          <a:blip r:embed="rId3"/>
+          <a:stretch>
+            <a:fillRect/>
+          </a:stretch>
+        </p:blipFill>
+        <p:spPr>
+          <a:xfrm>
+            <a:off x="8638315" y="325176"/>
+            <a:ext cx="2527377" cy="803275"/>
+          </a:xfrm>
+          <a:prstGeom prst="rect">
+            <a:avLst/>
+          </a:prstGeom>
+        </p:spPr>
+      </p:pic>
     </p:spTree>
     <p:extLst>
       <p:ext uri="{BB962C8B-B14F-4D97-AF65-F5344CB8AC3E}">
-        <p14:creationId xmlns:p14="http://schemas.microsoft.com/office/powerpoint/2010/main" val="1691621632"/>
+        <p14:creationId xmlns:p14="http://schemas.microsoft.com/office/powerpoint/2010/main" val="3993947062"/>
       </p:ext>
     </p:extLst>
   </p:cSld>
@@ -4367,7 +8195,7 @@
           <a:p>
             <a:r>
               <a:rPr lang="en-US" dirty="0"/>
-              <a:t>New Libraries We’ll Be Working With</a:t>
+              <a:t>Libraries We’ll Be Working With</a:t>
             </a:r>
           </a:p>
         </p:txBody>
@@ -4390,8 +8218,8 @@
         </p:nvSpPr>
         <p:spPr>
           <a:xfrm>
-            <a:off x="401782" y="1690688"/>
-            <a:ext cx="11485418" cy="4834803"/>
+            <a:off x="1123086" y="1690688"/>
+            <a:ext cx="10635522" cy="4834803"/>
           </a:xfrm>
         </p:spPr>
         <p:txBody>
@@ -4402,7 +8230,216 @@
           <a:p>
             <a:r>
               <a:rPr lang="en-US" dirty="0"/>
-              <a:t>The three most useful are</a:t>
+              <a:t>Python has a number of useful build-in libraries</a:t>
+            </a:r>
+          </a:p>
+          <a:p>
+            <a:endParaRPr lang="en-US" dirty="0"/>
+          </a:p>
+          <a:p>
+            <a:r>
+              <a:rPr lang="en-US" dirty="0"/>
+              <a:t>But, the best scientific computing libraries were created by a community of volunteers</a:t>
+            </a:r>
+          </a:p>
+          <a:p>
+            <a:endParaRPr lang="en-US" dirty="0"/>
+          </a:p>
+          <a:p>
+            <a:r>
+              <a:rPr lang="en-US" dirty="0"/>
+              <a:t>The four most useful (for our purposes) are</a:t>
+            </a:r>
+          </a:p>
+          <a:p>
+            <a:pPr marL="514350" indent="-514350">
+              <a:buFont typeface="+mj-lt"/>
+              <a:buAutoNum type="arabicPeriod"/>
+            </a:pPr>
+            <a:r>
+              <a:rPr lang="en-US" dirty="0"/>
+              <a:t>Pandas</a:t>
+            </a:r>
+          </a:p>
+          <a:p>
+            <a:pPr marL="514350" indent="-514350">
+              <a:buFont typeface="+mj-lt"/>
+              <a:buAutoNum type="arabicPeriod"/>
+            </a:pPr>
+            <a:r>
+              <a:rPr lang="en-US" dirty="0" err="1"/>
+              <a:t>Numpy</a:t>
+            </a:r>
+            <a:endParaRPr lang="en-US" dirty="0"/>
+          </a:p>
+          <a:p>
+            <a:pPr marL="514350" indent="-514350">
+              <a:buFont typeface="+mj-lt"/>
+              <a:buAutoNum type="arabicPeriod"/>
+            </a:pPr>
+            <a:r>
+              <a:rPr lang="en-US" dirty="0" err="1"/>
+              <a:t>Scipy</a:t>
+            </a:r>
+            <a:endParaRPr lang="en-US" dirty="0"/>
+          </a:p>
+          <a:p>
+            <a:pPr marL="514350" indent="-514350">
+              <a:buFont typeface="+mj-lt"/>
+              <a:buAutoNum type="arabicPeriod"/>
+            </a:pPr>
+            <a:r>
+              <a:rPr lang="en-US" dirty="0"/>
+              <a:t>Matplotlib</a:t>
+            </a:r>
+          </a:p>
+          <a:p>
+            <a:pPr marL="514350" indent="-514350">
+              <a:buFont typeface="+mj-lt"/>
+              <a:buAutoNum type="arabicPeriod"/>
+            </a:pPr>
+            <a:endParaRPr lang="en-US" dirty="0"/>
+          </a:p>
+          <a:p>
+            <a:r>
+              <a:rPr lang="en-US" dirty="0"/>
+              <a:t>A close 5</a:t>
+            </a:r>
+            <a:r>
+              <a:rPr lang="en-US" baseline="30000" dirty="0"/>
+              <a:t>th</a:t>
+            </a:r>
+            <a:r>
+              <a:rPr lang="en-US" dirty="0"/>
+              <a:t> is </a:t>
+            </a:r>
+            <a:r>
+              <a:rPr lang="en-US" dirty="0" err="1"/>
+              <a:t>scikitlearn</a:t>
+            </a:r>
+            <a:r>
+              <a:rPr lang="en-US" dirty="0"/>
+              <a:t> – that’s machine learning focused and more than we’ll need this semester</a:t>
+            </a:r>
+          </a:p>
+          <a:p>
+            <a:pPr marL="514350" indent="-514350">
+              <a:buFont typeface="+mj-lt"/>
+              <a:buAutoNum type="arabicPeriod"/>
+            </a:pPr>
+            <a:endParaRPr lang="en-US" dirty="0"/>
+          </a:p>
+          <a:p>
+            <a:pPr marL="514350" indent="-514350">
+              <a:buFont typeface="+mj-lt"/>
+              <a:buAutoNum type="arabicPeriod"/>
+            </a:pPr>
+            <a:endParaRPr lang="en-US" dirty="0"/>
+          </a:p>
+          <a:p>
+            <a:endParaRPr lang="en-US" dirty="0"/>
+          </a:p>
+        </p:txBody>
+      </p:sp>
+    </p:spTree>
+    <p:extLst>
+      <p:ext uri="{BB962C8B-B14F-4D97-AF65-F5344CB8AC3E}">
+        <p14:creationId xmlns:p14="http://schemas.microsoft.com/office/powerpoint/2010/main" val="1691621632"/>
+      </p:ext>
+    </p:extLst>
+  </p:cSld>
+  <p:clrMapOvr>
+    <a:masterClrMapping/>
+  </p:clrMapOvr>
+</p:sld>
+</file>
+
+<file path=ppt/slides/slide4.xml><?xml version="1.0" encoding="utf-8"?>
+<p:sld xmlns:a="http://schemas.openxmlformats.org/drawingml/2006/main" xmlns:r="http://schemas.openxmlformats.org/officeDocument/2006/relationships" xmlns:p="http://schemas.openxmlformats.org/presentationml/2006/main">
+  <p:cSld>
+    <p:spTree>
+      <p:nvGrpSpPr>
+        <p:cNvPr id="1" name=""/>
+        <p:cNvGrpSpPr/>
+        <p:nvPr/>
+      </p:nvGrpSpPr>
+      <p:grpSpPr>
+        <a:xfrm>
+          <a:off x="0" y="0"/>
+          <a:ext cx="0" cy="0"/>
+          <a:chOff x="0" y="0"/>
+          <a:chExt cx="0" cy="0"/>
+        </a:xfrm>
+      </p:grpSpPr>
+      <p:sp>
+        <p:nvSpPr>
+          <p:cNvPr id="2" name="Title 1">
+            <a:extLst>
+              <a:ext uri="{FF2B5EF4-FFF2-40B4-BE49-F238E27FC236}">
+                <a16:creationId xmlns:a16="http://schemas.microsoft.com/office/drawing/2014/main" id="{348F69B1-4423-B94B-B21B-D8C3DF0C0159}"/>
+              </a:ext>
+            </a:extLst>
+          </p:cNvPr>
+          <p:cNvSpPr>
+            <a:spLocks noGrp="1"/>
+          </p:cNvSpPr>
+          <p:nvPr>
+            <p:ph type="title"/>
+          </p:nvPr>
+        </p:nvSpPr>
+        <p:spPr/>
+        <p:txBody>
+          <a:bodyPr/>
+          <a:lstStyle/>
+          <a:p>
+            <a:r>
+              <a:rPr lang="en-US" dirty="0"/>
+              <a:t>Libraries We’ll Be Working With</a:t>
+            </a:r>
+          </a:p>
+        </p:txBody>
+      </p:sp>
+      <p:sp>
+        <p:nvSpPr>
+          <p:cNvPr id="3" name="Content Placeholder 2">
+            <a:extLst>
+              <a:ext uri="{FF2B5EF4-FFF2-40B4-BE49-F238E27FC236}">
+                <a16:creationId xmlns:a16="http://schemas.microsoft.com/office/drawing/2014/main" id="{EBFEFA64-623B-2849-8077-A1323B1D0712}"/>
+              </a:ext>
+            </a:extLst>
+          </p:cNvPr>
+          <p:cNvSpPr>
+            <a:spLocks noGrp="1"/>
+          </p:cNvSpPr>
+          <p:nvPr>
+            <p:ph idx="1"/>
+          </p:nvPr>
+        </p:nvSpPr>
+        <p:spPr>
+          <a:xfrm>
+            <a:off x="1128712" y="1690688"/>
+            <a:ext cx="10758487" cy="4834803"/>
+          </a:xfrm>
+        </p:spPr>
+        <p:txBody>
+          <a:bodyPr>
+            <a:normAutofit/>
+          </a:bodyPr>
+          <a:lstStyle/>
+          <a:p>
+            <a:r>
+              <a:rPr lang="en-US" dirty="0"/>
+              <a:t>The four most useful (for our purposes) are</a:t>
+            </a:r>
+          </a:p>
+          <a:p>
+            <a:pPr marL="514350" indent="-514350">
+              <a:buFont typeface="+mj-lt"/>
+              <a:buAutoNum type="arabicPeriod"/>
+            </a:pPr>
+            <a:r>
+              <a:rPr lang="en-US" dirty="0"/>
+              <a:t>Pandas</a:t>
             </a:r>
           </a:p>
           <a:p>
@@ -4497,7 +8534,7 @@
 </p:sld>
 </file>
 
-<file path=ppt/slides/slide4.xml><?xml version="1.0" encoding="utf-8"?>
+<file path=ppt/slides/slide5.xml><?xml version="1.0" encoding="utf-8"?>
 <p:sld xmlns:a="http://schemas.openxmlformats.org/drawingml/2006/main" xmlns:r="http://schemas.openxmlformats.org/officeDocument/2006/relationships" xmlns:p="http://schemas.openxmlformats.org/presentationml/2006/main">
   <p:cSld>
     <p:spTree>
@@ -4560,13 +8597,13 @@
         </p:nvSpPr>
         <p:spPr>
           <a:xfrm>
-            <a:off x="325582" y="1690688"/>
+            <a:off x="1054244" y="1906355"/>
             <a:ext cx="3775364" cy="418811"/>
           </a:xfrm>
         </p:spPr>
         <p:txBody>
           <a:bodyPr>
-            <a:normAutofit fontScale="92500" lnSpcReduction="10000"/>
+            <a:normAutofit/>
           </a:bodyPr>
           <a:lstStyle/>
           <a:p>
@@ -4599,7 +8636,7 @@
         </p:blipFill>
         <p:spPr>
           <a:xfrm>
-            <a:off x="4842164" y="2109498"/>
+            <a:off x="5370802" y="2605088"/>
             <a:ext cx="6249910" cy="1291648"/>
           </a:xfrm>
           <a:prstGeom prst="rect">
@@ -4629,7 +8666,7 @@
         </p:blipFill>
         <p:spPr>
           <a:xfrm>
-            <a:off x="325582" y="2219325"/>
+            <a:off x="1054244" y="2605088"/>
             <a:ext cx="3640335" cy="2255982"/>
           </a:xfrm>
           <a:prstGeom prst="rect">
@@ -4653,7 +8690,7 @@
         </p:nvSpPr>
         <p:spPr>
           <a:xfrm>
-            <a:off x="4939146" y="1690687"/>
+            <a:off x="5370802" y="1900093"/>
             <a:ext cx="3775364" cy="418811"/>
           </a:xfrm>
           <a:prstGeom prst="rect">
@@ -4849,7 +8886,7 @@
 </p:sld>
 </file>
 
-<file path=ppt/slides/slide5.xml><?xml version="1.0" encoding="utf-8"?>
+<file path=ppt/slides/slide6.xml><?xml version="1.0" encoding="utf-8"?>
 <p:sld xmlns:a="http://schemas.openxmlformats.org/drawingml/2006/main" xmlns:r="http://schemas.openxmlformats.org/officeDocument/2006/relationships" xmlns:p="http://schemas.openxmlformats.org/presentationml/2006/main">
   <p:cSld>
     <p:spTree>
@@ -4912,13 +8949,13 @@
         </p:nvSpPr>
         <p:spPr>
           <a:xfrm>
-            <a:off x="325582" y="1690688"/>
+            <a:off x="1054244" y="1906355"/>
             <a:ext cx="3775364" cy="418811"/>
           </a:xfrm>
         </p:spPr>
         <p:txBody>
           <a:bodyPr>
-            <a:normAutofit fontScale="92500" lnSpcReduction="10000"/>
+            <a:normAutofit/>
           </a:bodyPr>
           <a:lstStyle/>
           <a:p>
@@ -4951,7 +8988,7 @@
         </p:blipFill>
         <p:spPr>
           <a:xfrm>
-            <a:off x="4842164" y="2109498"/>
+            <a:off x="5370802" y="2605088"/>
             <a:ext cx="6249910" cy="1291648"/>
           </a:xfrm>
           <a:prstGeom prst="rect">
@@ -4981,7 +9018,7 @@
         </p:blipFill>
         <p:spPr>
           <a:xfrm>
-            <a:off x="325582" y="2219325"/>
+            <a:off x="1054244" y="2605088"/>
             <a:ext cx="3640335" cy="2255982"/>
           </a:xfrm>
           <a:prstGeom prst="rect">
@@ -5005,7 +9042,7 @@
         </p:nvSpPr>
         <p:spPr>
           <a:xfrm>
-            <a:off x="4939146" y="1690687"/>
+            <a:off x="5370802" y="1900093"/>
             <a:ext cx="3775364" cy="418811"/>
           </a:xfrm>
           <a:prstGeom prst="rect">
@@ -5193,7 +9230,7 @@
           <p:cNvPr id="7" name="TextBox 6">
             <a:extLst>
               <a:ext uri="{FF2B5EF4-FFF2-40B4-BE49-F238E27FC236}">
-                <a16:creationId xmlns:a16="http://schemas.microsoft.com/office/drawing/2014/main" id="{28B7AA7D-85F6-354F-B49E-42C4E1144F93}"/>
+                <a16:creationId xmlns:a16="http://schemas.microsoft.com/office/drawing/2014/main" id="{80748ED0-7663-2740-A545-08960D5EA620}"/>
               </a:ext>
             </a:extLst>
           </p:cNvPr>
@@ -5202,7 +9239,7 @@
         </p:nvSpPr>
         <p:spPr>
           <a:xfrm>
-            <a:off x="4475018" y="3837709"/>
+            <a:off x="5003656" y="4182920"/>
             <a:ext cx="6617056" cy="2492990"/>
           </a:xfrm>
           <a:prstGeom prst="rect">
@@ -5255,265 +9292,7 @@
     </p:spTree>
     <p:extLst>
       <p:ext uri="{BB962C8B-B14F-4D97-AF65-F5344CB8AC3E}">
-        <p14:creationId xmlns:p14="http://schemas.microsoft.com/office/powerpoint/2010/main" val="2265042970"/>
-      </p:ext>
-    </p:extLst>
-  </p:cSld>
-  <p:clrMapOvr>
-    <a:masterClrMapping/>
-  </p:clrMapOvr>
-</p:sld>
-</file>
-
-<file path=ppt/slides/slide6.xml><?xml version="1.0" encoding="utf-8"?>
-<p:sld xmlns:a="http://schemas.openxmlformats.org/drawingml/2006/main" xmlns:r="http://schemas.openxmlformats.org/officeDocument/2006/relationships" xmlns:p="http://schemas.openxmlformats.org/presentationml/2006/main">
-  <p:cSld>
-    <p:spTree>
-      <p:nvGrpSpPr>
-        <p:cNvPr id="1" name=""/>
-        <p:cNvGrpSpPr/>
-        <p:nvPr/>
-      </p:nvGrpSpPr>
-      <p:grpSpPr>
-        <a:xfrm>
-          <a:off x="0" y="0"/>
-          <a:ext cx="0" cy="0"/>
-          <a:chOff x="0" y="0"/>
-          <a:chExt cx="0" cy="0"/>
-        </a:xfrm>
-      </p:grpSpPr>
-      <p:sp>
-        <p:nvSpPr>
-          <p:cNvPr id="2" name="Title 1">
-            <a:extLst>
-              <a:ext uri="{FF2B5EF4-FFF2-40B4-BE49-F238E27FC236}">
-                <a16:creationId xmlns:a16="http://schemas.microsoft.com/office/drawing/2014/main" id="{3F080715-FAC9-804E-872F-11F8B9E7768A}"/>
-              </a:ext>
-            </a:extLst>
-          </p:cNvPr>
-          <p:cNvSpPr>
-            <a:spLocks noGrp="1"/>
-          </p:cNvSpPr>
-          <p:nvPr>
-            <p:ph type="title"/>
-          </p:nvPr>
-        </p:nvSpPr>
-        <p:spPr>
-          <a:xfrm>
-            <a:off x="838200" y="365125"/>
-            <a:ext cx="10515600" cy="660111"/>
-          </a:xfrm>
-        </p:spPr>
-        <p:txBody>
-          <a:bodyPr>
-            <a:normAutofit fontScale="90000"/>
-          </a:bodyPr>
-          <a:lstStyle/>
-          <a:p>
-            <a:r>
-              <a:rPr lang="en-US" dirty="0"/>
-              <a:t>Pandas</a:t>
-            </a:r>
-          </a:p>
-        </p:txBody>
-      </p:sp>
-      <p:sp>
-        <p:nvSpPr>
-          <p:cNvPr id="3" name="Content Placeholder 2">
-            <a:extLst>
-              <a:ext uri="{FF2B5EF4-FFF2-40B4-BE49-F238E27FC236}">
-                <a16:creationId xmlns:a16="http://schemas.microsoft.com/office/drawing/2014/main" id="{F327B647-629D-5843-9F00-F8E30A226C85}"/>
-              </a:ext>
-            </a:extLst>
-          </p:cNvPr>
-          <p:cNvSpPr>
-            <a:spLocks noGrp="1"/>
-          </p:cNvSpPr>
-          <p:nvPr>
-            <p:ph idx="1"/>
-          </p:nvPr>
-        </p:nvSpPr>
-        <p:spPr>
-          <a:xfrm>
-            <a:off x="360218" y="1343890"/>
-            <a:ext cx="10993582" cy="5264727"/>
-          </a:xfrm>
-        </p:spPr>
-        <p:txBody>
-          <a:bodyPr>
-            <a:normAutofit fontScale="62500" lnSpcReduction="20000"/>
-          </a:bodyPr>
-          <a:lstStyle/>
-          <a:p>
-            <a:r>
-              <a:rPr lang="en-US" dirty="0"/>
-              <a:t>When we use a library we not only need to import it, but we need to reference it when we use it</a:t>
-            </a:r>
-          </a:p>
-          <a:p>
-            <a:endParaRPr lang="en-US" dirty="0"/>
-          </a:p>
-          <a:p>
-            <a:pPr marL="0" indent="0">
-              <a:buNone/>
-            </a:pPr>
-            <a:r>
-              <a:rPr lang="en-US" dirty="0">
-                <a:latin typeface="Courier New" panose="02070309020205020404" pitchFamily="49" charset="0"/>
-                <a:cs typeface="Courier New" panose="02070309020205020404" pitchFamily="49" charset="0"/>
-              </a:rPr>
-              <a:t>import math</a:t>
-            </a:r>
-          </a:p>
-          <a:p>
-            <a:pPr marL="0" indent="0">
-              <a:buNone/>
-            </a:pPr>
-            <a:r>
-              <a:rPr lang="en-US" dirty="0">
-                <a:latin typeface="Courier New" panose="02070309020205020404" pitchFamily="49" charset="0"/>
-                <a:cs typeface="Courier New" panose="02070309020205020404" pitchFamily="49" charset="0"/>
-              </a:rPr>
-              <a:t>print(</a:t>
-            </a:r>
-            <a:r>
-              <a:rPr lang="en-US" dirty="0" err="1">
-                <a:latin typeface="Courier New" panose="02070309020205020404" pitchFamily="49" charset="0"/>
-                <a:cs typeface="Courier New" panose="02070309020205020404" pitchFamily="49" charset="0"/>
-              </a:rPr>
-              <a:t>math.pi</a:t>
-            </a:r>
-            <a:r>
-              <a:rPr lang="en-US" dirty="0">
-                <a:latin typeface="Courier New" panose="02070309020205020404" pitchFamily="49" charset="0"/>
-                <a:cs typeface="Courier New" panose="02070309020205020404" pitchFamily="49" charset="0"/>
-              </a:rPr>
-              <a:t>)</a:t>
-            </a:r>
-          </a:p>
-          <a:p>
-            <a:endParaRPr lang="en-US" dirty="0"/>
-          </a:p>
-          <a:p>
-            <a:r>
-              <a:rPr lang="en-US" dirty="0"/>
-              <a:t>This reminds Python that pi is part of the math library. It shouldn’t go looking for it somewhere else.</a:t>
-            </a:r>
-          </a:p>
-          <a:p>
-            <a:endParaRPr lang="en-US" b="1" dirty="0"/>
-          </a:p>
-          <a:p>
-            <a:r>
-              <a:rPr lang="en-US" dirty="0"/>
-              <a:t>If you don’t want to type the full name of the library you can use the </a:t>
-            </a:r>
-            <a:r>
-              <a:rPr lang="en-US" dirty="0">
-                <a:latin typeface="Courier New" panose="02070309020205020404" pitchFamily="49" charset="0"/>
-                <a:cs typeface="Courier New" panose="02070309020205020404" pitchFamily="49" charset="0"/>
-              </a:rPr>
-              <a:t>as</a:t>
-            </a:r>
-            <a:r>
-              <a:rPr lang="en-US" dirty="0"/>
-              <a:t> command to set up a shorthand</a:t>
-            </a:r>
-          </a:p>
-          <a:p>
-            <a:endParaRPr lang="en-US" b="1" dirty="0"/>
-          </a:p>
-          <a:p>
-            <a:pPr marL="0" indent="0">
-              <a:buNone/>
-            </a:pPr>
-            <a:r>
-              <a:rPr lang="en-US" dirty="0">
-                <a:latin typeface="Courier New" panose="02070309020205020404" pitchFamily="49" charset="0"/>
-                <a:cs typeface="Courier New" panose="02070309020205020404" pitchFamily="49" charset="0"/>
-              </a:rPr>
-              <a:t>import pandas as </a:t>
-            </a:r>
-            <a:r>
-              <a:rPr lang="en-US" dirty="0" err="1">
-                <a:latin typeface="Courier New" panose="02070309020205020404" pitchFamily="49" charset="0"/>
-                <a:cs typeface="Courier New" panose="02070309020205020404" pitchFamily="49" charset="0"/>
-              </a:rPr>
-              <a:t>pd</a:t>
-            </a:r>
-            <a:r>
-              <a:rPr lang="en-US" dirty="0">
-                <a:latin typeface="Courier New" panose="02070309020205020404" pitchFamily="49" charset="0"/>
-                <a:cs typeface="Courier New" panose="02070309020205020404" pitchFamily="49" charset="0"/>
-              </a:rPr>
-              <a:t> </a:t>
-            </a:r>
-          </a:p>
-          <a:p>
-            <a:pPr marL="0" indent="0">
-              <a:buNone/>
-            </a:pPr>
-            <a:endParaRPr lang="en-US" dirty="0">
-              <a:latin typeface="Courier New" panose="02070309020205020404" pitchFamily="49" charset="0"/>
-              <a:cs typeface="Courier New" panose="02070309020205020404" pitchFamily="49" charset="0"/>
-            </a:endParaRPr>
-          </a:p>
-          <a:p>
-            <a:r>
-              <a:rPr lang="en-US" dirty="0"/>
-              <a:t>Now instead of typing pandas.&lt;function name&gt; I can save some typing and do</a:t>
-            </a:r>
-          </a:p>
-          <a:p>
-            <a:pPr marL="0" indent="0">
-              <a:buNone/>
-            </a:pPr>
-            <a:r>
-              <a:rPr lang="en-US" dirty="0" err="1">
-                <a:latin typeface="Courier New" panose="02070309020205020404" pitchFamily="49" charset="0"/>
-                <a:cs typeface="Courier New" panose="02070309020205020404" pitchFamily="49" charset="0"/>
-              </a:rPr>
-              <a:t>pd.read_csv</a:t>
-            </a:r>
-            <a:r>
-              <a:rPr lang="en-US" dirty="0">
-                <a:latin typeface="Courier New" panose="02070309020205020404" pitchFamily="49" charset="0"/>
-                <a:cs typeface="Courier New" panose="02070309020205020404" pitchFamily="49" charset="0"/>
-              </a:rPr>
-              <a:t>()</a:t>
-            </a:r>
-          </a:p>
-          <a:p>
-            <a:pPr marL="0" indent="0">
-              <a:buNone/>
-            </a:pPr>
-            <a:endParaRPr lang="en-US" dirty="0">
-              <a:latin typeface="Courier New" panose="02070309020205020404" pitchFamily="49" charset="0"/>
-              <a:cs typeface="Courier New" panose="02070309020205020404" pitchFamily="49" charset="0"/>
-            </a:endParaRPr>
-          </a:p>
-          <a:p>
-            <a:r>
-              <a:rPr lang="en-US" dirty="0"/>
-              <a:t>This will really come in handy for long library names like matplotlib…</a:t>
-            </a:r>
-            <a:br>
-              <a:rPr lang="en-US" dirty="0"/>
-            </a:br>
-            <a:endParaRPr lang="en-US" dirty="0"/>
-          </a:p>
-          <a:p>
-            <a:endParaRPr lang="en-US" dirty="0"/>
-          </a:p>
-          <a:p>
-            <a:endParaRPr lang="en-US" dirty="0"/>
-          </a:p>
-        </p:txBody>
-      </p:sp>
-    </p:spTree>
-    <p:extLst>
-      <p:ext uri="{BB962C8B-B14F-4D97-AF65-F5344CB8AC3E}">
-        <p14:creationId xmlns:p14="http://schemas.microsoft.com/office/powerpoint/2010/main" val="981906893"/>
+        <p14:creationId xmlns:p14="http://schemas.microsoft.com/office/powerpoint/2010/main" val="3369736760"/>
       </p:ext>
     </p:extLst>
   </p:cSld>
@@ -5556,9 +9335,16 @@
             <p:ph type="title"/>
           </p:nvPr>
         </p:nvSpPr>
-        <p:spPr/>
+        <p:spPr>
+          <a:xfrm>
+            <a:off x="1042988" y="365125"/>
+            <a:ext cx="10310812" cy="660111"/>
+          </a:xfrm>
+        </p:spPr>
         <p:txBody>
-          <a:bodyPr/>
+          <a:bodyPr>
+            <a:normAutofit fontScale="90000"/>
+          </a:bodyPr>
           <a:lstStyle/>
           <a:p>
             <a:r>
@@ -5586,79 +9372,174 @@
         </p:nvSpPr>
         <p:spPr>
           <a:xfrm>
-            <a:off x="360218" y="1690688"/>
-            <a:ext cx="10993582" cy="4486275"/>
+            <a:off x="1042988" y="1343890"/>
+            <a:ext cx="10310812" cy="5264727"/>
           </a:xfrm>
         </p:spPr>
         <p:txBody>
           <a:bodyPr>
-            <a:normAutofit lnSpcReduction="10000"/>
+            <a:normAutofit fontScale="85000" lnSpcReduction="20000"/>
           </a:bodyPr>
           <a:lstStyle/>
           <a:p>
             <a:r>
               <a:rPr lang="en-US" dirty="0"/>
-              <a:t>Pandas simplifies getting data into Python</a:t>
+              <a:t>When we use a library we not only need to import it, but we need to reference it when we use it</a:t>
             </a:r>
           </a:p>
           <a:p>
             <a:endParaRPr lang="en-US" dirty="0"/>
           </a:p>
           <a:p>
-            <a:r>
-              <a:rPr lang="en-US" dirty="0"/>
-              <a:t>Lots of data comes in text files with rows and columns</a:t>
-            </a:r>
-          </a:p>
-          <a:p>
-            <a:r>
-              <a:rPr lang="en-US" dirty="0"/>
-              <a:t>There’s a special character that separates the columns</a:t>
-            </a:r>
-          </a:p>
-          <a:p>
-            <a:pPr lvl="1"/>
-            <a:r>
-              <a:rPr lang="en-US" dirty="0"/>
-              <a:t>CSV = Comma Separated Variable</a:t>
-            </a:r>
-          </a:p>
-          <a:p>
-            <a:pPr lvl="1"/>
-            <a:r>
-              <a:rPr lang="en-US" dirty="0"/>
-              <a:t>TSV = Tab Separated Variable</a:t>
-            </a:r>
-          </a:p>
-          <a:p>
-            <a:pPr lvl="1"/>
-            <a:endParaRPr lang="en-US" dirty="0"/>
-          </a:p>
-          <a:p>
-            <a:r>
-              <a:rPr lang="en-US" dirty="0"/>
-              <a:t>Pandas has easy to use functions for reading this type of data</a:t>
-            </a:r>
-          </a:p>
-          <a:p>
-            <a:r>
-              <a:rPr lang="en-US" dirty="0"/>
-              <a:t>They’re build on top of Python’s </a:t>
-            </a:r>
+            <a:pPr marL="0" indent="0">
+              <a:buNone/>
+            </a:pPr>
             <a:r>
               <a:rPr lang="en-US" dirty="0">
                 <a:latin typeface="Courier New" panose="02070309020205020404" pitchFamily="49" charset="0"/>
                 <a:cs typeface="Courier New" panose="02070309020205020404" pitchFamily="49" charset="0"/>
               </a:rPr>
-              <a:t>open</a:t>
-            </a:r>
+              <a:t>import math</a:t>
+            </a:r>
+          </a:p>
+          <a:p>
+            <a:pPr marL="0" indent="0">
+              <a:buNone/>
+            </a:pPr>
+            <a:r>
+              <a:rPr lang="en-US" dirty="0">
+                <a:latin typeface="Courier New" panose="02070309020205020404" pitchFamily="49" charset="0"/>
+                <a:cs typeface="Courier New" panose="02070309020205020404" pitchFamily="49" charset="0"/>
+              </a:rPr>
+              <a:t>print(</a:t>
+            </a:r>
+            <a:r>
+              <a:rPr lang="en-US" dirty="0" err="1">
+                <a:latin typeface="Courier New" panose="02070309020205020404" pitchFamily="49" charset="0"/>
+                <a:cs typeface="Courier New" panose="02070309020205020404" pitchFamily="49" charset="0"/>
+              </a:rPr>
+              <a:t>math.pi</a:t>
+            </a:r>
+            <a:r>
+              <a:rPr lang="en-US" dirty="0">
+                <a:latin typeface="Courier New" panose="02070309020205020404" pitchFamily="49" charset="0"/>
+                <a:cs typeface="Courier New" panose="02070309020205020404" pitchFamily="49" charset="0"/>
+              </a:rPr>
+              <a:t>)</a:t>
+            </a:r>
+          </a:p>
+          <a:p>
+            <a:endParaRPr lang="en-US" dirty="0"/>
+          </a:p>
+          <a:p>
             <a:r>
               <a:rPr lang="en-US" dirty="0"/>
-              <a:t> function </a:t>
+              <a:t>This reminds Python that pi is part of the math library. It shouldn’t go looking for it somewhere else.</a:t>
+            </a:r>
+          </a:p>
+          <a:p>
+            <a:endParaRPr lang="en-US" b="1" dirty="0"/>
+          </a:p>
+          <a:p>
+            <a:r>
+              <a:rPr lang="en-US" dirty="0"/>
+              <a:t>If you don’t want to type the full name of the library you can use the </a:t>
+            </a:r>
+            <a:r>
+              <a:rPr lang="en-US" dirty="0">
+                <a:latin typeface="Courier New" panose="02070309020205020404" pitchFamily="49" charset="0"/>
+                <a:cs typeface="Courier New" panose="02070309020205020404" pitchFamily="49" charset="0"/>
+              </a:rPr>
+              <a:t>as</a:t>
+            </a:r>
+            <a:r>
+              <a:rPr lang="en-US" dirty="0"/>
+              <a:t> command to set up a shorthand</a:t>
+            </a:r>
+          </a:p>
+          <a:p>
+            <a:endParaRPr lang="en-US" b="1" dirty="0"/>
+          </a:p>
+          <a:p>
+            <a:pPr marL="0" indent="0">
+              <a:buNone/>
+            </a:pPr>
+            <a:r>
+              <a:rPr lang="en-US" dirty="0">
+                <a:latin typeface="Courier New" panose="02070309020205020404" pitchFamily="49" charset="0"/>
+                <a:cs typeface="Courier New" panose="02070309020205020404" pitchFamily="49" charset="0"/>
+              </a:rPr>
+              <a:t>import pandas as </a:t>
+            </a:r>
+            <a:r>
+              <a:rPr lang="en-US" dirty="0" err="1">
+                <a:latin typeface="Courier New" panose="02070309020205020404" pitchFamily="49" charset="0"/>
+                <a:cs typeface="Courier New" panose="02070309020205020404" pitchFamily="49" charset="0"/>
+              </a:rPr>
+              <a:t>pd</a:t>
+            </a:r>
+            <a:r>
+              <a:rPr lang="en-US" dirty="0">
+                <a:latin typeface="Courier New" panose="02070309020205020404" pitchFamily="49" charset="0"/>
+                <a:cs typeface="Courier New" panose="02070309020205020404" pitchFamily="49" charset="0"/>
+              </a:rPr>
+              <a:t> </a:t>
+            </a:r>
+          </a:p>
+          <a:p>
+            <a:pPr marL="0" indent="0">
+              <a:buNone/>
+            </a:pPr>
+            <a:endParaRPr lang="en-US" dirty="0">
+              <a:latin typeface="Courier New" panose="02070309020205020404" pitchFamily="49" charset="0"/>
+              <a:cs typeface="Courier New" panose="02070309020205020404" pitchFamily="49" charset="0"/>
+            </a:endParaRPr>
+          </a:p>
+          <a:p>
+            <a:r>
+              <a:rPr lang="en-US" dirty="0"/>
+              <a:t>Now instead of typing pandas.&lt;function name&gt; I can save some typing and do</a:t>
+            </a:r>
+          </a:p>
+          <a:p>
+            <a:pPr marL="0" indent="0">
+              <a:buNone/>
+            </a:pPr>
+            <a:r>
+              <a:rPr lang="en-US" dirty="0" err="1">
+                <a:latin typeface="Courier New" panose="02070309020205020404" pitchFamily="49" charset="0"/>
+                <a:cs typeface="Courier New" panose="02070309020205020404" pitchFamily="49" charset="0"/>
+              </a:rPr>
+              <a:t>pd.read_csv</a:t>
+            </a:r>
+            <a:r>
+              <a:rPr lang="en-US" dirty="0">
+                <a:latin typeface="Courier New" panose="02070309020205020404" pitchFamily="49" charset="0"/>
+                <a:cs typeface="Courier New" panose="02070309020205020404" pitchFamily="49" charset="0"/>
+              </a:rPr>
+              <a:t>()</a:t>
+            </a:r>
+          </a:p>
+          <a:p>
+            <a:pPr marL="0" indent="0">
+              <a:buNone/>
+            </a:pPr>
+            <a:endParaRPr lang="en-US" dirty="0">
+              <a:latin typeface="Courier New" panose="02070309020205020404" pitchFamily="49" charset="0"/>
+              <a:cs typeface="Courier New" panose="02070309020205020404" pitchFamily="49" charset="0"/>
+            </a:endParaRPr>
+          </a:p>
+          <a:p>
+            <a:r>
+              <a:rPr lang="en-US" dirty="0"/>
+              <a:t>This will really come in handy for long library names like matplotlib…</a:t>
             </a:r>
             <a:br>
               <a:rPr lang="en-US" dirty="0"/>
             </a:br>
+            <a:endParaRPr lang="en-US" dirty="0"/>
+          </a:p>
+          <a:p>
             <a:endParaRPr lang="en-US" dirty="0"/>
           </a:p>
           <a:p>
@@ -5669,7 +9550,7 @@
     </p:spTree>
     <p:extLst>
       <p:ext uri="{BB962C8B-B14F-4D97-AF65-F5344CB8AC3E}">
-        <p14:creationId xmlns:p14="http://schemas.microsoft.com/office/powerpoint/2010/main" val="1307052099"/>
+        <p14:creationId xmlns:p14="http://schemas.microsoft.com/office/powerpoint/2010/main" val="981906893"/>
       </p:ext>
     </p:extLst>
   </p:cSld>
@@ -5742,271 +9623,76 @@
         </p:nvSpPr>
         <p:spPr>
           <a:xfrm>
-            <a:off x="360218" y="1704543"/>
-            <a:ext cx="10993582" cy="4848657"/>
+            <a:off x="1251678" y="1690688"/>
+            <a:ext cx="10102122" cy="4486275"/>
           </a:xfrm>
         </p:spPr>
         <p:txBody>
           <a:bodyPr>
-            <a:normAutofit fontScale="85000" lnSpcReduction="20000"/>
+            <a:normAutofit/>
           </a:bodyPr>
           <a:lstStyle/>
           <a:p>
-            <a:pPr marL="0" indent="0">
-              <a:buNone/>
-            </a:pPr>
+            <a:r>
+              <a:rPr lang="en-US" dirty="0"/>
+              <a:t>Pandas simplifies getting data into Python</a:t>
+            </a:r>
+          </a:p>
+          <a:p>
+            <a:endParaRPr lang="en-US" dirty="0"/>
+          </a:p>
+          <a:p>
+            <a:r>
+              <a:rPr lang="en-US" dirty="0"/>
+              <a:t>Lots of data comes in text files with rows and columns</a:t>
+            </a:r>
+          </a:p>
+          <a:p>
+            <a:r>
+              <a:rPr lang="en-US" dirty="0"/>
+              <a:t>There’s a special character that separates the columns</a:t>
+            </a:r>
+          </a:p>
+          <a:p>
+            <a:pPr lvl="1"/>
+            <a:r>
+              <a:rPr lang="en-US" dirty="0"/>
+              <a:t>CSV = Comma Separated Variable</a:t>
+            </a:r>
+          </a:p>
+          <a:p>
+            <a:pPr lvl="1"/>
+            <a:r>
+              <a:rPr lang="en-US" dirty="0"/>
+              <a:t>TSV = Tab Separated Variable</a:t>
+            </a:r>
+          </a:p>
+          <a:p>
+            <a:pPr lvl="1"/>
+            <a:endParaRPr lang="en-US" dirty="0"/>
+          </a:p>
+          <a:p>
+            <a:r>
+              <a:rPr lang="en-US" dirty="0"/>
+              <a:t>Pandas has easy to use functions for reading this type of data</a:t>
+            </a:r>
+          </a:p>
+          <a:p>
+            <a:r>
+              <a:rPr lang="en-US" dirty="0"/>
+              <a:t>They’re build on top of Python’s </a:t>
+            </a:r>
             <a:r>
               <a:rPr lang="en-US" dirty="0">
                 <a:latin typeface="Courier New" panose="02070309020205020404" pitchFamily="49" charset="0"/>
                 <a:cs typeface="Courier New" panose="02070309020205020404" pitchFamily="49" charset="0"/>
               </a:rPr>
-              <a:t>import pandas as </a:t>
-            </a:r>
-            <a:r>
-              <a:rPr lang="en-US" dirty="0" err="1">
-                <a:latin typeface="Courier New" panose="02070309020205020404" pitchFamily="49" charset="0"/>
-                <a:cs typeface="Courier New" panose="02070309020205020404" pitchFamily="49" charset="0"/>
-              </a:rPr>
-              <a:t>pd</a:t>
-            </a:r>
-            <a:endParaRPr lang="en-US" dirty="0">
-              <a:latin typeface="Courier New" panose="02070309020205020404" pitchFamily="49" charset="0"/>
-              <a:cs typeface="Courier New" panose="02070309020205020404" pitchFamily="49" charset="0"/>
-            </a:endParaRPr>
-          </a:p>
-          <a:p>
-            <a:pPr marL="0" indent="0">
-              <a:buNone/>
-            </a:pPr>
-            <a:r>
-              <a:rPr lang="en-US" dirty="0">
-                <a:latin typeface="Courier New" panose="02070309020205020404" pitchFamily="49" charset="0"/>
-                <a:cs typeface="Courier New" panose="02070309020205020404" pitchFamily="49" charset="0"/>
-              </a:rPr>
-              <a:t>data = </a:t>
-            </a:r>
-            <a:r>
-              <a:rPr lang="en-US" dirty="0" err="1">
-                <a:latin typeface="Courier New" panose="02070309020205020404" pitchFamily="49" charset="0"/>
-                <a:cs typeface="Courier New" panose="02070309020205020404" pitchFamily="49" charset="0"/>
-              </a:rPr>
-              <a:t>pd.read_csv</a:t>
-            </a:r>
-            <a:r>
-              <a:rPr lang="en-US" dirty="0">
-                <a:latin typeface="Courier New" panose="02070309020205020404" pitchFamily="49" charset="0"/>
-                <a:cs typeface="Courier New" panose="02070309020205020404" pitchFamily="49" charset="0"/>
-              </a:rPr>
-              <a:t>(‘</a:t>
-            </a:r>
-            <a:r>
-              <a:rPr lang="en-US" dirty="0" err="1">
-                <a:latin typeface="Courier New" panose="02070309020205020404" pitchFamily="49" charset="0"/>
-                <a:cs typeface="Courier New" panose="02070309020205020404" pitchFamily="49" charset="0"/>
-              </a:rPr>
-              <a:t>filename.csv</a:t>
-            </a:r>
-            <a:r>
-              <a:rPr lang="en-US" dirty="0">
-                <a:latin typeface="Courier New" panose="02070309020205020404" pitchFamily="49" charset="0"/>
-                <a:cs typeface="Courier New" panose="02070309020205020404" pitchFamily="49" charset="0"/>
-              </a:rPr>
-              <a:t>’)</a:t>
-            </a:r>
-          </a:p>
-          <a:p>
-            <a:pPr marL="0" indent="0">
-              <a:buNone/>
-            </a:pPr>
-            <a:endParaRPr lang="en-US" dirty="0"/>
-          </a:p>
-          <a:p>
+              <a:t>open</a:t>
+            </a:r>
             <a:r>
               <a:rPr lang="en-US" dirty="0"/>
-              <a:t>This function can also work with URLs. You don’t need the file locally</a:t>
-            </a:r>
-          </a:p>
-          <a:p>
-            <a:pPr marL="0" indent="0">
-              <a:buNone/>
-            </a:pPr>
-            <a:r>
-              <a:rPr lang="en-US" dirty="0" err="1">
-                <a:latin typeface="Courier New" panose="02070309020205020404" pitchFamily="49" charset="0"/>
-                <a:cs typeface="Courier New" panose="02070309020205020404" pitchFamily="49" charset="0"/>
-              </a:rPr>
-              <a:t>url</a:t>
-            </a:r>
-            <a:r>
-              <a:rPr lang="en-US" dirty="0">
-                <a:latin typeface="Courier New" panose="02070309020205020404" pitchFamily="49" charset="0"/>
-                <a:cs typeface="Courier New" panose="02070309020205020404" pitchFamily="49" charset="0"/>
-              </a:rPr>
-              <a:t> = 'http://</a:t>
-            </a:r>
-            <a:r>
-              <a:rPr lang="en-US" dirty="0" err="1">
-                <a:latin typeface="Courier New" panose="02070309020205020404" pitchFamily="49" charset="0"/>
-                <a:cs typeface="Courier New" panose="02070309020205020404" pitchFamily="49" charset="0"/>
-              </a:rPr>
-              <a:t>website.com</a:t>
-            </a:r>
-            <a:r>
-              <a:rPr lang="en-US" dirty="0">
-                <a:latin typeface="Courier New" panose="02070309020205020404" pitchFamily="49" charset="0"/>
-                <a:cs typeface="Courier New" panose="02070309020205020404" pitchFamily="49" charset="0"/>
-              </a:rPr>
-              <a:t>/datasets/</a:t>
-            </a:r>
-            <a:r>
-              <a:rPr lang="en-US" dirty="0" err="1">
-                <a:latin typeface="Courier New" panose="02070309020205020404" pitchFamily="49" charset="0"/>
-                <a:cs typeface="Courier New" panose="02070309020205020404" pitchFamily="49" charset="0"/>
-              </a:rPr>
-              <a:t>weekly.csv</a:t>
-            </a:r>
-            <a:r>
-              <a:rPr lang="en-US" dirty="0">
-                <a:latin typeface="Courier New" panose="02070309020205020404" pitchFamily="49" charset="0"/>
-                <a:cs typeface="Courier New" panose="02070309020205020404" pitchFamily="49" charset="0"/>
-              </a:rPr>
-              <a:t>’ </a:t>
-            </a:r>
-          </a:p>
-          <a:p>
-            <a:pPr marL="0" indent="0">
-              <a:buNone/>
-            </a:pPr>
-            <a:r>
-              <a:rPr lang="en-US" dirty="0" err="1">
-                <a:latin typeface="Courier New" panose="02070309020205020404" pitchFamily="49" charset="0"/>
-                <a:cs typeface="Courier New" panose="02070309020205020404" pitchFamily="49" charset="0"/>
-              </a:rPr>
-              <a:t>df</a:t>
-            </a:r>
-            <a:r>
-              <a:rPr lang="en-US" dirty="0">
-                <a:latin typeface="Courier New" panose="02070309020205020404" pitchFamily="49" charset="0"/>
-                <a:cs typeface="Courier New" panose="02070309020205020404" pitchFamily="49" charset="0"/>
-              </a:rPr>
-              <a:t> = </a:t>
-            </a:r>
-            <a:r>
-              <a:rPr lang="en-US" dirty="0" err="1">
-                <a:latin typeface="Courier New" panose="02070309020205020404" pitchFamily="49" charset="0"/>
-                <a:cs typeface="Courier New" panose="02070309020205020404" pitchFamily="49" charset="0"/>
-              </a:rPr>
-              <a:t>pd.read_csv</a:t>
-            </a:r>
-            <a:r>
-              <a:rPr lang="en-US" dirty="0">
-                <a:latin typeface="Courier New" panose="02070309020205020404" pitchFamily="49" charset="0"/>
-                <a:cs typeface="Courier New" panose="02070309020205020404" pitchFamily="49" charset="0"/>
-              </a:rPr>
-              <a:t>(</a:t>
-            </a:r>
-            <a:r>
-              <a:rPr lang="en-US" dirty="0" err="1">
-                <a:latin typeface="Courier New" panose="02070309020205020404" pitchFamily="49" charset="0"/>
-                <a:cs typeface="Courier New" panose="02070309020205020404" pitchFamily="49" charset="0"/>
-              </a:rPr>
-              <a:t>url</a:t>
-            </a:r>
-            <a:r>
-              <a:rPr lang="en-US" dirty="0">
-                <a:latin typeface="Courier New" panose="02070309020205020404" pitchFamily="49" charset="0"/>
-                <a:cs typeface="Courier New" panose="02070309020205020404" pitchFamily="49" charset="0"/>
-              </a:rPr>
-              <a:t>)</a:t>
-            </a:r>
-          </a:p>
-          <a:p>
-            <a:pPr marL="0" indent="0">
-              <a:buNone/>
-            </a:pPr>
-            <a:endParaRPr lang="en-US" dirty="0"/>
-          </a:p>
-          <a:p>
-            <a:r>
-              <a:rPr lang="en-US" dirty="0"/>
-              <a:t>This function assumes the columns are separated by a comma</a:t>
-            </a:r>
-          </a:p>
-          <a:p>
-            <a:r>
-              <a:rPr lang="en-US" dirty="0"/>
-              <a:t>If something else, then use the </a:t>
-            </a:r>
-            <a:r>
-              <a:rPr lang="en-US" dirty="0" err="1">
-                <a:latin typeface="Courier New" panose="02070309020205020404" pitchFamily="49" charset="0"/>
-                <a:cs typeface="Courier New" panose="02070309020205020404" pitchFamily="49" charset="0"/>
-              </a:rPr>
-              <a:t>sep</a:t>
-            </a:r>
-            <a:r>
-              <a:rPr lang="en-US" dirty="0"/>
-              <a:t> input</a:t>
-            </a:r>
-          </a:p>
-          <a:p>
-            <a:pPr marL="0" indent="0">
-              <a:buNone/>
-            </a:pPr>
-            <a:r>
-              <a:rPr lang="en-US" dirty="0">
-                <a:latin typeface="Courier New" panose="02070309020205020404" pitchFamily="49" charset="0"/>
-                <a:cs typeface="Courier New" panose="02070309020205020404" pitchFamily="49" charset="0"/>
-              </a:rPr>
-              <a:t>d = </a:t>
-            </a:r>
-            <a:r>
-              <a:rPr lang="en-US" dirty="0" err="1">
-                <a:latin typeface="Courier New" panose="02070309020205020404" pitchFamily="49" charset="0"/>
-                <a:cs typeface="Courier New" panose="02070309020205020404" pitchFamily="49" charset="0"/>
-              </a:rPr>
-              <a:t>pd.read_csv</a:t>
-            </a:r>
-            <a:r>
-              <a:rPr lang="en-US" dirty="0">
-                <a:latin typeface="Courier New" panose="02070309020205020404" pitchFamily="49" charset="0"/>
-                <a:cs typeface="Courier New" panose="02070309020205020404" pitchFamily="49" charset="0"/>
-              </a:rPr>
-              <a:t>('~/Desktop/</a:t>
-            </a:r>
-            <a:r>
-              <a:rPr lang="en-US" dirty="0" err="1">
-                <a:latin typeface="Courier New" panose="02070309020205020404" pitchFamily="49" charset="0"/>
-                <a:cs typeface="Courier New" panose="02070309020205020404" pitchFamily="49" charset="0"/>
-              </a:rPr>
-              <a:t>products.tsv</a:t>
-            </a:r>
-            <a:r>
-              <a:rPr lang="en-US" dirty="0">
-                <a:latin typeface="Courier New" panose="02070309020205020404" pitchFamily="49" charset="0"/>
-                <a:cs typeface="Courier New" panose="02070309020205020404" pitchFamily="49" charset="0"/>
-              </a:rPr>
-              <a:t>', </a:t>
-            </a:r>
-            <a:r>
-              <a:rPr lang="en-US" dirty="0" err="1">
-                <a:latin typeface="Courier New" panose="02070309020205020404" pitchFamily="49" charset="0"/>
-                <a:cs typeface="Courier New" panose="02070309020205020404" pitchFamily="49" charset="0"/>
-              </a:rPr>
-              <a:t>sep</a:t>
-            </a:r>
-            <a:r>
-              <a:rPr lang="en-US" dirty="0">
-                <a:latin typeface="Courier New" panose="02070309020205020404" pitchFamily="49" charset="0"/>
-                <a:cs typeface="Courier New" panose="02070309020205020404" pitchFamily="49" charset="0"/>
-              </a:rPr>
-              <a:t>='\t’) </a:t>
-            </a:r>
-          </a:p>
-          <a:p>
-            <a:pPr marL="0" indent="0">
-              <a:buNone/>
-            </a:pPr>
+              <a:t> function </a:t>
+            </a:r>
             <a:br>
               <a:rPr lang="en-US" dirty="0"/>
             </a:br>
@@ -6020,7 +9706,7 @@
     </p:spTree>
     <p:extLst>
       <p:ext uri="{BB962C8B-B14F-4D97-AF65-F5344CB8AC3E}">
-        <p14:creationId xmlns:p14="http://schemas.microsoft.com/office/powerpoint/2010/main" val="2264636944"/>
+        <p14:creationId xmlns:p14="http://schemas.microsoft.com/office/powerpoint/2010/main" val="1307052099"/>
       </p:ext>
     </p:extLst>
   </p:cSld>
@@ -6063,12 +9749,7 @@
             <p:ph type="title"/>
           </p:nvPr>
         </p:nvSpPr>
-        <p:spPr>
-          <a:xfrm>
-            <a:off x="838200" y="365126"/>
-            <a:ext cx="10515600" cy="1145020"/>
-          </a:xfrm>
-        </p:spPr>
+        <p:spPr/>
         <p:txBody>
           <a:bodyPr/>
           <a:lstStyle/>
@@ -6098,36 +9779,15 @@
         </p:nvSpPr>
         <p:spPr>
           <a:xfrm>
-            <a:off x="415635" y="1648691"/>
-            <a:ext cx="11305310" cy="4528272"/>
+            <a:off x="1143000" y="1704543"/>
+            <a:ext cx="10210800" cy="4848657"/>
           </a:xfrm>
         </p:spPr>
         <p:txBody>
           <a:bodyPr>
-            <a:normAutofit/>
+            <a:normAutofit lnSpcReduction="10000"/>
           </a:bodyPr>
           <a:lstStyle/>
-          <a:p>
-            <a:r>
-              <a:rPr lang="en-US" dirty="0"/>
-              <a:t>So we’ve read in some data. Now what…</a:t>
-            </a:r>
-          </a:p>
-          <a:p>
-            <a:endParaRPr lang="en-US" dirty="0"/>
-          </a:p>
-          <a:p>
-            <a:r>
-              <a:rPr lang="en-US" dirty="0"/>
-              <a:t>Try calling the head() function to list all the columns and get a sample of the rows</a:t>
-            </a:r>
-          </a:p>
-          <a:p>
-            <a:pPr marL="0" indent="0">
-              <a:buNone/>
-            </a:pPr>
-            <a:endParaRPr lang="en-US" dirty="0"/>
-          </a:p>
           <a:p>
             <a:pPr marL="0" indent="0">
               <a:buNone/>
@@ -6160,21 +9820,170 @@
                 <a:latin typeface="Courier New" panose="02070309020205020404" pitchFamily="49" charset="0"/>
                 <a:cs typeface="Courier New" panose="02070309020205020404" pitchFamily="49" charset="0"/>
               </a:rPr>
-              <a:t>import </a:t>
+              <a:t>data = </a:t>
             </a:r>
             <a:r>
               <a:rPr lang="en-US" dirty="0" err="1">
                 <a:latin typeface="Courier New" panose="02070309020205020404" pitchFamily="49" charset="0"/>
                 <a:cs typeface="Courier New" panose="02070309020205020404" pitchFamily="49" charset="0"/>
               </a:rPr>
-              <a:t>numpy</a:t>
+              <a:t>pd.read_csv</a:t>
             </a:r>
             <a:r>
               <a:rPr lang="en-US" dirty="0">
                 <a:latin typeface="Courier New" panose="02070309020205020404" pitchFamily="49" charset="0"/>
                 <a:cs typeface="Courier New" panose="02070309020205020404" pitchFamily="49" charset="0"/>
               </a:rPr>
-              <a:t> as np</a:t>
+              <a:t>(‘</a:t>
+            </a:r>
+            <a:r>
+              <a:rPr lang="en-US" dirty="0" err="1">
+                <a:latin typeface="Courier New" panose="02070309020205020404" pitchFamily="49" charset="0"/>
+                <a:cs typeface="Courier New" panose="02070309020205020404" pitchFamily="49" charset="0"/>
+              </a:rPr>
+              <a:t>filename.csv</a:t>
+            </a:r>
+            <a:r>
+              <a:rPr lang="en-US" dirty="0">
+                <a:latin typeface="Courier New" panose="02070309020205020404" pitchFamily="49" charset="0"/>
+                <a:cs typeface="Courier New" panose="02070309020205020404" pitchFamily="49" charset="0"/>
+              </a:rPr>
+              <a:t>’)</a:t>
+            </a:r>
+          </a:p>
+          <a:p>
+            <a:pPr marL="0" indent="0">
+              <a:buNone/>
+            </a:pPr>
+            <a:endParaRPr lang="en-US" dirty="0"/>
+          </a:p>
+          <a:p>
+            <a:r>
+              <a:rPr lang="en-US" dirty="0"/>
+              <a:t>This function can also work with URLs. You don’t need the file locally</a:t>
+            </a:r>
+          </a:p>
+          <a:p>
+            <a:pPr marL="0" indent="0">
+              <a:buNone/>
+            </a:pPr>
+            <a:r>
+              <a:rPr lang="en-US" dirty="0" err="1">
+                <a:latin typeface="Courier New" panose="02070309020205020404" pitchFamily="49" charset="0"/>
+                <a:cs typeface="Courier New" panose="02070309020205020404" pitchFamily="49" charset="0"/>
+              </a:rPr>
+              <a:t>url</a:t>
+            </a:r>
+            <a:r>
+              <a:rPr lang="en-US" dirty="0">
+                <a:latin typeface="Courier New" panose="02070309020205020404" pitchFamily="49" charset="0"/>
+                <a:cs typeface="Courier New" panose="02070309020205020404" pitchFamily="49" charset="0"/>
+              </a:rPr>
+              <a:t> = 'http://</a:t>
+            </a:r>
+            <a:r>
+              <a:rPr lang="en-US" dirty="0" err="1">
+                <a:latin typeface="Courier New" panose="02070309020205020404" pitchFamily="49" charset="0"/>
+                <a:cs typeface="Courier New" panose="02070309020205020404" pitchFamily="49" charset="0"/>
+              </a:rPr>
+              <a:t>website.com</a:t>
+            </a:r>
+            <a:r>
+              <a:rPr lang="en-US" dirty="0">
+                <a:latin typeface="Courier New" panose="02070309020205020404" pitchFamily="49" charset="0"/>
+                <a:cs typeface="Courier New" panose="02070309020205020404" pitchFamily="49" charset="0"/>
+              </a:rPr>
+              <a:t>/datasets/</a:t>
+            </a:r>
+            <a:r>
+              <a:rPr lang="en-US" dirty="0" err="1">
+                <a:latin typeface="Courier New" panose="02070309020205020404" pitchFamily="49" charset="0"/>
+                <a:cs typeface="Courier New" panose="02070309020205020404" pitchFamily="49" charset="0"/>
+              </a:rPr>
+              <a:t>weekly.csv</a:t>
+            </a:r>
+            <a:r>
+              <a:rPr lang="en-US" dirty="0">
+                <a:latin typeface="Courier New" panose="02070309020205020404" pitchFamily="49" charset="0"/>
+                <a:cs typeface="Courier New" panose="02070309020205020404" pitchFamily="49" charset="0"/>
+              </a:rPr>
+              <a:t>’ </a:t>
+            </a:r>
+          </a:p>
+          <a:p>
+            <a:pPr marL="0" indent="0">
+              <a:buNone/>
+            </a:pPr>
+            <a:r>
+              <a:rPr lang="en-US" dirty="0" err="1">
+                <a:latin typeface="Courier New" panose="02070309020205020404" pitchFamily="49" charset="0"/>
+                <a:cs typeface="Courier New" panose="02070309020205020404" pitchFamily="49" charset="0"/>
+              </a:rPr>
+              <a:t>df</a:t>
+            </a:r>
+            <a:r>
+              <a:rPr lang="en-US" dirty="0">
+                <a:latin typeface="Courier New" panose="02070309020205020404" pitchFamily="49" charset="0"/>
+                <a:cs typeface="Courier New" panose="02070309020205020404" pitchFamily="49" charset="0"/>
+              </a:rPr>
+              <a:t> = </a:t>
+            </a:r>
+            <a:r>
+              <a:rPr lang="en-US" dirty="0" err="1">
+                <a:latin typeface="Courier New" panose="02070309020205020404" pitchFamily="49" charset="0"/>
+                <a:cs typeface="Courier New" panose="02070309020205020404" pitchFamily="49" charset="0"/>
+              </a:rPr>
+              <a:t>pd.read_csv</a:t>
+            </a:r>
+            <a:r>
+              <a:rPr lang="en-US" dirty="0">
+                <a:latin typeface="Courier New" panose="02070309020205020404" pitchFamily="49" charset="0"/>
+                <a:cs typeface="Courier New" panose="02070309020205020404" pitchFamily="49" charset="0"/>
+              </a:rPr>
+              <a:t>(</a:t>
+            </a:r>
+            <a:r>
+              <a:rPr lang="en-US" dirty="0" err="1">
+                <a:latin typeface="Courier New" panose="02070309020205020404" pitchFamily="49" charset="0"/>
+                <a:cs typeface="Courier New" panose="02070309020205020404" pitchFamily="49" charset="0"/>
+              </a:rPr>
+              <a:t>url</a:t>
+            </a:r>
+            <a:r>
+              <a:rPr lang="en-US" dirty="0">
+                <a:latin typeface="Courier New" panose="02070309020205020404" pitchFamily="49" charset="0"/>
+                <a:cs typeface="Courier New" panose="02070309020205020404" pitchFamily="49" charset="0"/>
+              </a:rPr>
+              <a:t>)</a:t>
+            </a:r>
+          </a:p>
+          <a:p>
+            <a:pPr marL="0" indent="0">
+              <a:buNone/>
+            </a:pPr>
+            <a:endParaRPr lang="en-US" dirty="0"/>
+          </a:p>
+          <a:p>
+            <a:r>
+              <a:rPr lang="en-US" dirty="0"/>
+              <a:t>This function assumes the columns are separated by a comma</a:t>
+            </a:r>
+          </a:p>
+          <a:p>
+            <a:r>
+              <a:rPr lang="en-US" dirty="0"/>
+              <a:t>If something else, then use the </a:t>
+            </a:r>
+            <a:r>
+              <a:rPr lang="en-US" dirty="0" err="1">
+                <a:latin typeface="Courier New" panose="02070309020205020404" pitchFamily="49" charset="0"/>
+                <a:cs typeface="Courier New" panose="02070309020205020404" pitchFamily="49" charset="0"/>
+              </a:rPr>
+              <a:t>sep</a:t>
+            </a:r>
+            <a:r>
+              <a:rPr lang="en-US" dirty="0"/>
+              <a:t> input</a:t>
             </a:r>
           </a:p>
           <a:p>
@@ -6235,27 +10044,20 @@
             <a:pPr marL="0" indent="0">
               <a:buNone/>
             </a:pPr>
-            <a:r>
-              <a:rPr lang="en-US" dirty="0" err="1">
-                <a:latin typeface="Courier New" panose="02070309020205020404" pitchFamily="49" charset="0"/>
-                <a:cs typeface="Courier New" panose="02070309020205020404" pitchFamily="49" charset="0"/>
-              </a:rPr>
-              <a:t>d.head</a:t>
-            </a:r>
-            <a:r>
-              <a:rPr lang="en-US" dirty="0">
-                <a:latin typeface="Courier New" panose="02070309020205020404" pitchFamily="49" charset="0"/>
-                <a:cs typeface="Courier New" panose="02070309020205020404" pitchFamily="49" charset="0"/>
-              </a:rPr>
-              <a:t>()</a:t>
-            </a:r>
+            <a:br>
+              <a:rPr lang="en-US" dirty="0"/>
+            </a:br>
+            <a:endParaRPr lang="en-US" dirty="0"/>
+          </a:p>
+          <a:p>
+            <a:endParaRPr lang="en-US" dirty="0"/>
           </a:p>
         </p:txBody>
       </p:sp>
     </p:spTree>
     <p:extLst>
       <p:ext uri="{BB962C8B-B14F-4D97-AF65-F5344CB8AC3E}">
-        <p14:creationId xmlns:p14="http://schemas.microsoft.com/office/powerpoint/2010/main" val="3820670899"/>
+        <p14:creationId xmlns:p14="http://schemas.microsoft.com/office/powerpoint/2010/main" val="2264636944"/>
       </p:ext>
     </p:extLst>
   </p:cSld>
@@ -6266,9 +10068,9 @@
 </file>
 
 <file path=ppt/theme/theme1.xml><?xml version="1.0" encoding="utf-8"?>
-<a:theme xmlns:a="http://schemas.openxmlformats.org/drawingml/2006/main" name="Office Theme">
+<a:theme xmlns:a="http://schemas.openxmlformats.org/drawingml/2006/main" name="Badge">
   <a:themeElements>
-    <a:clrScheme name="Office">
+    <a:clrScheme name="Badge">
       <a:dk1>
         <a:sysClr val="windowText" lastClr="000000"/>
       </a:dk1>
@@ -6276,96 +10078,44 @@
         <a:sysClr val="window" lastClr="FFFFFF"/>
       </a:lt1>
       <a:dk2>
-        <a:srgbClr val="44546A"/>
+        <a:srgbClr val="2A1A00"/>
       </a:dk2>
       <a:lt2>
-        <a:srgbClr val="E7E6E6"/>
+        <a:srgbClr val="F3F3F2"/>
       </a:lt2>
       <a:accent1>
-        <a:srgbClr val="4472C4"/>
+        <a:srgbClr val="F8B323"/>
       </a:accent1>
       <a:accent2>
-        <a:srgbClr val="ED7D31"/>
+        <a:srgbClr val="656A59"/>
       </a:accent2>
       <a:accent3>
-        <a:srgbClr val="A5A5A5"/>
+        <a:srgbClr val="46B2B5"/>
       </a:accent3>
       <a:accent4>
-        <a:srgbClr val="FFC000"/>
+        <a:srgbClr val="8CAA7E"/>
       </a:accent4>
       <a:accent5>
-        <a:srgbClr val="5B9BD5"/>
+        <a:srgbClr val="D36F68"/>
       </a:accent5>
       <a:accent6>
-        <a:srgbClr val="70AD47"/>
+        <a:srgbClr val="826276"/>
       </a:accent6>
       <a:hlink>
-        <a:srgbClr val="0563C1"/>
+        <a:srgbClr val="46B2B5"/>
       </a:hlink>
       <a:folHlink>
-        <a:srgbClr val="954F72"/>
+        <a:srgbClr val="A46694"/>
       </a:folHlink>
     </a:clrScheme>
-    <a:fontScheme name="Office">
+    <a:fontScheme name="Badge">
       <a:majorFont>
-        <a:latin typeface="Calibri Light" panose="020F0302020204030204"/>
+        <a:latin typeface="Impact" panose="020B0806030902050204"/>
         <a:ea typeface=""/>
         <a:cs typeface=""/>
-        <a:font script="Jpan" typeface="游ゴシック Light"/>
+        <a:font script="Jpan" typeface="メイリオ"/>
         <a:font script="Hang" typeface="맑은 고딕"/>
-        <a:font script="Hans" typeface="等线 Light"/>
-        <a:font script="Hant" typeface="新細明體"/>
-        <a:font script="Arab" typeface="Times New Roman"/>
-        <a:font script="Hebr" typeface="Times New Roman"/>
-        <a:font script="Thai" typeface="Angsana New"/>
-        <a:font script="Ethi" typeface="Nyala"/>
-        <a:font script="Beng" typeface="Vrinda"/>
-        <a:font script="Gujr" typeface="Shruti"/>
-        <a:font script="Khmr" typeface="MoolBoran"/>
-        <a:font script="Knda" typeface="Tunga"/>
-        <a:font script="Guru" typeface="Raavi"/>
-        <a:font script="Cans" typeface="Euphemia"/>
-        <a:font script="Cher" typeface="Plantagenet Cherokee"/>
-        <a:font script="Yiii" typeface="Microsoft Yi Baiti"/>
-        <a:font script="Tibt" typeface="Microsoft Himalaya"/>
-        <a:font script="Thaa" typeface="MV Boli"/>
-        <a:font script="Deva" typeface="Mangal"/>
-        <a:font script="Telu" typeface="Gautami"/>
-        <a:font script="Taml" typeface="Latha"/>
-        <a:font script="Syrc" typeface="Estrangelo Edessa"/>
-        <a:font script="Orya" typeface="Kalinga"/>
-        <a:font script="Mlym" typeface="Kartika"/>
-        <a:font script="Laoo" typeface="DokChampa"/>
-        <a:font script="Sinh" typeface="Iskoola Pota"/>
-        <a:font script="Mong" typeface="Mongolian Baiti"/>
-        <a:font script="Viet" typeface="Times New Roman"/>
-        <a:font script="Uigh" typeface="Microsoft Uighur"/>
-        <a:font script="Geor" typeface="Sylfaen"/>
-        <a:font script="Armn" typeface="Arial"/>
-        <a:font script="Bugi" typeface="Leelawadee UI"/>
-        <a:font script="Bopo" typeface="Microsoft JhengHei"/>
-        <a:font script="Java" typeface="Javanese Text"/>
-        <a:font script="Lisu" typeface="Segoe UI"/>
-        <a:font script="Mymr" typeface="Myanmar Text"/>
-        <a:font script="Nkoo" typeface="Ebrima"/>
-        <a:font script="Olck" typeface="Nirmala UI"/>
-        <a:font script="Osma" typeface="Ebrima"/>
-        <a:font script="Phag" typeface="Phagspa"/>
-        <a:font script="Syrn" typeface="Estrangelo Edessa"/>
-        <a:font script="Syrj" typeface="Estrangelo Edessa"/>
-        <a:font script="Syre" typeface="Estrangelo Edessa"/>
-        <a:font script="Sora" typeface="Nirmala UI"/>
-        <a:font script="Tale" typeface="Microsoft Tai Le"/>
-        <a:font script="Talu" typeface="Microsoft New Tai Lue"/>
-        <a:font script="Tfng" typeface="Ebrima"/>
-      </a:majorFont>
-      <a:minorFont>
-        <a:latin typeface="Calibri" panose="020F0502020204030204"/>
-        <a:ea typeface=""/>
-        <a:cs typeface=""/>
-        <a:font script="Jpan" typeface="游ゴシック"/>
-        <a:font script="Hang" typeface="맑은 고딕"/>
-        <a:font script="Hans" typeface="等线"/>
+        <a:font script="Hans" typeface="宋体"/>
         <a:font script="Hant" typeface="新細明體"/>
         <a:font script="Arab" typeface="Arial"/>
         <a:font script="Hebr" typeface="Arial"/>
@@ -6393,26 +10143,46 @@
         <a:font script="Viet" typeface="Arial"/>
         <a:font script="Uigh" typeface="Microsoft Uighur"/>
         <a:font script="Geor" typeface="Sylfaen"/>
-        <a:font script="Armn" typeface="Arial"/>
-        <a:font script="Bugi" typeface="Leelawadee UI"/>
-        <a:font script="Bopo" typeface="Microsoft JhengHei"/>
-        <a:font script="Java" typeface="Javanese Text"/>
-        <a:font script="Lisu" typeface="Segoe UI"/>
-        <a:font script="Mymr" typeface="Myanmar Text"/>
-        <a:font script="Nkoo" typeface="Ebrima"/>
-        <a:font script="Olck" typeface="Nirmala UI"/>
-        <a:font script="Osma" typeface="Ebrima"/>
-        <a:font script="Phag" typeface="Phagspa"/>
-        <a:font script="Syrn" typeface="Estrangelo Edessa"/>
-        <a:font script="Syrj" typeface="Estrangelo Edessa"/>
-        <a:font script="Syre" typeface="Estrangelo Edessa"/>
-        <a:font script="Sora" typeface="Nirmala UI"/>
-        <a:font script="Tale" typeface="Microsoft Tai Le"/>
-        <a:font script="Talu" typeface="Microsoft New Tai Lue"/>
-        <a:font script="Tfng" typeface="Ebrima"/>
+      </a:majorFont>
+      <a:minorFont>
+        <a:latin typeface="Gill Sans MT" panose="020B0502020104020203"/>
+        <a:ea typeface=""/>
+        <a:cs typeface=""/>
+        <a:font script="Grek" typeface="Corbel"/>
+        <a:font script="Cyrl" typeface="Corbel"/>
+        <a:font script="Jpan" typeface="メイリオ"/>
+        <a:font script="Hang" typeface="휴먼매직체"/>
+        <a:font script="Hans" typeface="华文中宋"/>
+        <a:font script="Hant" typeface="微軟正黑體"/>
+        <a:font script="Arab" typeface="Majalla UI"/>
+        <a:font script="Hebr" typeface="Arial"/>
+        <a:font script="Thai" typeface="Cordia New"/>
+        <a:font script="Ethi" typeface="Nyala"/>
+        <a:font script="Beng" typeface="Vrinda"/>
+        <a:font script="Gujr" typeface="Shruti"/>
+        <a:font script="Khmr" typeface="DaunPenh"/>
+        <a:font script="Knda" typeface="Tunga"/>
+        <a:font script="Guru" typeface="Raavi"/>
+        <a:font script="Cans" typeface="Euphemia"/>
+        <a:font script="Cher" typeface="Plantagenet Cherokee"/>
+        <a:font script="Yiii" typeface="Microsoft Yi Baiti"/>
+        <a:font script="Tibt" typeface="Microsoft Himalaya"/>
+        <a:font script="Thaa" typeface="MV Boli"/>
+        <a:font script="Deva" typeface="Mangal"/>
+        <a:font script="Telu" typeface="Gautami"/>
+        <a:font script="Taml" typeface="Latha"/>
+        <a:font script="Syrc" typeface="Estrangelo Edessa"/>
+        <a:font script="Orya" typeface="Kalinga"/>
+        <a:font script="Mlym" typeface="Kartika"/>
+        <a:font script="Laoo" typeface="DokChampa"/>
+        <a:font script="Sinh" typeface="Iskoola Pota"/>
+        <a:font script="Mong" typeface="Mongolian Baiti"/>
+        <a:font script="Viet" typeface="Tahoma"/>
+        <a:font script="Uigh" typeface="Microsoft Uighur"/>
+        <a:font script="Geor" typeface="Sylfaen"/>
       </a:minorFont>
     </a:fontScheme>
-    <a:fmtScheme name="Office">
+    <a:fmtScheme name="Badge">
       <a:fillStyleLst>
         <a:solidFill>
           <a:schemeClr val="phClr"/>
@@ -6421,23 +10191,23 @@
           <a:gsLst>
             <a:gs pos="0">
               <a:schemeClr val="phClr">
+                <a:tint val="67000"/>
+                <a:satMod val="105000"/>
                 <a:lumMod val="110000"/>
-                <a:satMod val="105000"/>
-                <a:tint val="67000"/>
               </a:schemeClr>
             </a:gs>
             <a:gs pos="50000">
               <a:schemeClr val="phClr">
+                <a:tint val="73000"/>
+                <a:satMod val="103000"/>
                 <a:lumMod val="105000"/>
-                <a:satMod val="103000"/>
-                <a:tint val="73000"/>
               </a:schemeClr>
             </a:gs>
             <a:gs pos="100000">
               <a:schemeClr val="phClr">
+                <a:tint val="81000"/>
+                <a:satMod val="109000"/>
                 <a:lumMod val="105000"/>
-                <a:satMod val="109000"/>
-                <a:tint val="81000"/>
               </a:schemeClr>
             </a:gs>
           </a:gsLst>
@@ -6447,23 +10217,23 @@
           <a:gsLst>
             <a:gs pos="0">
               <a:schemeClr val="phClr">
+                <a:tint val="94000"/>
                 <a:satMod val="103000"/>
                 <a:lumMod val="102000"/>
-                <a:tint val="94000"/>
               </a:schemeClr>
             </a:gs>
             <a:gs pos="50000">
               <a:schemeClr val="phClr">
+                <a:shade val="100000"/>
                 <a:satMod val="110000"/>
                 <a:lumMod val="100000"/>
-                <a:shade val="100000"/>
               </a:schemeClr>
             </a:gs>
             <a:gs pos="100000">
               <a:schemeClr val="phClr">
+                <a:shade val="78000"/>
+                <a:satMod val="120000"/>
                 <a:lumMod val="99000"/>
-                <a:satMod val="120000"/>
-                <a:shade val="78000"/>
               </a:schemeClr>
             </a:gs>
           </a:gsLst>
@@ -6471,26 +10241,23 @@
         </a:gradFill>
       </a:fillStyleLst>
       <a:lnStyleLst>
-        <a:ln w="6350" cap="flat" cmpd="sng" algn="ctr">
+        <a:ln w="6350" cap="flat" cmpd="sng" algn="in">
           <a:solidFill>
             <a:schemeClr val="phClr"/>
           </a:solidFill>
           <a:prstDash val="solid"/>
-          <a:miter lim="800000"/>
         </a:ln>
-        <a:ln w="12700" cap="flat" cmpd="sng" algn="ctr">
+        <a:ln w="12700" cap="flat" cmpd="sng" algn="in">
           <a:solidFill>
             <a:schemeClr val="phClr"/>
           </a:solidFill>
           <a:prstDash val="solid"/>
-          <a:miter lim="800000"/>
         </a:ln>
-        <a:ln w="19050" cap="flat" cmpd="sng" algn="ctr">
+        <a:ln w="50800" cap="flat" cmpd="sng" algn="in">
           <a:solidFill>
             <a:schemeClr val="phClr"/>
           </a:solidFill>
           <a:prstDash val="solid"/>
-          <a:miter lim="800000"/>
         </a:ln>
       </a:lnStyleLst>
       <a:effectStyleLst>
@@ -6502,9 +10269,9 @@
         </a:effectStyle>
         <a:effectStyle>
           <a:effectLst>
-            <a:outerShdw blurRad="57150" dist="19050" dir="5400000" algn="ctr" rotWithShape="0">
+            <a:outerShdw blurRad="38100" dist="25400" dir="5400000" algn="ctr" rotWithShape="0">
               <a:srgbClr val="000000">
-                <a:alpha val="63000"/>
+                <a:alpha val="25000"/>
               </a:srgbClr>
             </a:outerShdw>
           </a:effectLst>
@@ -6525,16 +10292,16 @@
             <a:gs pos="0">
               <a:schemeClr val="phClr">
                 <a:tint val="93000"/>
+                <a:shade val="98000"/>
                 <a:satMod val="150000"/>
-                <a:shade val="98000"/>
                 <a:lumMod val="102000"/>
               </a:schemeClr>
             </a:gs>
             <a:gs pos="50000">
               <a:schemeClr val="phClr">
                 <a:tint val="98000"/>
+                <a:shade val="90000"/>
                 <a:satMod val="130000"/>
-                <a:shade val="90000"/>
                 <a:lumMod val="103000"/>
               </a:schemeClr>
             </a:gs>
@@ -6554,7 +10321,7 @@
   <a:extraClrSchemeLst/>
   <a:extLst>
     <a:ext uri="{05A4C25C-085E-4340-85A3-A5531E510DB2}">
-      <thm15:themeFamily xmlns:thm15="http://schemas.microsoft.com/office/thememl/2012/main" name="Office Theme" id="{62F939B6-93AF-4DB8-9C6B-D6C7DFDC589F}" vid="{4A3C46E8-61CC-4603-A589-7422A47A8E4A}"/>
+      <thm15:themeFamily xmlns:thm15="http://schemas.microsoft.com/office/thememl/2012/main" name="Badge" id="{71A07785-5930-41D4-9A83-E23602B48E98}" vid="{771EA782-DFA6-45B1-AEA3-661F1715B310}"/>
     </a:ext>
   </a:extLst>
 </a:theme>
